--- a/ProjetoIndividual/Apresentação.pptx
+++ b/ProjetoIndividual/Apresentação.pptx
@@ -6,10 +6,15 @@
   </p:sldMasterIdLst>
   <p:sldIdLst>
     <p:sldId id="256" r:id="rId2"/>
-    <p:sldId id="257" r:id="rId3"/>
-    <p:sldId id="259" r:id="rId4"/>
-    <p:sldId id="258" r:id="rId5"/>
-    <p:sldId id="260" r:id="rId6"/>
+    <p:sldId id="262" r:id="rId3"/>
+    <p:sldId id="257" r:id="rId4"/>
+    <p:sldId id="259" r:id="rId5"/>
+    <p:sldId id="261" r:id="rId6"/>
+    <p:sldId id="258" r:id="rId7"/>
+    <p:sldId id="260" r:id="rId8"/>
+    <p:sldId id="263" r:id="rId9"/>
+    <p:sldId id="264" r:id="rId10"/>
+    <p:sldId id="265" r:id="rId11"/>
   </p:sldIdLst>
   <p:sldSz cx="12192000" cy="6858000"/>
   <p:notesSz cx="6858000" cy="9144000"/>
@@ -247,7 +252,7 @@
           <a:p>
             <a:fld id="{A2C47E6B-6717-4585-B963-6FA0B8212FF2}" type="datetimeFigureOut">
               <a:rPr lang="pt-BR" smtClean="0"/>
-              <a:t>28/05/2021</a:t>
+              <a:t>06/06/2021</a:t>
             </a:fld>
             <a:endParaRPr lang="pt-BR"/>
           </a:p>
@@ -417,7 +422,7 @@
           <a:p>
             <a:fld id="{A2C47E6B-6717-4585-B963-6FA0B8212FF2}" type="datetimeFigureOut">
               <a:rPr lang="pt-BR" smtClean="0"/>
-              <a:t>28/05/2021</a:t>
+              <a:t>06/06/2021</a:t>
             </a:fld>
             <a:endParaRPr lang="pt-BR"/>
           </a:p>
@@ -597,7 +602,7 @@
           <a:p>
             <a:fld id="{A2C47E6B-6717-4585-B963-6FA0B8212FF2}" type="datetimeFigureOut">
               <a:rPr lang="pt-BR" smtClean="0"/>
-              <a:t>28/05/2021</a:t>
+              <a:t>06/06/2021</a:t>
             </a:fld>
             <a:endParaRPr lang="pt-BR"/>
           </a:p>
@@ -767,7 +772,7 @@
           <a:p>
             <a:fld id="{A2C47E6B-6717-4585-B963-6FA0B8212FF2}" type="datetimeFigureOut">
               <a:rPr lang="pt-BR" smtClean="0"/>
-              <a:t>28/05/2021</a:t>
+              <a:t>06/06/2021</a:t>
             </a:fld>
             <a:endParaRPr lang="pt-BR"/>
           </a:p>
@@ -1013,7 +1018,7 @@
           <a:p>
             <a:fld id="{A2C47E6B-6717-4585-B963-6FA0B8212FF2}" type="datetimeFigureOut">
               <a:rPr lang="pt-BR" smtClean="0"/>
-              <a:t>28/05/2021</a:t>
+              <a:t>06/06/2021</a:t>
             </a:fld>
             <a:endParaRPr lang="pt-BR"/>
           </a:p>
@@ -1245,7 +1250,7 @@
           <a:p>
             <a:fld id="{A2C47E6B-6717-4585-B963-6FA0B8212FF2}" type="datetimeFigureOut">
               <a:rPr lang="pt-BR" smtClean="0"/>
-              <a:t>28/05/2021</a:t>
+              <a:t>06/06/2021</a:t>
             </a:fld>
             <a:endParaRPr lang="pt-BR"/>
           </a:p>
@@ -1612,7 +1617,7 @@
           <a:p>
             <a:fld id="{A2C47E6B-6717-4585-B963-6FA0B8212FF2}" type="datetimeFigureOut">
               <a:rPr lang="pt-BR" smtClean="0"/>
-              <a:t>28/05/2021</a:t>
+              <a:t>06/06/2021</a:t>
             </a:fld>
             <a:endParaRPr lang="pt-BR"/>
           </a:p>
@@ -1730,7 +1735,7 @@
           <a:p>
             <a:fld id="{A2C47E6B-6717-4585-B963-6FA0B8212FF2}" type="datetimeFigureOut">
               <a:rPr lang="pt-BR" smtClean="0"/>
-              <a:t>28/05/2021</a:t>
+              <a:t>06/06/2021</a:t>
             </a:fld>
             <a:endParaRPr lang="pt-BR"/>
           </a:p>
@@ -1825,7 +1830,7 @@
           <a:p>
             <a:fld id="{A2C47E6B-6717-4585-B963-6FA0B8212FF2}" type="datetimeFigureOut">
               <a:rPr lang="pt-BR" smtClean="0"/>
-              <a:t>28/05/2021</a:t>
+              <a:t>06/06/2021</a:t>
             </a:fld>
             <a:endParaRPr lang="pt-BR"/>
           </a:p>
@@ -2102,7 +2107,7 @@
           <a:p>
             <a:fld id="{A2C47E6B-6717-4585-B963-6FA0B8212FF2}" type="datetimeFigureOut">
               <a:rPr lang="pt-BR" smtClean="0"/>
-              <a:t>28/05/2021</a:t>
+              <a:t>06/06/2021</a:t>
             </a:fld>
             <a:endParaRPr lang="pt-BR"/>
           </a:p>
@@ -2355,7 +2360,7 @@
           <a:p>
             <a:fld id="{A2C47E6B-6717-4585-B963-6FA0B8212FF2}" type="datetimeFigureOut">
               <a:rPr lang="pt-BR" smtClean="0"/>
-              <a:t>28/05/2021</a:t>
+              <a:t>06/06/2021</a:t>
             </a:fld>
             <a:endParaRPr lang="pt-BR"/>
           </a:p>
@@ -2568,7 +2573,7 @@
           <a:p>
             <a:fld id="{A2C47E6B-6717-4585-B963-6FA0B8212FF2}" type="datetimeFigureOut">
               <a:rPr lang="pt-BR" smtClean="0"/>
-              <a:t>28/05/2021</a:t>
+              <a:t>06/06/2021</a:t>
             </a:fld>
             <a:endParaRPr lang="pt-BR"/>
           </a:p>
@@ -3100,7 +3105,25 @@
                 </a:solidFill>
                 <a:latin typeface="Analyzer Demo" pitchFamily="2" charset="0"/>
               </a:rPr>
-              <a:t>Apresentação de Júlia Budavicius</a:t>
+              <a:t>Apresentação de </a:t>
+            </a:r>
+            <a:r>
+              <a:rPr lang="pt-BR" dirty="0" smtClean="0">
+                <a:solidFill>
+                  <a:srgbClr val="92F649"/>
+                </a:solidFill>
+                <a:latin typeface="Analyzer Demo" pitchFamily="2" charset="0"/>
+              </a:rPr>
+              <a:t>Júlia </a:t>
+            </a:r>
+            <a:r>
+              <a:rPr lang="pt-BR" dirty="0" smtClean="0">
+                <a:solidFill>
+                  <a:srgbClr val="92F649"/>
+                </a:solidFill>
+                <a:latin typeface="Analyzer Demo" pitchFamily="2" charset="0"/>
+              </a:rPr>
+              <a:t>Budavicius</a:t>
             </a:r>
             <a:endParaRPr lang="pt-BR" dirty="0">
               <a:solidFill>
@@ -3171,6 +3194,268 @@
 </p:sld>
 </file>
 
+<file path=ppt/slides/slide10.xml><?xml version="1.0" encoding="utf-8"?>
+<p:sld xmlns:a="http://schemas.openxmlformats.org/drawingml/2006/main" xmlns:r="http://schemas.openxmlformats.org/officeDocument/2006/relationships" xmlns:p="http://schemas.openxmlformats.org/presentationml/2006/main">
+  <p:cSld>
+    <p:spTree>
+      <p:nvGrpSpPr>
+        <p:cNvPr id="1" name=""/>
+        <p:cNvGrpSpPr/>
+        <p:nvPr/>
+      </p:nvGrpSpPr>
+      <p:grpSpPr>
+        <a:xfrm>
+          <a:off x="0" y="0"/>
+          <a:ext cx="0" cy="0"/>
+          <a:chOff x="0" y="0"/>
+          <a:chExt cx="0" cy="0"/>
+        </a:xfrm>
+      </p:grpSpPr>
+      <p:sp>
+        <p:nvSpPr>
+          <p:cNvPr id="5" name="Título 1"/>
+          <p:cNvSpPr>
+            <a:spLocks noGrp="1"/>
+          </p:cNvSpPr>
+          <p:nvPr>
+            <p:ph type="title"/>
+          </p:nvPr>
+        </p:nvSpPr>
+        <p:spPr>
+          <a:xfrm>
+            <a:off x="838200" y="365125"/>
+            <a:ext cx="10515600" cy="1325563"/>
+          </a:xfrm>
+        </p:spPr>
+        <p:txBody>
+          <a:bodyPr/>
+          <a:lstStyle/>
+          <a:p>
+            <a:endParaRPr lang="pt-BR"/>
+          </a:p>
+        </p:txBody>
+      </p:sp>
+      <p:sp>
+        <p:nvSpPr>
+          <p:cNvPr id="6" name="Espaço Reservado para Conteúdo 2"/>
+          <p:cNvSpPr>
+            <a:spLocks noGrp="1"/>
+          </p:cNvSpPr>
+          <p:nvPr>
+            <p:ph idx="1"/>
+          </p:nvPr>
+        </p:nvSpPr>
+        <p:spPr>
+          <a:xfrm>
+            <a:off x="838200" y="1825625"/>
+            <a:ext cx="10515600" cy="4351338"/>
+          </a:xfrm>
+        </p:spPr>
+        <p:txBody>
+          <a:bodyPr/>
+          <a:lstStyle/>
+          <a:p>
+            <a:endParaRPr lang="pt-BR"/>
+          </a:p>
+        </p:txBody>
+      </p:sp>
+      <p:pic>
+        <p:nvPicPr>
+          <p:cNvPr id="7" name="Espaço Reservado para Conteúdo 3"/>
+          <p:cNvPicPr>
+            <a:picLocks noChangeAspect="1"/>
+          </p:cNvPicPr>
+          <p:nvPr/>
+        </p:nvPicPr>
+        <p:blipFill rotWithShape="1">
+          <a:blip r:embed="rId2" cstate="print">
+            <a:extLst>
+              <a:ext uri="{28A0092B-C50C-407E-A947-70E740481C1C}">
+                <a14:useLocalDpi xmlns:a14="http://schemas.microsoft.com/office/drawing/2010/main" val="0"/>
+              </a:ext>
+            </a:extLst>
+          </a:blip>
+          <a:srcRect l="1" t="562" r="33329" b="35315"/>
+          <a:stretch/>
+        </p:blipFill>
+        <p:spPr>
+          <a:xfrm>
+            <a:off x="-1" y="2"/>
+            <a:ext cx="12211862" cy="6857998"/>
+          </a:xfrm>
+          <a:prstGeom prst="rect">
+            <a:avLst/>
+          </a:prstGeom>
+        </p:spPr>
+      </p:pic>
+      <p:pic>
+        <p:nvPicPr>
+          <p:cNvPr id="8" name="Imagem 7"/>
+          <p:cNvPicPr>
+            <a:picLocks noChangeAspect="1"/>
+          </p:cNvPicPr>
+          <p:nvPr/>
+        </p:nvPicPr>
+        <p:blipFill rotWithShape="1">
+          <a:blip r:embed="rId2" cstate="print">
+            <a:extLst>
+              <a:ext uri="{28A0092B-C50C-407E-A947-70E740481C1C}">
+                <a14:useLocalDpi xmlns:a14="http://schemas.microsoft.com/office/drawing/2010/main" val="0"/>
+              </a:ext>
+            </a:extLst>
+          </a:blip>
+          <a:srcRect l="57391" t="21449" r="8891"/>
+          <a:stretch/>
+        </p:blipFill>
+        <p:spPr>
+          <a:xfrm>
+            <a:off x="10988066" y="5280339"/>
+            <a:ext cx="1203934" cy="1577661"/>
+          </a:xfrm>
+          <a:prstGeom prst="rect">
+            <a:avLst/>
+          </a:prstGeom>
+        </p:spPr>
+      </p:pic>
+      <p:pic>
+        <p:nvPicPr>
+          <p:cNvPr id="9" name="Imagem 8"/>
+          <p:cNvPicPr>
+            <a:picLocks noChangeAspect="1"/>
+          </p:cNvPicPr>
+          <p:nvPr/>
+        </p:nvPicPr>
+        <p:blipFill>
+          <a:blip r:embed="rId3" cstate="print">
+            <a:extLst>
+              <a:ext uri="{28A0092B-C50C-407E-A947-70E740481C1C}">
+                <a14:useLocalDpi xmlns:a14="http://schemas.microsoft.com/office/drawing/2010/main" val="0"/>
+              </a:ext>
+            </a:extLst>
+          </a:blip>
+          <a:stretch>
+            <a:fillRect/>
+          </a:stretch>
+        </p:blipFill>
+        <p:spPr>
+          <a:xfrm flipH="1">
+            <a:off x="0" y="5893737"/>
+            <a:ext cx="850004" cy="964263"/>
+          </a:xfrm>
+          <a:prstGeom prst="rect">
+            <a:avLst/>
+          </a:prstGeom>
+        </p:spPr>
+      </p:pic>
+      <p:pic>
+        <p:nvPicPr>
+          <p:cNvPr id="10" name="Espaço Reservado para Conteúdo 8"/>
+          <p:cNvPicPr>
+            <a:picLocks noChangeAspect="1"/>
+          </p:cNvPicPr>
+          <p:nvPr/>
+        </p:nvPicPr>
+        <p:blipFill>
+          <a:blip r:embed="rId4">
+            <a:extLst>
+              <a:ext uri="{28A0092B-C50C-407E-A947-70E740481C1C}">
+                <a14:useLocalDpi xmlns:a14="http://schemas.microsoft.com/office/drawing/2010/main" val="0"/>
+              </a:ext>
+            </a:extLst>
+          </a:blip>
+          <a:stretch>
+            <a:fillRect/>
+          </a:stretch>
+        </p:blipFill>
+        <p:spPr>
+          <a:xfrm>
+            <a:off x="-1233824" y="-1323975"/>
+            <a:ext cx="2647950" cy="2647950"/>
+          </a:xfrm>
+          <a:prstGeom prst="rect">
+            <a:avLst/>
+          </a:prstGeom>
+        </p:spPr>
+      </p:pic>
+      <p:pic>
+        <p:nvPicPr>
+          <p:cNvPr id="4" name="Imagem 3"/>
+          <p:cNvPicPr>
+            <a:picLocks noChangeAspect="1"/>
+          </p:cNvPicPr>
+          <p:nvPr/>
+        </p:nvPicPr>
+        <p:blipFill>
+          <a:blip r:embed="rId5"/>
+          <a:stretch>
+            <a:fillRect/>
+          </a:stretch>
+        </p:blipFill>
+        <p:spPr>
+          <a:xfrm>
+            <a:off x="1469383" y="1051905"/>
+            <a:ext cx="9273093" cy="5125058"/>
+          </a:xfrm>
+          <a:prstGeom prst="rect">
+            <a:avLst/>
+          </a:prstGeom>
+        </p:spPr>
+      </p:pic>
+      <p:sp>
+        <p:nvSpPr>
+          <p:cNvPr id="11" name="CaixaDeTexto 10"/>
+          <p:cNvSpPr txBox="1"/>
+          <p:nvPr/>
+        </p:nvSpPr>
+        <p:spPr>
+          <a:xfrm>
+            <a:off x="5407483" y="36047"/>
+            <a:ext cx="1602917" cy="523220"/>
+          </a:xfrm>
+          <a:prstGeom prst="rect">
+            <a:avLst/>
+          </a:prstGeom>
+          <a:noFill/>
+        </p:spPr>
+        <p:txBody>
+          <a:bodyPr wrap="square" rtlCol="0">
+            <a:spAutoFit/>
+          </a:bodyPr>
+          <a:lstStyle/>
+          <a:p>
+            <a:r>
+              <a:rPr lang="pt-BR" sz="2800" b="1" dirty="0" err="1" smtClean="0">
+                <a:solidFill>
+                  <a:srgbClr val="22A2BD"/>
+                </a:solidFill>
+                <a:latin typeface="Arial" panose="020B0604020202020204" pitchFamily="34" charset="0"/>
+                <a:cs typeface="Arial" panose="020B0604020202020204" pitchFamily="34" charset="0"/>
+              </a:rPr>
+              <a:t>Backlog</a:t>
+            </a:r>
+            <a:endParaRPr lang="pt-BR" sz="2800" b="1" dirty="0">
+              <a:solidFill>
+                <a:srgbClr val="22A2BD"/>
+              </a:solidFill>
+              <a:latin typeface="Arial" panose="020B0604020202020204" pitchFamily="34" charset="0"/>
+              <a:cs typeface="Arial" panose="020B0604020202020204" pitchFamily="34" charset="0"/>
+            </a:endParaRPr>
+          </a:p>
+        </p:txBody>
+      </p:sp>
+    </p:spTree>
+    <p:extLst>
+      <p:ext uri="{BB962C8B-B14F-4D97-AF65-F5344CB8AC3E}">
+        <p14:creationId xmlns:p14="http://schemas.microsoft.com/office/powerpoint/2010/main" val="59827629"/>
+      </p:ext>
+    </p:extLst>
+  </p:cSld>
+  <p:clrMapOvr>
+    <a:masterClrMapping/>
+  </p:clrMapOvr>
+</p:sld>
+</file>
+
 <file path=ppt/slides/slide2.xml><?xml version="1.0" encoding="utf-8"?>
 <p:sld xmlns:a="http://schemas.openxmlformats.org/drawingml/2006/main" xmlns:r="http://schemas.openxmlformats.org/officeDocument/2006/relationships" xmlns:p="http://schemas.openxmlformats.org/presentationml/2006/main">
   <p:cSld>
@@ -3190,7 +3475,7 @@
       </p:grpSpPr>
       <p:sp>
         <p:nvSpPr>
-          <p:cNvPr id="2" name="Título 1"/>
+          <p:cNvPr id="10" name="Título 1"/>
           <p:cNvSpPr>
             <a:spLocks noGrp="1"/>
           </p:cNvSpPr>
@@ -3198,7 +3483,12 @@
             <p:ph type="title"/>
           </p:nvPr>
         </p:nvSpPr>
-        <p:spPr/>
+        <p:spPr>
+          <a:xfrm>
+            <a:off x="838200" y="365125"/>
+            <a:ext cx="10515600" cy="1325563"/>
+          </a:xfrm>
+        </p:spPr>
         <p:txBody>
           <a:bodyPr/>
           <a:lstStyle/>
@@ -3207,15 +3497,37 @@
           </a:p>
         </p:txBody>
       </p:sp>
-      <p:pic>
-        <p:nvPicPr>
-          <p:cNvPr id="4" name="Espaço Reservado para Conteúdo 3"/>
-          <p:cNvPicPr>
-            <a:picLocks noGrp="1" noChangeAspect="1"/>
-          </p:cNvPicPr>
+      <p:sp>
+        <p:nvSpPr>
+          <p:cNvPr id="11" name="Espaço Reservado para Conteúdo 2"/>
+          <p:cNvSpPr>
+            <a:spLocks noGrp="1"/>
+          </p:cNvSpPr>
           <p:nvPr>
             <p:ph idx="1"/>
           </p:nvPr>
+        </p:nvSpPr>
+        <p:spPr>
+          <a:xfrm>
+            <a:off x="838200" y="1825625"/>
+            <a:ext cx="10515600" cy="4351338"/>
+          </a:xfrm>
+        </p:spPr>
+        <p:txBody>
+          <a:bodyPr/>
+          <a:lstStyle/>
+          <a:p>
+            <a:endParaRPr lang="pt-BR"/>
+          </a:p>
+        </p:txBody>
+      </p:sp>
+      <p:pic>
+        <p:nvPicPr>
+          <p:cNvPr id="12" name="Espaço Reservado para Conteúdo 3"/>
+          <p:cNvPicPr>
+            <a:picLocks noChangeAspect="1"/>
+          </p:cNvPicPr>
+          <p:nvPr/>
         </p:nvPicPr>
         <p:blipFill rotWithShape="1">
           <a:blip r:embed="rId2" cstate="print">
@@ -3233,11 +3545,14 @@
             <a:off x="-1" y="2"/>
             <a:ext cx="12211862" cy="6857998"/>
           </a:xfrm>
+          <a:prstGeom prst="rect">
+            <a:avLst/>
+          </a:prstGeom>
         </p:spPr>
       </p:pic>
       <p:pic>
         <p:nvPicPr>
-          <p:cNvPr id="6" name="Imagem 5"/>
+          <p:cNvPr id="13" name="Imagem 12"/>
           <p:cNvPicPr>
             <a:picLocks noChangeAspect="1"/>
           </p:cNvPicPr>
@@ -3251,13 +3566,13 @@
               </a:ext>
             </a:extLst>
           </a:blip>
-          <a:srcRect l="57391" t="21449" r="7191"/>
+          <a:srcRect l="57391" t="21449" r="8891"/>
           <a:stretch/>
         </p:blipFill>
         <p:spPr>
           <a:xfrm>
-            <a:off x="10947254" y="5280339"/>
-            <a:ext cx="1264607" cy="1577661"/>
+            <a:off x="10988066" y="5280339"/>
+            <a:ext cx="1203934" cy="1577661"/>
           </a:xfrm>
           <a:prstGeom prst="rect">
             <a:avLst/>
@@ -3266,7 +3581,7 @@
       </p:pic>
       <p:pic>
         <p:nvPicPr>
-          <p:cNvPr id="7" name="Imagem 6"/>
+          <p:cNvPr id="14" name="Imagem 13"/>
           <p:cNvPicPr>
             <a:picLocks noChangeAspect="1"/>
           </p:cNvPicPr>
@@ -3296,7 +3611,7 @@
       </p:pic>
       <p:pic>
         <p:nvPicPr>
-          <p:cNvPr id="11" name="Espaço Reservado para Conteúdo 8"/>
+          <p:cNvPr id="15" name="Espaço Reservado para Conteúdo 8"/>
           <p:cNvPicPr>
             <a:picLocks noChangeAspect="1"/>
           </p:cNvPicPr>
@@ -3316,18 +3631,322 @@
         </p:blipFill>
         <p:spPr>
           <a:xfrm>
-            <a:off x="-1182308" y="-1323975"/>
+            <a:off x="-1233824" y="-1323975"/>
             <a:ext cx="2647950" cy="2647950"/>
           </a:xfrm>
           <a:prstGeom prst="rect">
             <a:avLst/>
           </a:prstGeom>
+        </p:spPr>
+      </p:pic>
+      <p:sp>
+        <p:nvSpPr>
+          <p:cNvPr id="16" name="CaixaDeTexto 15"/>
+          <p:cNvSpPr txBox="1"/>
+          <p:nvPr/>
+        </p:nvSpPr>
+        <p:spPr>
+          <a:xfrm>
+            <a:off x="1509956" y="2938278"/>
+            <a:ext cx="9674942" cy="2246769"/>
+          </a:xfrm>
+          <a:prstGeom prst="rect">
+            <a:avLst/>
+          </a:prstGeom>
+          <a:noFill/>
+        </p:spPr>
+        <p:txBody>
+          <a:bodyPr wrap="square" rtlCol="0">
+            <a:spAutoFit/>
+          </a:bodyPr>
+          <a:lstStyle/>
+          <a:p>
+            <a:pPr algn="ctr"/>
+            <a:r>
+              <a:rPr lang="pt-BR" sz="2800" b="1" i="1" dirty="0">
+                <a:solidFill>
+                  <a:schemeClr val="bg1"/>
+                </a:solidFill>
+                <a:latin typeface="Arial" panose="020B0604020202020204" pitchFamily="34" charset="0"/>
+                <a:cs typeface="Arial" panose="020B0604020202020204" pitchFamily="34" charset="0"/>
+              </a:rPr>
+              <a:t>Rick </a:t>
+            </a:r>
+            <a:r>
+              <a:rPr lang="pt-BR" sz="2800" b="1" i="1" dirty="0" err="1">
+                <a:solidFill>
+                  <a:schemeClr val="bg1"/>
+                </a:solidFill>
+                <a:latin typeface="Arial" panose="020B0604020202020204" pitchFamily="34" charset="0"/>
+                <a:cs typeface="Arial" panose="020B0604020202020204" pitchFamily="34" charset="0"/>
+              </a:rPr>
+              <a:t>and</a:t>
+            </a:r>
+            <a:r>
+              <a:rPr lang="pt-BR" sz="2800" b="1" i="1" dirty="0">
+                <a:solidFill>
+                  <a:schemeClr val="bg1"/>
+                </a:solidFill>
+                <a:latin typeface="Arial" panose="020B0604020202020204" pitchFamily="34" charset="0"/>
+                <a:cs typeface="Arial" panose="020B0604020202020204" pitchFamily="34" charset="0"/>
+              </a:rPr>
+              <a:t> </a:t>
+            </a:r>
+            <a:r>
+              <a:rPr lang="pt-BR" sz="2800" b="1" i="1" dirty="0" err="1">
+                <a:solidFill>
+                  <a:schemeClr val="bg1"/>
+                </a:solidFill>
+                <a:latin typeface="Arial" panose="020B0604020202020204" pitchFamily="34" charset="0"/>
+                <a:cs typeface="Arial" panose="020B0604020202020204" pitchFamily="34" charset="0"/>
+              </a:rPr>
+              <a:t>Morty</a:t>
+            </a:r>
+            <a:r>
+              <a:rPr lang="pt-BR" sz="2800" dirty="0">
+                <a:solidFill>
+                  <a:schemeClr val="bg1"/>
+                </a:solidFill>
+                <a:latin typeface="Arial" panose="020B0604020202020204" pitchFamily="34" charset="0"/>
+                <a:cs typeface="Arial" panose="020B0604020202020204" pitchFamily="34" charset="0"/>
+              </a:rPr>
+              <a:t> </a:t>
+            </a:r>
+            <a:r>
+              <a:rPr lang="pt-BR" sz="2800" dirty="0" smtClean="0">
+                <a:solidFill>
+                  <a:schemeClr val="bg1"/>
+                </a:solidFill>
+                <a:latin typeface="Arial" panose="020B0604020202020204" pitchFamily="34" charset="0"/>
+                <a:cs typeface="Arial" panose="020B0604020202020204" pitchFamily="34" charset="0"/>
+              </a:rPr>
+              <a:t>é </a:t>
+            </a:r>
+            <a:r>
+              <a:rPr lang="pt-BR" sz="2800" dirty="0">
+                <a:solidFill>
+                  <a:schemeClr val="bg1"/>
+                </a:solidFill>
+                <a:latin typeface="Arial" panose="020B0604020202020204" pitchFamily="34" charset="0"/>
+                <a:cs typeface="Arial" panose="020B0604020202020204" pitchFamily="34" charset="0"/>
+              </a:rPr>
+              <a:t>uma série de animação adulta norte-americana de comédia e ficção científica criada por</a:t>
+            </a:r>
+            <a:r>
+              <a:rPr lang="pt-BR" sz="2800" b="1" dirty="0">
+                <a:solidFill>
+                  <a:schemeClr val="bg1"/>
+                </a:solidFill>
+                <a:latin typeface="Arial" panose="020B0604020202020204" pitchFamily="34" charset="0"/>
+                <a:cs typeface="Arial" panose="020B0604020202020204" pitchFamily="34" charset="0"/>
+              </a:rPr>
+              <a:t> Justin </a:t>
+            </a:r>
+            <a:r>
+              <a:rPr lang="pt-BR" sz="2800" b="1" dirty="0" err="1">
+                <a:solidFill>
+                  <a:schemeClr val="bg1"/>
+                </a:solidFill>
+                <a:latin typeface="Arial" panose="020B0604020202020204" pitchFamily="34" charset="0"/>
+                <a:cs typeface="Arial" panose="020B0604020202020204" pitchFamily="34" charset="0"/>
+              </a:rPr>
+              <a:t>Roiland</a:t>
+            </a:r>
+            <a:r>
+              <a:rPr lang="pt-BR" sz="2800" b="1" dirty="0">
+                <a:solidFill>
+                  <a:schemeClr val="bg1"/>
+                </a:solidFill>
+                <a:latin typeface="Arial" panose="020B0604020202020204" pitchFamily="34" charset="0"/>
+                <a:cs typeface="Arial" panose="020B0604020202020204" pitchFamily="34" charset="0"/>
+              </a:rPr>
+              <a:t> </a:t>
+            </a:r>
+            <a:r>
+              <a:rPr lang="pt-BR" sz="2800" dirty="0">
+                <a:solidFill>
+                  <a:schemeClr val="bg1"/>
+                </a:solidFill>
+                <a:latin typeface="Arial" panose="020B0604020202020204" pitchFamily="34" charset="0"/>
+                <a:cs typeface="Arial" panose="020B0604020202020204" pitchFamily="34" charset="0"/>
+              </a:rPr>
+              <a:t>e</a:t>
+            </a:r>
+            <a:r>
+              <a:rPr lang="pt-BR" sz="2800" b="1" dirty="0">
+                <a:solidFill>
+                  <a:schemeClr val="bg1"/>
+                </a:solidFill>
+                <a:latin typeface="Arial" panose="020B0604020202020204" pitchFamily="34" charset="0"/>
+                <a:cs typeface="Arial" panose="020B0604020202020204" pitchFamily="34" charset="0"/>
+              </a:rPr>
+              <a:t> Dan </a:t>
+            </a:r>
+            <a:r>
+              <a:rPr lang="pt-BR" sz="2800" b="1" dirty="0" err="1">
+                <a:solidFill>
+                  <a:schemeClr val="bg1"/>
+                </a:solidFill>
+                <a:latin typeface="Arial" panose="020B0604020202020204" pitchFamily="34" charset="0"/>
+                <a:cs typeface="Arial" panose="020B0604020202020204" pitchFamily="34" charset="0"/>
+              </a:rPr>
+              <a:t>Harmon</a:t>
+            </a:r>
+            <a:r>
+              <a:rPr lang="pt-BR" sz="2800" dirty="0">
+                <a:solidFill>
+                  <a:schemeClr val="bg1"/>
+                </a:solidFill>
+                <a:latin typeface="Arial" panose="020B0604020202020204" pitchFamily="34" charset="0"/>
+                <a:cs typeface="Arial" panose="020B0604020202020204" pitchFamily="34" charset="0"/>
+              </a:rPr>
+              <a:t> para o bloco de programação noturno </a:t>
+            </a:r>
+            <a:r>
+              <a:rPr lang="pt-BR" sz="2800" dirty="0" err="1">
+                <a:solidFill>
+                  <a:schemeClr val="bg1"/>
+                </a:solidFill>
+                <a:latin typeface="Arial" panose="020B0604020202020204" pitchFamily="34" charset="0"/>
+                <a:cs typeface="Arial" panose="020B0604020202020204" pitchFamily="34" charset="0"/>
+              </a:rPr>
+              <a:t>Adult</a:t>
+            </a:r>
+            <a:r>
+              <a:rPr lang="pt-BR" sz="2800" dirty="0">
+                <a:solidFill>
+                  <a:schemeClr val="bg1"/>
+                </a:solidFill>
+                <a:latin typeface="Arial" panose="020B0604020202020204" pitchFamily="34" charset="0"/>
+                <a:cs typeface="Arial" panose="020B0604020202020204" pitchFamily="34" charset="0"/>
+              </a:rPr>
+              <a:t> </a:t>
+            </a:r>
+            <a:r>
+              <a:rPr lang="pt-BR" sz="2800" dirty="0" err="1">
+                <a:solidFill>
+                  <a:schemeClr val="bg1"/>
+                </a:solidFill>
+                <a:latin typeface="Arial" panose="020B0604020202020204" pitchFamily="34" charset="0"/>
+                <a:cs typeface="Arial" panose="020B0604020202020204" pitchFamily="34" charset="0"/>
+              </a:rPr>
+              <a:t>Swim</a:t>
+            </a:r>
+            <a:r>
+              <a:rPr lang="pt-BR" sz="2800" dirty="0">
+                <a:solidFill>
+                  <a:schemeClr val="bg1"/>
+                </a:solidFill>
+                <a:latin typeface="Arial" panose="020B0604020202020204" pitchFamily="34" charset="0"/>
+                <a:cs typeface="Arial" panose="020B0604020202020204" pitchFamily="34" charset="0"/>
+              </a:rPr>
+              <a:t>, exibido no canal </a:t>
+            </a:r>
+            <a:r>
+              <a:rPr lang="pt-BR" sz="2800" dirty="0" err="1">
+                <a:solidFill>
+                  <a:schemeClr val="bg1"/>
+                </a:solidFill>
+                <a:latin typeface="Arial" panose="020B0604020202020204" pitchFamily="34" charset="0"/>
+                <a:cs typeface="Arial" panose="020B0604020202020204" pitchFamily="34" charset="0"/>
+              </a:rPr>
+              <a:t>Cartoon</a:t>
+            </a:r>
+            <a:r>
+              <a:rPr lang="pt-BR" sz="2800" dirty="0">
+                <a:solidFill>
+                  <a:schemeClr val="bg1"/>
+                </a:solidFill>
+                <a:latin typeface="Arial" panose="020B0604020202020204" pitchFamily="34" charset="0"/>
+                <a:cs typeface="Arial" panose="020B0604020202020204" pitchFamily="34" charset="0"/>
+              </a:rPr>
+              <a:t> Network</a:t>
+            </a:r>
+            <a:r>
+              <a:rPr lang="pt-BR" sz="2800" dirty="0" smtClean="0">
+                <a:solidFill>
+                  <a:schemeClr val="bg1"/>
+                </a:solidFill>
+                <a:latin typeface="Arial" panose="020B0604020202020204" pitchFamily="34" charset="0"/>
+                <a:cs typeface="Arial" panose="020B0604020202020204" pitchFamily="34" charset="0"/>
+              </a:rPr>
+              <a:t>. Hoje está disponível na </a:t>
+            </a:r>
+            <a:r>
+              <a:rPr lang="pt-BR" sz="2800" b="1" dirty="0" err="1">
+                <a:solidFill>
+                  <a:srgbClr val="FF0000"/>
+                </a:solidFill>
+                <a:latin typeface="Arial" panose="020B0604020202020204" pitchFamily="34" charset="0"/>
+                <a:cs typeface="Arial" panose="020B0604020202020204" pitchFamily="34" charset="0"/>
+              </a:rPr>
+              <a:t>N</a:t>
+            </a:r>
+            <a:r>
+              <a:rPr lang="pt-BR" sz="2800" b="1" dirty="0" err="1" smtClean="0">
+                <a:solidFill>
+                  <a:srgbClr val="FF0000"/>
+                </a:solidFill>
+                <a:latin typeface="Arial" panose="020B0604020202020204" pitchFamily="34" charset="0"/>
+                <a:cs typeface="Arial" panose="020B0604020202020204" pitchFamily="34" charset="0"/>
+              </a:rPr>
+              <a:t>etflix</a:t>
+            </a:r>
+            <a:endParaRPr lang="pt-BR" sz="2800" b="1" dirty="0">
+              <a:solidFill>
+                <a:srgbClr val="FF0000"/>
+              </a:solidFill>
+              <a:latin typeface="Arial" panose="020B0604020202020204" pitchFamily="34" charset="0"/>
+              <a:cs typeface="Arial" panose="020B0604020202020204" pitchFamily="34" charset="0"/>
+            </a:endParaRPr>
+          </a:p>
+        </p:txBody>
+      </p:sp>
+      <p:pic>
+        <p:nvPicPr>
+          <p:cNvPr id="2050" name="Picture 2" descr="Rick and Morty | Netflix"/>
+          <p:cNvPicPr>
+            <a:picLocks noChangeAspect="1" noChangeArrowheads="1"/>
+          </p:cNvPicPr>
+          <p:nvPr/>
+        </p:nvPicPr>
+        <p:blipFill>
+          <a:blip r:embed="rId5" cstate="print">
+            <a:extLst>
+              <a:ext uri="{28A0092B-C50C-407E-A947-70E740481C1C}">
+                <a14:useLocalDpi xmlns:a14="http://schemas.microsoft.com/office/drawing/2010/main" val="0"/>
+              </a:ext>
+            </a:extLst>
+          </a:blip>
+          <a:srcRect/>
+          <a:stretch>
+            <a:fillRect/>
+          </a:stretch>
+        </p:blipFill>
+        <p:spPr bwMode="auto">
+          <a:xfrm>
+            <a:off x="3972618" y="365125"/>
+            <a:ext cx="4246764" cy="1804875"/>
+          </a:xfrm>
+          <a:prstGeom prst="rect">
+            <a:avLst/>
+          </a:prstGeom>
+          <a:noFill/>
+          <a:extLst>
+            <a:ext uri="{909E8E84-426E-40DD-AFC4-6F175D3DCCD1}">
+              <a14:hiddenFill xmlns:a14="http://schemas.microsoft.com/office/drawing/2010/main">
+                <a:solidFill>
+                  <a:srgbClr val="FFFFFF"/>
+                </a:solidFill>
+              </a14:hiddenFill>
+            </a:ext>
+          </a:extLst>
         </p:spPr>
       </p:pic>
     </p:spTree>
     <p:extLst>
       <p:ext uri="{BB962C8B-B14F-4D97-AF65-F5344CB8AC3E}">
-        <p14:creationId xmlns:p14="http://schemas.microsoft.com/office/powerpoint/2010/main" val="2320978450"/>
+        <p14:creationId xmlns:p14="http://schemas.microsoft.com/office/powerpoint/2010/main" val="1735387360"/>
       </p:ext>
     </p:extLst>
   </p:cSld>
@@ -3361,51 +3980,15 @@
           <a:chExt cx="0" cy="0"/>
         </a:xfrm>
       </p:grpSpPr>
-      <p:sp>
-        <p:nvSpPr>
-          <p:cNvPr id="2" name="Título 1"/>
-          <p:cNvSpPr>
-            <a:spLocks noGrp="1"/>
-          </p:cNvSpPr>
-          <p:nvPr>
-            <p:ph type="title"/>
-          </p:nvPr>
-        </p:nvSpPr>
-        <p:spPr/>
-        <p:txBody>
-          <a:bodyPr/>
-          <a:lstStyle/>
-          <a:p>
-            <a:endParaRPr lang="pt-BR"/>
-          </a:p>
-        </p:txBody>
-      </p:sp>
-      <p:sp>
-        <p:nvSpPr>
-          <p:cNvPr id="3" name="Espaço Reservado para Conteúdo 2"/>
-          <p:cNvSpPr>
-            <a:spLocks noGrp="1"/>
-          </p:cNvSpPr>
-          <p:nvPr>
-            <p:ph idx="1"/>
-          </p:nvPr>
-        </p:nvSpPr>
-        <p:spPr/>
-        <p:txBody>
-          <a:bodyPr/>
-          <a:lstStyle/>
-          <a:p>
-            <a:endParaRPr lang="pt-BR"/>
-          </a:p>
-        </p:txBody>
-      </p:sp>
       <p:pic>
         <p:nvPicPr>
           <p:cNvPr id="4" name="Espaço Reservado para Conteúdo 3"/>
           <p:cNvPicPr>
-            <a:picLocks noChangeAspect="1"/>
+            <a:picLocks noGrp="1" noChangeAspect="1"/>
           </p:cNvPicPr>
-          <p:nvPr/>
+          <p:nvPr>
+            <p:ph idx="1"/>
+          </p:nvPr>
         </p:nvPicPr>
         <p:blipFill rotWithShape="1">
           <a:blip r:embed="rId2" cstate="print">
@@ -3420,17 +4003,14 @@
         </p:blipFill>
         <p:spPr>
           <a:xfrm>
-            <a:off x="-1" y="2"/>
+            <a:off x="0" y="2"/>
             <a:ext cx="12211862" cy="6857998"/>
           </a:xfrm>
-          <a:prstGeom prst="rect">
-            <a:avLst/>
-          </a:prstGeom>
         </p:spPr>
       </p:pic>
       <p:pic>
         <p:nvPicPr>
-          <p:cNvPr id="7" name="Imagem 6"/>
+          <p:cNvPr id="6" name="Imagem 5"/>
           <p:cNvPicPr>
             <a:picLocks noChangeAspect="1"/>
           </p:cNvPicPr>
@@ -3444,13 +4024,13 @@
               </a:ext>
             </a:extLst>
           </a:blip>
-          <a:srcRect l="57391" t="21449" r="8891"/>
+          <a:srcRect l="57391" t="21449" r="7191"/>
           <a:stretch/>
         </p:blipFill>
         <p:spPr>
           <a:xfrm>
-            <a:off x="10988066" y="5280339"/>
-            <a:ext cx="1203934" cy="1577661"/>
+            <a:off x="2822540" y="0"/>
+            <a:ext cx="1018723" cy="1270909"/>
           </a:xfrm>
           <a:prstGeom prst="rect">
             <a:avLst/>
@@ -3459,14 +4039,14 @@
       </p:pic>
       <p:pic>
         <p:nvPicPr>
-          <p:cNvPr id="8" name="Imagem 7"/>
+          <p:cNvPr id="11" name="Espaço Reservado para Conteúdo 8"/>
           <p:cNvPicPr>
             <a:picLocks noChangeAspect="1"/>
           </p:cNvPicPr>
           <p:nvPr/>
         </p:nvPicPr>
         <p:blipFill>
-          <a:blip r:embed="rId3" cstate="print">
+          <a:blip r:embed="rId3">
             <a:extLst>
               <a:ext uri="{28A0092B-C50C-407E-A947-70E740481C1C}">
                 <a14:useLocalDpi xmlns:a14="http://schemas.microsoft.com/office/drawing/2010/main" val="0"/>
@@ -3478,49 +4058,578 @@
           </a:stretch>
         </p:blipFill>
         <p:spPr>
-          <a:xfrm flipH="1">
-            <a:off x="0" y="5893737"/>
-            <a:ext cx="850004" cy="964263"/>
+          <a:xfrm>
+            <a:off x="-750638" y="-715712"/>
+            <a:ext cx="2647950" cy="2647950"/>
           </a:xfrm>
           <a:prstGeom prst="rect">
             <a:avLst/>
           </a:prstGeom>
         </p:spPr>
       </p:pic>
+      <p:sp>
+        <p:nvSpPr>
+          <p:cNvPr id="3" name="CaixaDeTexto 2"/>
+          <p:cNvSpPr txBox="1"/>
+          <p:nvPr/>
+        </p:nvSpPr>
+        <p:spPr>
+          <a:xfrm>
+            <a:off x="2467670" y="1275067"/>
+            <a:ext cx="2021293" cy="338554"/>
+          </a:xfrm>
+          <a:prstGeom prst="rect">
+            <a:avLst/>
+          </a:prstGeom>
+          <a:noFill/>
+        </p:spPr>
+        <p:txBody>
+          <a:bodyPr wrap="square" rtlCol="0">
+            <a:spAutoFit/>
+          </a:bodyPr>
+          <a:lstStyle/>
+          <a:p>
+            <a:r>
+              <a:rPr lang="pt-BR" sz="1600" dirty="0" smtClean="0">
+                <a:solidFill>
+                  <a:srgbClr val="92F649"/>
+                </a:solidFill>
+                <a:latin typeface="Arial Black" panose="020B0A04020102020204" pitchFamily="34" charset="0"/>
+              </a:rPr>
+              <a:t>Rick Sanches</a:t>
+            </a:r>
+            <a:endParaRPr lang="pt-BR" sz="1600" dirty="0">
+              <a:solidFill>
+                <a:srgbClr val="92F649"/>
+              </a:solidFill>
+              <a:latin typeface="Arial Black" panose="020B0A04020102020204" pitchFamily="34" charset="0"/>
+            </a:endParaRPr>
+          </a:p>
+        </p:txBody>
+      </p:sp>
       <p:pic>
         <p:nvPicPr>
-          <p:cNvPr id="12" name="Espaço Reservado para Conteúdo 8"/>
+          <p:cNvPr id="1032" name="Picture 8" descr="Beth Smith | Rick and Morty Wiki | Fandom"/>
           <p:cNvPicPr>
-            <a:picLocks noChangeAspect="1"/>
+            <a:picLocks noChangeAspect="1" noChangeArrowheads="1"/>
+          </p:cNvPicPr>
+          <p:nvPr/>
+        </p:nvPicPr>
+        <p:blipFill rotWithShape="1">
+          <a:blip r:embed="rId4" cstate="print">
+            <a:extLst>
+              <a:ext uri="{28A0092B-C50C-407E-A947-70E740481C1C}">
+                <a14:useLocalDpi xmlns:a14="http://schemas.microsoft.com/office/drawing/2010/main" val="0"/>
+              </a:ext>
+            </a:extLst>
+          </a:blip>
+          <a:srcRect b="4842"/>
+          <a:stretch/>
+        </p:blipFill>
+        <p:spPr bwMode="auto">
+          <a:xfrm>
+            <a:off x="2774929" y="2344531"/>
+            <a:ext cx="1220479" cy="1459333"/>
+          </a:xfrm>
+          <a:prstGeom prst="rect">
+            <a:avLst/>
+          </a:prstGeom>
+          <a:noFill/>
+          <a:extLst>
+            <a:ext uri="{909E8E84-426E-40DD-AFC4-6F175D3DCCD1}">
+              <a14:hiddenFill xmlns:a14="http://schemas.microsoft.com/office/drawing/2010/main">
+                <a:solidFill>
+                  <a:srgbClr val="FFFFFF"/>
+                </a:solidFill>
+              </a14:hiddenFill>
+            </a:ext>
+          </a:extLst>
+        </p:spPr>
+      </p:pic>
+      <p:sp>
+        <p:nvSpPr>
+          <p:cNvPr id="16" name="CaixaDeTexto 15"/>
+          <p:cNvSpPr txBox="1"/>
+          <p:nvPr/>
+        </p:nvSpPr>
+        <p:spPr>
+          <a:xfrm>
+            <a:off x="2602356" y="3959603"/>
+            <a:ext cx="1772973" cy="338554"/>
+          </a:xfrm>
+          <a:prstGeom prst="rect">
+            <a:avLst/>
+          </a:prstGeom>
+          <a:noFill/>
+        </p:spPr>
+        <p:txBody>
+          <a:bodyPr wrap="square" rtlCol="0">
+            <a:spAutoFit/>
+          </a:bodyPr>
+          <a:lstStyle/>
+          <a:p>
+            <a:r>
+              <a:rPr lang="pt-BR" sz="1600" dirty="0" smtClean="0">
+                <a:solidFill>
+                  <a:srgbClr val="92F649"/>
+                </a:solidFill>
+                <a:latin typeface="Arial Black" panose="020B0A04020102020204" pitchFamily="34" charset="0"/>
+              </a:rPr>
+              <a:t>Beth Smith</a:t>
+            </a:r>
+            <a:endParaRPr lang="pt-BR" sz="1600" dirty="0">
+              <a:solidFill>
+                <a:srgbClr val="92F649"/>
+              </a:solidFill>
+              <a:latin typeface="Arial Black" panose="020B0A04020102020204" pitchFamily="34" charset="0"/>
+            </a:endParaRPr>
+          </a:p>
+        </p:txBody>
+      </p:sp>
+      <p:pic>
+        <p:nvPicPr>
+          <p:cNvPr id="1034" name="Picture 10" descr="Jerry Smith | Rick and Morty Wiki | Fandom"/>
+          <p:cNvPicPr>
+            <a:picLocks noChangeAspect="1" noChangeArrowheads="1"/>
           </p:cNvPicPr>
           <p:nvPr/>
         </p:nvPicPr>
         <p:blipFill>
-          <a:blip r:embed="rId4">
+          <a:blip r:embed="rId5" cstate="print">
             <a:extLst>
               <a:ext uri="{28A0092B-C50C-407E-A947-70E740481C1C}">
                 <a14:useLocalDpi xmlns:a14="http://schemas.microsoft.com/office/drawing/2010/main" val="0"/>
               </a:ext>
             </a:extLst>
           </a:blip>
+          <a:srcRect/>
           <a:stretch>
             <a:fillRect/>
           </a:stretch>
         </p:blipFill>
-        <p:spPr>
-          <a:xfrm>
-            <a:off x="-1182308" y="-1323975"/>
-            <a:ext cx="2647950" cy="2647950"/>
-          </a:xfrm>
-          <a:prstGeom prst="rect">
-            <a:avLst/>
-          </a:prstGeom>
+        <p:spPr bwMode="auto">
+          <a:xfrm>
+            <a:off x="5229622" y="2307071"/>
+            <a:ext cx="1043048" cy="1534252"/>
+          </a:xfrm>
+          <a:prstGeom prst="rect">
+            <a:avLst/>
+          </a:prstGeom>
+          <a:noFill/>
+          <a:extLst>
+            <a:ext uri="{909E8E84-426E-40DD-AFC4-6F175D3DCCD1}">
+              <a14:hiddenFill xmlns:a14="http://schemas.microsoft.com/office/drawing/2010/main">
+                <a:solidFill>
+                  <a:srgbClr val="FFFFFF"/>
+                </a:solidFill>
+              </a14:hiddenFill>
+            </a:ext>
+          </a:extLst>
+        </p:spPr>
+      </p:pic>
+      <p:cxnSp>
+        <p:nvCxnSpPr>
+          <p:cNvPr id="17" name="Conector reto 16"/>
+          <p:cNvCxnSpPr>
+            <a:stCxn id="1032" idx="3"/>
+            <a:endCxn id="1034" idx="1"/>
+          </p:cNvCxnSpPr>
+          <p:nvPr/>
+        </p:nvCxnSpPr>
+        <p:spPr>
+          <a:xfrm flipV="1">
+            <a:off x="3995408" y="3074197"/>
+            <a:ext cx="1234214" cy="1"/>
+          </a:xfrm>
+          <a:prstGeom prst="line">
+            <a:avLst/>
+          </a:prstGeom>
+          <a:ln>
+            <a:solidFill>
+              <a:srgbClr val="22A2BD"/>
+            </a:solidFill>
+          </a:ln>
+        </p:spPr>
+        <p:style>
+          <a:lnRef idx="1">
+            <a:schemeClr val="accent1"/>
+          </a:lnRef>
+          <a:fillRef idx="0">
+            <a:schemeClr val="accent1"/>
+          </a:fillRef>
+          <a:effectRef idx="0">
+            <a:schemeClr val="accent1"/>
+          </a:effectRef>
+          <a:fontRef idx="minor">
+            <a:schemeClr val="tx1"/>
+          </a:fontRef>
+        </p:style>
+      </p:cxnSp>
+      <p:cxnSp>
+        <p:nvCxnSpPr>
+          <p:cNvPr id="20" name="Conector reto 19"/>
+          <p:cNvCxnSpPr/>
+          <p:nvPr/>
+        </p:nvCxnSpPr>
+        <p:spPr>
+          <a:xfrm>
+            <a:off x="4612515" y="3074197"/>
+            <a:ext cx="0" cy="2072856"/>
+          </a:xfrm>
+          <a:prstGeom prst="line">
+            <a:avLst/>
+          </a:prstGeom>
+          <a:ln>
+            <a:solidFill>
+              <a:srgbClr val="22A2BD"/>
+            </a:solidFill>
+          </a:ln>
+        </p:spPr>
+        <p:style>
+          <a:lnRef idx="1">
+            <a:schemeClr val="accent1"/>
+          </a:lnRef>
+          <a:fillRef idx="0">
+            <a:schemeClr val="accent1"/>
+          </a:fillRef>
+          <a:effectRef idx="0">
+            <a:schemeClr val="accent1"/>
+          </a:effectRef>
+          <a:fontRef idx="minor">
+            <a:schemeClr val="tx1"/>
+          </a:fontRef>
+        </p:style>
+      </p:cxnSp>
+      <p:cxnSp>
+        <p:nvCxnSpPr>
+          <p:cNvPr id="23" name="Conector reto 22"/>
+          <p:cNvCxnSpPr/>
+          <p:nvPr/>
+        </p:nvCxnSpPr>
+        <p:spPr>
+          <a:xfrm>
+            <a:off x="3331902" y="1659270"/>
+            <a:ext cx="0" cy="545936"/>
+          </a:xfrm>
+          <a:prstGeom prst="line">
+            <a:avLst/>
+          </a:prstGeom>
+          <a:ln>
+            <a:solidFill>
+              <a:srgbClr val="22A2BD"/>
+            </a:solidFill>
+          </a:ln>
+        </p:spPr>
+        <p:style>
+          <a:lnRef idx="1">
+            <a:schemeClr val="accent1"/>
+          </a:lnRef>
+          <a:fillRef idx="0">
+            <a:schemeClr val="accent1"/>
+          </a:fillRef>
+          <a:effectRef idx="0">
+            <a:schemeClr val="accent1"/>
+          </a:effectRef>
+          <a:fontRef idx="minor">
+            <a:schemeClr val="tx1"/>
+          </a:fontRef>
+        </p:style>
+      </p:cxnSp>
+      <p:pic>
+        <p:nvPicPr>
+          <p:cNvPr id="1036" name="Picture 12" descr="Rick and Morty Summer Smith Crossed Arms | Rick and morty characters, Rick  and morty drawing, Rick and morty stickers"/>
+          <p:cNvPicPr>
+            <a:picLocks noChangeAspect="1" noChangeArrowheads="1"/>
+          </p:cNvPicPr>
+          <p:nvPr/>
+        </p:nvPicPr>
+        <p:blipFill>
+          <a:blip r:embed="rId6" cstate="print">
+            <a:extLst>
+              <a:ext uri="{28A0092B-C50C-407E-A947-70E740481C1C}">
+                <a14:useLocalDpi xmlns:a14="http://schemas.microsoft.com/office/drawing/2010/main" val="0"/>
+              </a:ext>
+            </a:extLst>
+          </a:blip>
+          <a:srcRect/>
+          <a:stretch>
+            <a:fillRect/>
+          </a:stretch>
+        </p:blipFill>
+        <p:spPr bwMode="auto">
+          <a:xfrm>
+            <a:off x="5102089" y="4659809"/>
+            <a:ext cx="979839" cy="1674300"/>
+          </a:xfrm>
+          <a:prstGeom prst="rect">
+            <a:avLst/>
+          </a:prstGeom>
+          <a:noFill/>
+          <a:extLst>
+            <a:ext uri="{909E8E84-426E-40DD-AFC4-6F175D3DCCD1}">
+              <a14:hiddenFill xmlns:a14="http://schemas.microsoft.com/office/drawing/2010/main">
+                <a:solidFill>
+                  <a:srgbClr val="FFFFFF"/>
+                </a:solidFill>
+              </a14:hiddenFill>
+            </a:ext>
+          </a:extLst>
+        </p:spPr>
+      </p:pic>
+      <p:pic>
+        <p:nvPicPr>
+          <p:cNvPr id="1038" name="Picture 14" descr="Morty Smith | Rick and Morty Wiki | Fandom"/>
+          <p:cNvPicPr>
+            <a:picLocks noChangeAspect="1" noChangeArrowheads="1"/>
+          </p:cNvPicPr>
+          <p:nvPr/>
+        </p:nvPicPr>
+        <p:blipFill>
+          <a:blip r:embed="rId7" cstate="print">
+            <a:extLst>
+              <a:ext uri="{28A0092B-C50C-407E-A947-70E740481C1C}">
+                <a14:useLocalDpi xmlns:a14="http://schemas.microsoft.com/office/drawing/2010/main" val="0"/>
+              </a:ext>
+            </a:extLst>
+          </a:blip>
+          <a:srcRect/>
+          <a:stretch>
+            <a:fillRect/>
+          </a:stretch>
+        </p:blipFill>
+        <p:spPr bwMode="auto">
+          <a:xfrm>
+            <a:off x="3297711" y="4788645"/>
+            <a:ext cx="889207" cy="1416628"/>
+          </a:xfrm>
+          <a:prstGeom prst="rect">
+            <a:avLst/>
+          </a:prstGeom>
+          <a:noFill/>
+          <a:extLst>
+            <a:ext uri="{909E8E84-426E-40DD-AFC4-6F175D3DCCD1}">
+              <a14:hiddenFill xmlns:a14="http://schemas.microsoft.com/office/drawing/2010/main">
+                <a:solidFill>
+                  <a:srgbClr val="FFFFFF"/>
+                </a:solidFill>
+              </a14:hiddenFill>
+            </a:ext>
+          </a:extLst>
+        </p:spPr>
+      </p:pic>
+      <p:sp>
+        <p:nvSpPr>
+          <p:cNvPr id="31" name="CaixaDeTexto 30"/>
+          <p:cNvSpPr txBox="1"/>
+          <p:nvPr/>
+        </p:nvSpPr>
+        <p:spPr>
+          <a:xfrm>
+            <a:off x="5065901" y="3990180"/>
+            <a:ext cx="1772973" cy="338554"/>
+          </a:xfrm>
+          <a:prstGeom prst="rect">
+            <a:avLst/>
+          </a:prstGeom>
+          <a:noFill/>
+        </p:spPr>
+        <p:txBody>
+          <a:bodyPr wrap="square" rtlCol="0">
+            <a:spAutoFit/>
+          </a:bodyPr>
+          <a:lstStyle/>
+          <a:p>
+            <a:r>
+              <a:rPr lang="pt-BR" sz="1600" dirty="0" smtClean="0">
+                <a:solidFill>
+                  <a:srgbClr val="92F649"/>
+                </a:solidFill>
+                <a:latin typeface="Arial Black" panose="020B0A04020102020204" pitchFamily="34" charset="0"/>
+              </a:rPr>
+              <a:t>Jerry Smith</a:t>
+            </a:r>
+            <a:endParaRPr lang="pt-BR" sz="1600" dirty="0">
+              <a:solidFill>
+                <a:srgbClr val="92F649"/>
+              </a:solidFill>
+              <a:latin typeface="Arial Black" panose="020B0A04020102020204" pitchFamily="34" charset="0"/>
+            </a:endParaRPr>
+          </a:p>
+        </p:txBody>
+      </p:sp>
+      <p:sp>
+        <p:nvSpPr>
+          <p:cNvPr id="32" name="CaixaDeTexto 31"/>
+          <p:cNvSpPr txBox="1"/>
+          <p:nvPr/>
+        </p:nvSpPr>
+        <p:spPr>
+          <a:xfrm>
+            <a:off x="2954776" y="6296571"/>
+            <a:ext cx="1772973" cy="338554"/>
+          </a:xfrm>
+          <a:prstGeom prst="rect">
+            <a:avLst/>
+          </a:prstGeom>
+          <a:noFill/>
+        </p:spPr>
+        <p:txBody>
+          <a:bodyPr wrap="square" rtlCol="0">
+            <a:spAutoFit/>
+          </a:bodyPr>
+          <a:lstStyle/>
+          <a:p>
+            <a:r>
+              <a:rPr lang="pt-BR" sz="1600" dirty="0" err="1" smtClean="0">
+                <a:solidFill>
+                  <a:srgbClr val="92F649"/>
+                </a:solidFill>
+                <a:latin typeface="Arial Black" panose="020B0A04020102020204" pitchFamily="34" charset="0"/>
+              </a:rPr>
+              <a:t>Morty</a:t>
+            </a:r>
+            <a:r>
+              <a:rPr lang="pt-BR" sz="1600" dirty="0" smtClean="0">
+                <a:solidFill>
+                  <a:srgbClr val="92F649"/>
+                </a:solidFill>
+                <a:latin typeface="Arial Black" panose="020B0A04020102020204" pitchFamily="34" charset="0"/>
+              </a:rPr>
+              <a:t> Smith</a:t>
+            </a:r>
+            <a:endParaRPr lang="pt-BR" sz="1600" dirty="0">
+              <a:solidFill>
+                <a:srgbClr val="92F649"/>
+              </a:solidFill>
+              <a:latin typeface="Arial Black" panose="020B0A04020102020204" pitchFamily="34" charset="0"/>
+            </a:endParaRPr>
+          </a:p>
+        </p:txBody>
+      </p:sp>
+      <p:sp>
+        <p:nvSpPr>
+          <p:cNvPr id="33" name="CaixaDeTexto 32"/>
+          <p:cNvSpPr txBox="1"/>
+          <p:nvPr/>
+        </p:nvSpPr>
+        <p:spPr>
+          <a:xfrm>
+            <a:off x="4834122" y="6280364"/>
+            <a:ext cx="2162977" cy="338554"/>
+          </a:xfrm>
+          <a:prstGeom prst="rect">
+            <a:avLst/>
+          </a:prstGeom>
+          <a:noFill/>
+        </p:spPr>
+        <p:txBody>
+          <a:bodyPr wrap="square" rtlCol="0">
+            <a:spAutoFit/>
+          </a:bodyPr>
+          <a:lstStyle/>
+          <a:p>
+            <a:r>
+              <a:rPr lang="pt-BR" sz="1600" dirty="0" smtClean="0">
+                <a:solidFill>
+                  <a:srgbClr val="92F649"/>
+                </a:solidFill>
+                <a:latin typeface="Arial Black" panose="020B0A04020102020204" pitchFamily="34" charset="0"/>
+              </a:rPr>
+              <a:t>Summer Smith</a:t>
+            </a:r>
+            <a:endParaRPr lang="pt-BR" sz="1600" dirty="0">
+              <a:solidFill>
+                <a:srgbClr val="92F649"/>
+              </a:solidFill>
+              <a:latin typeface="Arial Black" panose="020B0A04020102020204" pitchFamily="34" charset="0"/>
+            </a:endParaRPr>
+          </a:p>
+        </p:txBody>
+      </p:sp>
+      <p:pic>
+        <p:nvPicPr>
+          <p:cNvPr id="1040" name="Picture 16" descr="Adesivo Rick and Morty II"/>
+          <p:cNvPicPr>
+            <a:picLocks noChangeAspect="1" noChangeArrowheads="1"/>
+          </p:cNvPicPr>
+          <p:nvPr/>
+        </p:nvPicPr>
+        <p:blipFill rotWithShape="1">
+          <a:blip r:embed="rId8" cstate="print">
+            <a:extLst>
+              <a:ext uri="{28A0092B-C50C-407E-A947-70E740481C1C}">
+                <a14:useLocalDpi xmlns:a14="http://schemas.microsoft.com/office/drawing/2010/main" val="0"/>
+              </a:ext>
+            </a:extLst>
+          </a:blip>
+          <a:srcRect l="8448" t="3681" r="7984" b="2785"/>
+          <a:stretch/>
+        </p:blipFill>
+        <p:spPr bwMode="auto">
+          <a:xfrm>
+            <a:off x="8849033" y="1749106"/>
+            <a:ext cx="2053878" cy="2298848"/>
+          </a:xfrm>
+          <a:prstGeom prst="rect">
+            <a:avLst/>
+          </a:prstGeom>
+          <a:noFill/>
+          <a:extLst>
+            <a:ext uri="{909E8E84-426E-40DD-AFC4-6F175D3DCCD1}">
+              <a14:hiddenFill xmlns:a14="http://schemas.microsoft.com/office/drawing/2010/main">
+                <a:solidFill>
+                  <a:srgbClr val="FFFFFF"/>
+                </a:solidFill>
+              </a14:hiddenFill>
+            </a:ext>
+          </a:extLst>
+        </p:spPr>
+      </p:pic>
+      <p:pic>
+        <p:nvPicPr>
+          <p:cNvPr id="36" name="Picture 2" descr="Rick and Morty | Netflix"/>
+          <p:cNvPicPr>
+            <a:picLocks noChangeAspect="1" noChangeArrowheads="1"/>
+          </p:cNvPicPr>
+          <p:nvPr/>
+        </p:nvPicPr>
+        <p:blipFill>
+          <a:blip r:embed="rId9" cstate="print">
+            <a:extLst>
+              <a:ext uri="{28A0092B-C50C-407E-A947-70E740481C1C}">
+                <a14:useLocalDpi xmlns:a14="http://schemas.microsoft.com/office/drawing/2010/main" val="0"/>
+              </a:ext>
+            </a:extLst>
+          </a:blip>
+          <a:srcRect/>
+          <a:stretch>
+            <a:fillRect/>
+          </a:stretch>
+        </p:blipFill>
+        <p:spPr bwMode="auto">
+          <a:xfrm>
+            <a:off x="8849033" y="3841323"/>
+            <a:ext cx="2115508" cy="899091"/>
+          </a:xfrm>
+          <a:prstGeom prst="rect">
+            <a:avLst/>
+          </a:prstGeom>
+          <a:noFill/>
+          <a:extLst>
+            <a:ext uri="{909E8E84-426E-40DD-AFC4-6F175D3DCCD1}">
+              <a14:hiddenFill xmlns:a14="http://schemas.microsoft.com/office/drawing/2010/main">
+                <a:solidFill>
+                  <a:srgbClr val="FFFFFF"/>
+                </a:solidFill>
+              </a14:hiddenFill>
+            </a:ext>
+          </a:extLst>
         </p:spPr>
       </p:pic>
     </p:spTree>
     <p:extLst>
       <p:ext uri="{BB962C8B-B14F-4D97-AF65-F5344CB8AC3E}">
-        <p14:creationId xmlns:p14="http://schemas.microsoft.com/office/powerpoint/2010/main" val="3495019359"/>
+        <p14:creationId xmlns:p14="http://schemas.microsoft.com/office/powerpoint/2010/main" val="2320978450"/>
       </p:ext>
     </p:extLst>
   </p:cSld>
@@ -3569,7 +4678,26 @@
           <a:bodyPr/>
           <a:lstStyle/>
           <a:p>
-            <a:endParaRPr lang="pt-BR" dirty="0"/>
+            <a:endParaRPr lang="pt-BR"/>
+          </a:p>
+        </p:txBody>
+      </p:sp>
+      <p:sp>
+        <p:nvSpPr>
+          <p:cNvPr id="3" name="Espaço Reservado para Conteúdo 2"/>
+          <p:cNvSpPr>
+            <a:spLocks noGrp="1"/>
+          </p:cNvSpPr>
+          <p:nvPr>
+            <p:ph idx="1"/>
+          </p:nvPr>
+        </p:nvSpPr>
+        <p:spPr/>
+        <p:txBody>
+          <a:bodyPr/>
+          <a:lstStyle/>
+          <a:p>
+            <a:endParaRPr lang="pt-BR"/>
           </a:p>
         </p:txBody>
       </p:sp>
@@ -3594,37 +4722,8 @@
         </p:blipFill>
         <p:spPr>
           <a:xfrm>
-            <a:off x="-19862" y="0"/>
+            <a:off x="-1" y="2"/>
             <a:ext cx="12211862" cy="6857998"/>
-          </a:xfrm>
-          <a:prstGeom prst="rect">
-            <a:avLst/>
-          </a:prstGeom>
-        </p:spPr>
-      </p:pic>
-      <p:pic>
-        <p:nvPicPr>
-          <p:cNvPr id="6" name="Imagem 5"/>
-          <p:cNvPicPr>
-            <a:picLocks noChangeAspect="1"/>
-          </p:cNvPicPr>
-          <p:nvPr/>
-        </p:nvPicPr>
-        <p:blipFill rotWithShape="1">
-          <a:blip r:embed="rId2" cstate="print">
-            <a:extLst>
-              <a:ext uri="{28A0092B-C50C-407E-A947-70E740481C1C}">
-                <a14:useLocalDpi xmlns:a14="http://schemas.microsoft.com/office/drawing/2010/main" val="0"/>
-              </a:ext>
-            </a:extLst>
-          </a:blip>
-          <a:srcRect l="57391" t="21449" r="7469"/>
-          <a:stretch/>
-        </p:blipFill>
-        <p:spPr>
-          <a:xfrm>
-            <a:off x="10937313" y="5280339"/>
-            <a:ext cx="1254687" cy="1577661"/>
           </a:xfrm>
           <a:prstGeom prst="rect">
             <a:avLst/>
@@ -3639,6 +4738,35 @@
           </p:cNvPicPr>
           <p:nvPr/>
         </p:nvPicPr>
+        <p:blipFill rotWithShape="1">
+          <a:blip r:embed="rId2" cstate="print">
+            <a:extLst>
+              <a:ext uri="{28A0092B-C50C-407E-A947-70E740481C1C}">
+                <a14:useLocalDpi xmlns:a14="http://schemas.microsoft.com/office/drawing/2010/main" val="0"/>
+              </a:ext>
+            </a:extLst>
+          </a:blip>
+          <a:srcRect l="57391" t="21449" r="8891"/>
+          <a:stretch/>
+        </p:blipFill>
+        <p:spPr>
+          <a:xfrm>
+            <a:off x="10988066" y="5280339"/>
+            <a:ext cx="1203934" cy="1577661"/>
+          </a:xfrm>
+          <a:prstGeom prst="rect">
+            <a:avLst/>
+          </a:prstGeom>
+        </p:spPr>
+      </p:pic>
+      <p:pic>
+        <p:nvPicPr>
+          <p:cNvPr id="8" name="Imagem 7"/>
+          <p:cNvPicPr>
+            <a:picLocks noChangeAspect="1"/>
+          </p:cNvPicPr>
+          <p:nvPr/>
+        </p:nvPicPr>
         <p:blipFill>
           <a:blip r:embed="rId3" cstate="print">
             <a:extLst>
@@ -3653,7 +4781,7 @@
         </p:blipFill>
         <p:spPr>
           <a:xfrm flipH="1">
-            <a:off x="0" y="5893736"/>
+            <a:off x="0" y="5893737"/>
             <a:ext cx="850004" cy="964263"/>
           </a:xfrm>
           <a:prstGeom prst="rect">
@@ -3663,13 +4791,11 @@
       </p:pic>
       <p:pic>
         <p:nvPicPr>
-          <p:cNvPr id="9" name="Espaço Reservado para Conteúdo 8"/>
+          <p:cNvPr id="12" name="Espaço Reservado para Conteúdo 8"/>
           <p:cNvPicPr>
-            <a:picLocks noGrp="1" noChangeAspect="1"/>
+            <a:picLocks noChangeAspect="1"/>
           </p:cNvPicPr>
-          <p:nvPr>
-            <p:ph idx="1"/>
-          </p:nvPr>
+          <p:nvPr/>
         </p:nvPicPr>
         <p:blipFill>
           <a:blip r:embed="rId4">
@@ -3685,15 +4811,18 @@
         </p:blipFill>
         <p:spPr>
           <a:xfrm>
-            <a:off x="-1182308" y="-1323975"/>
+            <a:off x="-1233824" y="-1323975"/>
             <a:ext cx="2647950" cy="2647950"/>
           </a:xfrm>
+          <a:prstGeom prst="rect">
+            <a:avLst/>
+          </a:prstGeom>
         </p:spPr>
       </p:pic>
     </p:spTree>
     <p:extLst>
       <p:ext uri="{BB962C8B-B14F-4D97-AF65-F5344CB8AC3E}">
-        <p14:creationId xmlns:p14="http://schemas.microsoft.com/office/powerpoint/2010/main" val="2215925268"/>
+        <p14:creationId xmlns:p14="http://schemas.microsoft.com/office/powerpoint/2010/main" val="3495019359"/>
       </p:ext>
     </p:extLst>
   </p:cSld>
@@ -3727,45 +4856,1395 @@
           <a:chExt cx="0" cy="0"/>
         </a:xfrm>
       </p:grpSpPr>
+      <p:sp>
+        <p:nvSpPr>
+          <p:cNvPr id="4" name="Título 1"/>
+          <p:cNvSpPr>
+            <a:spLocks noGrp="1"/>
+          </p:cNvSpPr>
+          <p:nvPr>
+            <p:ph type="title"/>
+          </p:nvPr>
+        </p:nvSpPr>
+        <p:spPr>
+          <a:xfrm>
+            <a:off x="838200" y="365125"/>
+            <a:ext cx="10515600" cy="1325563"/>
+          </a:xfrm>
+        </p:spPr>
+        <p:txBody>
+          <a:bodyPr/>
+          <a:lstStyle/>
+          <a:p>
+            <a:endParaRPr lang="pt-BR"/>
+          </a:p>
+        </p:txBody>
+      </p:sp>
+      <p:sp>
+        <p:nvSpPr>
+          <p:cNvPr id="5" name="Espaço Reservado para Conteúdo 2"/>
+          <p:cNvSpPr>
+            <a:spLocks noGrp="1"/>
+          </p:cNvSpPr>
+          <p:nvPr>
+            <p:ph idx="1"/>
+          </p:nvPr>
+        </p:nvSpPr>
+        <p:spPr>
+          <a:xfrm>
+            <a:off x="838200" y="1825625"/>
+            <a:ext cx="10515600" cy="4351338"/>
+          </a:xfrm>
+        </p:spPr>
+        <p:txBody>
+          <a:bodyPr/>
+          <a:lstStyle/>
+          <a:p>
+            <a:endParaRPr lang="pt-BR"/>
+          </a:p>
+        </p:txBody>
+      </p:sp>
       <p:pic>
         <p:nvPicPr>
-          <p:cNvPr id="1028" name="Picture 4" descr="Rick and Morty Wallpapers - Top Free Rick and Morty Backgrounds -  WallpaperAccess"/>
+          <p:cNvPr id="6" name="Espaço Reservado para Conteúdo 3"/>
           <p:cNvPicPr>
-            <a:picLocks noChangeAspect="1" noChangeArrowheads="1"/>
+            <a:picLocks noChangeAspect="1"/>
           </p:cNvPicPr>
           <p:nvPr/>
         </p:nvPicPr>
         <p:blipFill rotWithShape="1">
-          <a:blip r:embed="rId2">
+          <a:blip r:embed="rId2" cstate="print">
             <a:extLst>
               <a:ext uri="{28A0092B-C50C-407E-A947-70E740481C1C}">
                 <a14:useLocalDpi xmlns:a14="http://schemas.microsoft.com/office/drawing/2010/main" val="0"/>
               </a:ext>
             </a:extLst>
           </a:blip>
-          <a:srcRect t="3494"/>
+          <a:srcRect l="1" t="562" r="33329" b="35315"/>
           <a:stretch/>
         </p:blipFill>
-        <p:spPr bwMode="auto">
-          <a:xfrm>
-            <a:off x="661181" y="675249"/>
-            <a:ext cx="10736210" cy="5828102"/>
+        <p:spPr>
+          <a:xfrm>
+            <a:off x="-1" y="2"/>
+            <a:ext cx="12211862" cy="6857998"/>
+          </a:xfrm>
+          <a:prstGeom prst="rect">
+            <a:avLst/>
+          </a:prstGeom>
+        </p:spPr>
+      </p:pic>
+      <p:pic>
+        <p:nvPicPr>
+          <p:cNvPr id="7" name="Imagem 6"/>
+          <p:cNvPicPr>
+            <a:picLocks noChangeAspect="1"/>
+          </p:cNvPicPr>
+          <p:nvPr/>
+        </p:nvPicPr>
+        <p:blipFill rotWithShape="1">
+          <a:blip r:embed="rId2" cstate="print">
+            <a:extLst>
+              <a:ext uri="{28A0092B-C50C-407E-A947-70E740481C1C}">
+                <a14:useLocalDpi xmlns:a14="http://schemas.microsoft.com/office/drawing/2010/main" val="0"/>
+              </a:ext>
+            </a:extLst>
+          </a:blip>
+          <a:srcRect l="57391" t="21449" r="8891"/>
+          <a:stretch/>
+        </p:blipFill>
+        <p:spPr>
+          <a:xfrm>
+            <a:off x="10988066" y="5280339"/>
+            <a:ext cx="1203934" cy="1577661"/>
+          </a:xfrm>
+          <a:prstGeom prst="rect">
+            <a:avLst/>
+          </a:prstGeom>
+        </p:spPr>
+      </p:pic>
+      <p:pic>
+        <p:nvPicPr>
+          <p:cNvPr id="8" name="Imagem 7"/>
+          <p:cNvPicPr>
+            <a:picLocks noChangeAspect="1"/>
+          </p:cNvPicPr>
+          <p:nvPr/>
+        </p:nvPicPr>
+        <p:blipFill>
+          <a:blip r:embed="rId3" cstate="print">
+            <a:extLst>
+              <a:ext uri="{28A0092B-C50C-407E-A947-70E740481C1C}">
+                <a14:useLocalDpi xmlns:a14="http://schemas.microsoft.com/office/drawing/2010/main" val="0"/>
+              </a:ext>
+            </a:extLst>
+          </a:blip>
+          <a:stretch>
+            <a:fillRect/>
+          </a:stretch>
+        </p:blipFill>
+        <p:spPr>
+          <a:xfrm flipH="1">
+            <a:off x="0" y="5893737"/>
+            <a:ext cx="850004" cy="964263"/>
+          </a:xfrm>
+          <a:prstGeom prst="rect">
+            <a:avLst/>
+          </a:prstGeom>
+        </p:spPr>
+      </p:pic>
+      <p:pic>
+        <p:nvPicPr>
+          <p:cNvPr id="9" name="Espaço Reservado para Conteúdo 8"/>
+          <p:cNvPicPr>
+            <a:picLocks noChangeAspect="1"/>
+          </p:cNvPicPr>
+          <p:nvPr/>
+        </p:nvPicPr>
+        <p:blipFill>
+          <a:blip r:embed="rId4">
+            <a:extLst>
+              <a:ext uri="{28A0092B-C50C-407E-A947-70E740481C1C}">
+                <a14:useLocalDpi xmlns:a14="http://schemas.microsoft.com/office/drawing/2010/main" val="0"/>
+              </a:ext>
+            </a:extLst>
+          </a:blip>
+          <a:stretch>
+            <a:fillRect/>
+          </a:stretch>
+        </p:blipFill>
+        <p:spPr>
+          <a:xfrm>
+            <a:off x="-1233824" y="-1323975"/>
+            <a:ext cx="2647950" cy="2647950"/>
+          </a:xfrm>
+          <a:prstGeom prst="rect">
+            <a:avLst/>
+          </a:prstGeom>
+        </p:spPr>
+      </p:pic>
+      <p:pic>
+        <p:nvPicPr>
+          <p:cNvPr id="10" name="Imagem 9"/>
+          <p:cNvPicPr>
+            <a:picLocks noChangeAspect="1"/>
+          </p:cNvPicPr>
+          <p:nvPr/>
+        </p:nvPicPr>
+        <p:blipFill>
+          <a:blip r:embed="rId5"/>
+          <a:stretch>
+            <a:fillRect/>
+          </a:stretch>
+        </p:blipFill>
+        <p:spPr>
+          <a:xfrm>
+            <a:off x="892822" y="893590"/>
+            <a:ext cx="10406356" cy="5000147"/>
+          </a:xfrm>
+          <a:prstGeom prst="rect">
+            <a:avLst/>
+          </a:prstGeom>
+          <a:ln>
+            <a:noFill/>
+          </a:ln>
+          <a:effectLst>
+            <a:softEdge rad="112500"/>
+          </a:effectLst>
+        </p:spPr>
+      </p:pic>
+      <p:sp>
+        <p:nvSpPr>
+          <p:cNvPr id="11" name="CaixaDeTexto 10"/>
+          <p:cNvSpPr txBox="1"/>
+          <p:nvPr/>
+        </p:nvSpPr>
+        <p:spPr>
+          <a:xfrm>
+            <a:off x="5638800" y="278829"/>
+            <a:ext cx="914400" cy="523220"/>
           </a:xfrm>
           <a:prstGeom prst="rect">
             <a:avLst/>
           </a:prstGeom>
           <a:noFill/>
-          <a:extLst>
-            <a:ext uri="{909E8E84-426E-40DD-AFC4-6F175D3DCCD1}">
-              <a14:hiddenFill xmlns:a14="http://schemas.microsoft.com/office/drawing/2010/main">
-                <a:solidFill>
-                  <a:srgbClr val="FFFFFF"/>
-                </a:solidFill>
-              </a14:hiddenFill>
-            </a:ext>
-          </a:extLst>
+        </p:spPr>
+        <p:txBody>
+          <a:bodyPr wrap="square" rtlCol="0">
+            <a:spAutoFit/>
+          </a:bodyPr>
+          <a:lstStyle/>
+          <a:p>
+            <a:r>
+              <a:rPr lang="pt-BR" sz="2800" b="1" dirty="0" smtClean="0">
+                <a:solidFill>
+                  <a:srgbClr val="22A2BD"/>
+                </a:solidFill>
+                <a:latin typeface="Arial" panose="020B0604020202020204" pitchFamily="34" charset="0"/>
+                <a:cs typeface="Arial" panose="020B0604020202020204" pitchFamily="34" charset="0"/>
+              </a:rPr>
+              <a:t>Site</a:t>
+            </a:r>
+            <a:endParaRPr lang="pt-BR" sz="2800" b="1" dirty="0">
+              <a:solidFill>
+                <a:srgbClr val="22A2BD"/>
+              </a:solidFill>
+              <a:latin typeface="Arial" panose="020B0604020202020204" pitchFamily="34" charset="0"/>
+              <a:cs typeface="Arial" panose="020B0604020202020204" pitchFamily="34" charset="0"/>
+            </a:endParaRPr>
+          </a:p>
+        </p:txBody>
+      </p:sp>
+    </p:spTree>
+    <p:extLst>
+      <p:ext uri="{BB962C8B-B14F-4D97-AF65-F5344CB8AC3E}">
+        <p14:creationId xmlns:p14="http://schemas.microsoft.com/office/powerpoint/2010/main" val="316925435"/>
+      </p:ext>
+    </p:extLst>
+  </p:cSld>
+  <p:clrMapOvr>
+    <a:masterClrMapping/>
+  </p:clrMapOvr>
+  <p:timing>
+    <p:tnLst>
+      <p:par>
+        <p:cTn id="1" dur="indefinite" restart="never" nodeType="tmRoot"/>
+      </p:par>
+    </p:tnLst>
+  </p:timing>
+</p:sld>
+</file>
+
+<file path=ppt/slides/slide6.xml><?xml version="1.0" encoding="utf-8"?>
+<p:sld xmlns:a="http://schemas.openxmlformats.org/drawingml/2006/main" xmlns:r="http://schemas.openxmlformats.org/officeDocument/2006/relationships" xmlns:p="http://schemas.openxmlformats.org/presentationml/2006/main">
+  <p:cSld>
+    <p:spTree>
+      <p:nvGrpSpPr>
+        <p:cNvPr id="1" name=""/>
+        <p:cNvGrpSpPr/>
+        <p:nvPr/>
+      </p:nvGrpSpPr>
+      <p:grpSpPr>
+        <a:xfrm>
+          <a:off x="0" y="0"/>
+          <a:ext cx="0" cy="0"/>
+          <a:chOff x="0" y="0"/>
+          <a:chExt cx="0" cy="0"/>
+        </a:xfrm>
+      </p:grpSpPr>
+      <p:sp>
+        <p:nvSpPr>
+          <p:cNvPr id="2" name="Título 1"/>
+          <p:cNvSpPr>
+            <a:spLocks noGrp="1"/>
+          </p:cNvSpPr>
+          <p:nvPr>
+            <p:ph type="title"/>
+          </p:nvPr>
+        </p:nvSpPr>
+        <p:spPr/>
+        <p:txBody>
+          <a:bodyPr/>
+          <a:lstStyle/>
+          <a:p>
+            <a:endParaRPr lang="pt-BR" dirty="0"/>
+          </a:p>
+        </p:txBody>
+      </p:sp>
+      <p:pic>
+        <p:nvPicPr>
+          <p:cNvPr id="4" name="Espaço Reservado para Conteúdo 3"/>
+          <p:cNvPicPr>
+            <a:picLocks noChangeAspect="1"/>
+          </p:cNvPicPr>
+          <p:nvPr/>
+        </p:nvPicPr>
+        <p:blipFill rotWithShape="1">
+          <a:blip r:embed="rId2" cstate="print">
+            <a:extLst>
+              <a:ext uri="{28A0092B-C50C-407E-A947-70E740481C1C}">
+                <a14:useLocalDpi xmlns:a14="http://schemas.microsoft.com/office/drawing/2010/main" val="0"/>
+              </a:ext>
+            </a:extLst>
+          </a:blip>
+          <a:srcRect l="1" t="562" r="33329" b="35315"/>
+          <a:stretch/>
+        </p:blipFill>
+        <p:spPr>
+          <a:xfrm>
+            <a:off x="-19862" y="0"/>
+            <a:ext cx="12211862" cy="6857998"/>
+          </a:xfrm>
+          <a:prstGeom prst="rect">
+            <a:avLst/>
+          </a:prstGeom>
         </p:spPr>
       </p:pic>
+      <p:pic>
+        <p:nvPicPr>
+          <p:cNvPr id="6" name="Imagem 5"/>
+          <p:cNvPicPr>
+            <a:picLocks noChangeAspect="1"/>
+          </p:cNvPicPr>
+          <p:nvPr/>
+        </p:nvPicPr>
+        <p:blipFill rotWithShape="1">
+          <a:blip r:embed="rId2" cstate="print">
+            <a:extLst>
+              <a:ext uri="{28A0092B-C50C-407E-A947-70E740481C1C}">
+                <a14:useLocalDpi xmlns:a14="http://schemas.microsoft.com/office/drawing/2010/main" val="0"/>
+              </a:ext>
+            </a:extLst>
+          </a:blip>
+          <a:srcRect l="57391" t="21449" r="7469"/>
+          <a:stretch/>
+        </p:blipFill>
+        <p:spPr>
+          <a:xfrm>
+            <a:off x="10937313" y="5280339"/>
+            <a:ext cx="1254687" cy="1577661"/>
+          </a:xfrm>
+          <a:prstGeom prst="rect">
+            <a:avLst/>
+          </a:prstGeom>
+        </p:spPr>
+      </p:pic>
+      <p:pic>
+        <p:nvPicPr>
+          <p:cNvPr id="7" name="Imagem 6"/>
+          <p:cNvPicPr>
+            <a:picLocks noChangeAspect="1"/>
+          </p:cNvPicPr>
+          <p:nvPr/>
+        </p:nvPicPr>
+        <p:blipFill>
+          <a:blip r:embed="rId3" cstate="print">
+            <a:extLst>
+              <a:ext uri="{28A0092B-C50C-407E-A947-70E740481C1C}">
+                <a14:useLocalDpi xmlns:a14="http://schemas.microsoft.com/office/drawing/2010/main" val="0"/>
+              </a:ext>
+            </a:extLst>
+          </a:blip>
+          <a:stretch>
+            <a:fillRect/>
+          </a:stretch>
+        </p:blipFill>
+        <p:spPr>
+          <a:xfrm flipH="1">
+            <a:off x="0" y="5893736"/>
+            <a:ext cx="850004" cy="964263"/>
+          </a:xfrm>
+          <a:prstGeom prst="rect">
+            <a:avLst/>
+          </a:prstGeom>
+        </p:spPr>
+      </p:pic>
+      <p:pic>
+        <p:nvPicPr>
+          <p:cNvPr id="9" name="Espaço Reservado para Conteúdo 8"/>
+          <p:cNvPicPr>
+            <a:picLocks noGrp="1" noChangeAspect="1"/>
+          </p:cNvPicPr>
+          <p:nvPr>
+            <p:ph idx="1"/>
+          </p:nvPr>
+        </p:nvPicPr>
+        <p:blipFill>
+          <a:blip r:embed="rId4">
+            <a:extLst>
+              <a:ext uri="{28A0092B-C50C-407E-A947-70E740481C1C}">
+                <a14:useLocalDpi xmlns:a14="http://schemas.microsoft.com/office/drawing/2010/main" val="0"/>
+              </a:ext>
+            </a:extLst>
+          </a:blip>
+          <a:stretch>
+            <a:fillRect/>
+          </a:stretch>
+        </p:blipFill>
+        <p:spPr>
+          <a:xfrm>
+            <a:off x="-1182308" y="-1323975"/>
+            <a:ext cx="2647950" cy="2647950"/>
+          </a:xfrm>
+        </p:spPr>
+      </p:pic>
+      <p:pic>
+        <p:nvPicPr>
+          <p:cNvPr id="3" name="Imagem 2"/>
+          <p:cNvPicPr>
+            <a:picLocks noChangeAspect="1"/>
+          </p:cNvPicPr>
+          <p:nvPr/>
+        </p:nvPicPr>
+        <p:blipFill>
+          <a:blip r:embed="rId5"/>
+          <a:stretch>
+            <a:fillRect/>
+          </a:stretch>
+        </p:blipFill>
+        <p:spPr>
+          <a:xfrm>
+            <a:off x="2012450" y="1221142"/>
+            <a:ext cx="8316625" cy="5142140"/>
+          </a:xfrm>
+          <a:prstGeom prst="roundRect">
+            <a:avLst>
+              <a:gd name="adj" fmla="val 8594"/>
+            </a:avLst>
+          </a:prstGeom>
+          <a:solidFill>
+            <a:srgbClr val="FFFFFF">
+              <a:shade val="85000"/>
+            </a:srgbClr>
+          </a:solidFill>
+          <a:ln>
+            <a:noFill/>
+          </a:ln>
+          <a:effectLst>
+            <a:reflection blurRad="12700" stA="38000" endPos="28000" dist="5000" dir="5400000" sy="-100000" algn="bl" rotWithShape="0"/>
+          </a:effectLst>
+        </p:spPr>
+      </p:pic>
+      <p:sp>
+        <p:nvSpPr>
+          <p:cNvPr id="5" name="CaixaDeTexto 4"/>
+          <p:cNvSpPr txBox="1"/>
+          <p:nvPr/>
+        </p:nvSpPr>
+        <p:spPr>
+          <a:xfrm>
+            <a:off x="3991429" y="253750"/>
+            <a:ext cx="4209142" cy="523220"/>
+          </a:xfrm>
+          <a:prstGeom prst="rect">
+            <a:avLst/>
+          </a:prstGeom>
+          <a:noFill/>
+        </p:spPr>
+        <p:txBody>
+          <a:bodyPr wrap="square" rtlCol="0">
+            <a:spAutoFit/>
+          </a:bodyPr>
+          <a:lstStyle/>
+          <a:p>
+            <a:r>
+              <a:rPr lang="pt-BR" sz="2800" b="1" dirty="0" smtClean="0">
+                <a:solidFill>
+                  <a:srgbClr val="22A2BD"/>
+                </a:solidFill>
+                <a:latin typeface="Arial" panose="020B0604020202020204" pitchFamily="34" charset="0"/>
+                <a:cs typeface="Arial" panose="020B0604020202020204" pitchFamily="34" charset="0"/>
+              </a:rPr>
+              <a:t>Bando de Dados DER</a:t>
+            </a:r>
+            <a:endParaRPr lang="pt-BR" sz="2800" b="1" dirty="0">
+              <a:solidFill>
+                <a:srgbClr val="22A2BD"/>
+              </a:solidFill>
+              <a:latin typeface="Arial" panose="020B0604020202020204" pitchFamily="34" charset="0"/>
+              <a:cs typeface="Arial" panose="020B0604020202020204" pitchFamily="34" charset="0"/>
+            </a:endParaRPr>
+          </a:p>
+        </p:txBody>
+      </p:sp>
+    </p:spTree>
+    <p:extLst>
+      <p:ext uri="{BB962C8B-B14F-4D97-AF65-F5344CB8AC3E}">
+        <p14:creationId xmlns:p14="http://schemas.microsoft.com/office/powerpoint/2010/main" val="2215925268"/>
+      </p:ext>
+    </p:extLst>
+  </p:cSld>
+  <p:clrMapOvr>
+    <a:masterClrMapping/>
+  </p:clrMapOvr>
+  <p:timing>
+    <p:tnLst>
+      <p:par>
+        <p:cTn id="1" dur="indefinite" restart="never" nodeType="tmRoot"/>
+      </p:par>
+    </p:tnLst>
+  </p:timing>
+</p:sld>
+</file>
+
+<file path=ppt/slides/slide7.xml><?xml version="1.0" encoding="utf-8"?>
+<p:sld xmlns:a="http://schemas.openxmlformats.org/drawingml/2006/main" xmlns:r="http://schemas.openxmlformats.org/officeDocument/2006/relationships" xmlns:p="http://schemas.openxmlformats.org/presentationml/2006/main">
+  <p:cSld>
+    <p:spTree>
+      <p:nvGrpSpPr>
+        <p:cNvPr id="1" name=""/>
+        <p:cNvGrpSpPr/>
+        <p:nvPr/>
+      </p:nvGrpSpPr>
+      <p:grpSpPr>
+        <a:xfrm>
+          <a:off x="0" y="0"/>
+          <a:ext cx="0" cy="0"/>
+          <a:chOff x="0" y="0"/>
+          <a:chExt cx="0" cy="0"/>
+        </a:xfrm>
+      </p:grpSpPr>
+      <p:pic>
+        <p:nvPicPr>
+          <p:cNvPr id="8" name="Espaço Reservado para Conteúdo 3"/>
+          <p:cNvPicPr>
+            <a:picLocks noChangeAspect="1"/>
+          </p:cNvPicPr>
+          <p:nvPr/>
+        </p:nvPicPr>
+        <p:blipFill rotWithShape="1">
+          <a:blip r:embed="rId2" cstate="print">
+            <a:extLst>
+              <a:ext uri="{28A0092B-C50C-407E-A947-70E740481C1C}">
+                <a14:useLocalDpi xmlns:a14="http://schemas.microsoft.com/office/drawing/2010/main" val="0"/>
+              </a:ext>
+            </a:extLst>
+          </a:blip>
+          <a:srcRect l="1" t="562" r="33329" b="35315"/>
+          <a:stretch/>
+        </p:blipFill>
+        <p:spPr>
+          <a:xfrm>
+            <a:off x="-19862" y="2"/>
+            <a:ext cx="12211862" cy="6857998"/>
+          </a:xfrm>
+          <a:prstGeom prst="rect">
+            <a:avLst/>
+          </a:prstGeom>
+        </p:spPr>
+      </p:pic>
+      <p:pic>
+        <p:nvPicPr>
+          <p:cNvPr id="9" name="Imagem 8"/>
+          <p:cNvPicPr>
+            <a:picLocks noChangeAspect="1"/>
+          </p:cNvPicPr>
+          <p:nvPr/>
+        </p:nvPicPr>
+        <p:blipFill rotWithShape="1">
+          <a:blip r:embed="rId2" cstate="print">
+            <a:extLst>
+              <a:ext uri="{28A0092B-C50C-407E-A947-70E740481C1C}">
+                <a14:useLocalDpi xmlns:a14="http://schemas.microsoft.com/office/drawing/2010/main" val="0"/>
+              </a:ext>
+            </a:extLst>
+          </a:blip>
+          <a:srcRect l="57391" t="21449" r="8891"/>
+          <a:stretch/>
+        </p:blipFill>
+        <p:spPr>
+          <a:xfrm>
+            <a:off x="10988066" y="5280339"/>
+            <a:ext cx="1203934" cy="1577661"/>
+          </a:xfrm>
+          <a:prstGeom prst="rect">
+            <a:avLst/>
+          </a:prstGeom>
+        </p:spPr>
+      </p:pic>
+      <p:pic>
+        <p:nvPicPr>
+          <p:cNvPr id="10" name="Imagem 9"/>
+          <p:cNvPicPr>
+            <a:picLocks noChangeAspect="1"/>
+          </p:cNvPicPr>
+          <p:nvPr/>
+        </p:nvPicPr>
+        <p:blipFill>
+          <a:blip r:embed="rId3" cstate="print">
+            <a:extLst>
+              <a:ext uri="{28A0092B-C50C-407E-A947-70E740481C1C}">
+                <a14:useLocalDpi xmlns:a14="http://schemas.microsoft.com/office/drawing/2010/main" val="0"/>
+              </a:ext>
+            </a:extLst>
+          </a:blip>
+          <a:stretch>
+            <a:fillRect/>
+          </a:stretch>
+        </p:blipFill>
+        <p:spPr>
+          <a:xfrm flipH="1">
+            <a:off x="0" y="5893737"/>
+            <a:ext cx="850004" cy="964263"/>
+          </a:xfrm>
+          <a:prstGeom prst="rect">
+            <a:avLst/>
+          </a:prstGeom>
+        </p:spPr>
+      </p:pic>
+      <p:pic>
+        <p:nvPicPr>
+          <p:cNvPr id="11" name="Espaço Reservado para Conteúdo 8"/>
+          <p:cNvPicPr>
+            <a:picLocks noChangeAspect="1"/>
+          </p:cNvPicPr>
+          <p:nvPr/>
+        </p:nvPicPr>
+        <p:blipFill>
+          <a:blip r:embed="rId4">
+            <a:extLst>
+              <a:ext uri="{28A0092B-C50C-407E-A947-70E740481C1C}">
+                <a14:useLocalDpi xmlns:a14="http://schemas.microsoft.com/office/drawing/2010/main" val="0"/>
+              </a:ext>
+            </a:extLst>
+          </a:blip>
+          <a:stretch>
+            <a:fillRect/>
+          </a:stretch>
+        </p:blipFill>
+        <p:spPr>
+          <a:xfrm>
+            <a:off x="-1233824" y="-1323975"/>
+            <a:ext cx="2647950" cy="2647950"/>
+          </a:xfrm>
+          <a:prstGeom prst="rect">
+            <a:avLst/>
+          </a:prstGeom>
+        </p:spPr>
+      </p:pic>
+      <p:pic>
+        <p:nvPicPr>
+          <p:cNvPr id="4" name="Imagem 3"/>
+          <p:cNvPicPr>
+            <a:picLocks noChangeAspect="1"/>
+          </p:cNvPicPr>
+          <p:nvPr/>
+        </p:nvPicPr>
+        <p:blipFill>
+          <a:blip r:embed="rId5"/>
+          <a:stretch>
+            <a:fillRect/>
+          </a:stretch>
+        </p:blipFill>
+        <p:spPr>
+          <a:xfrm>
+            <a:off x="3396810" y="3080955"/>
+            <a:ext cx="5022614" cy="1354136"/>
+          </a:xfrm>
+          <a:prstGeom prst="rect">
+            <a:avLst/>
+          </a:prstGeom>
+        </p:spPr>
+      </p:pic>
+      <p:pic>
+        <p:nvPicPr>
+          <p:cNvPr id="5" name="Imagem 4"/>
+          <p:cNvPicPr>
+            <a:picLocks noChangeAspect="1"/>
+          </p:cNvPicPr>
+          <p:nvPr/>
+        </p:nvPicPr>
+        <p:blipFill rotWithShape="1">
+          <a:blip r:embed="rId6"/>
+          <a:srcRect t="3074"/>
+          <a:stretch/>
+        </p:blipFill>
+        <p:spPr>
+          <a:xfrm>
+            <a:off x="3626914" y="807081"/>
+            <a:ext cx="4562407" cy="1319691"/>
+          </a:xfrm>
+          <a:prstGeom prst="rect">
+            <a:avLst/>
+          </a:prstGeom>
+        </p:spPr>
+      </p:pic>
+      <p:pic>
+        <p:nvPicPr>
+          <p:cNvPr id="12" name="Imagem 11"/>
+          <p:cNvPicPr>
+            <a:picLocks noChangeAspect="1"/>
+          </p:cNvPicPr>
+          <p:nvPr/>
+        </p:nvPicPr>
+        <p:blipFill>
+          <a:blip r:embed="rId7"/>
+          <a:stretch>
+            <a:fillRect/>
+          </a:stretch>
+        </p:blipFill>
+        <p:spPr>
+          <a:xfrm>
+            <a:off x="7587701" y="5289161"/>
+            <a:ext cx="2426427" cy="1386529"/>
+          </a:xfrm>
+          <a:prstGeom prst="rect">
+            <a:avLst/>
+          </a:prstGeom>
+        </p:spPr>
+      </p:pic>
+      <p:pic>
+        <p:nvPicPr>
+          <p:cNvPr id="13" name="Imagem 12"/>
+          <p:cNvPicPr>
+            <a:picLocks noChangeAspect="1"/>
+          </p:cNvPicPr>
+          <p:nvPr/>
+        </p:nvPicPr>
+        <p:blipFill>
+          <a:blip r:embed="rId8"/>
+          <a:stretch>
+            <a:fillRect/>
+          </a:stretch>
+        </p:blipFill>
+        <p:spPr>
+          <a:xfrm>
+            <a:off x="1886016" y="5346445"/>
+            <a:ext cx="2672914" cy="1348947"/>
+          </a:xfrm>
+          <a:prstGeom prst="rect">
+            <a:avLst/>
+          </a:prstGeom>
+        </p:spPr>
+      </p:pic>
+      <p:cxnSp>
+        <p:nvCxnSpPr>
+          <p:cNvPr id="18" name="Conector reto 17">
+            <a:extLst>
+              <a:ext uri="{FF2B5EF4-FFF2-40B4-BE49-F238E27FC236}">
+                <a16:creationId xmlns:a16="http://schemas.microsoft.com/office/drawing/2014/main" xmlns="" id="{64FF839B-5B09-493C-AF4B-6A25BD831511}"/>
+              </a:ext>
+            </a:extLst>
+          </p:cNvPr>
+          <p:cNvCxnSpPr>
+            <a:cxnSpLocks/>
+          </p:cNvCxnSpPr>
+          <p:nvPr/>
+        </p:nvCxnSpPr>
+        <p:spPr>
+          <a:xfrm flipH="1">
+            <a:off x="2748323" y="3758023"/>
+            <a:ext cx="265" cy="1588422"/>
+          </a:xfrm>
+          <a:prstGeom prst="line">
+            <a:avLst/>
+          </a:prstGeom>
+          <a:ln w="38100">
+            <a:solidFill>
+              <a:srgbClr val="92F649"/>
+            </a:solidFill>
+            <a:prstDash val="dash"/>
+          </a:ln>
+        </p:spPr>
+        <p:style>
+          <a:lnRef idx="1">
+            <a:schemeClr val="accent1"/>
+          </a:lnRef>
+          <a:fillRef idx="0">
+            <a:schemeClr val="accent1"/>
+          </a:fillRef>
+          <a:effectRef idx="0">
+            <a:schemeClr val="accent1"/>
+          </a:effectRef>
+          <a:fontRef idx="minor">
+            <a:schemeClr val="tx1"/>
+          </a:fontRef>
+        </p:style>
+      </p:cxnSp>
+      <p:cxnSp>
+        <p:nvCxnSpPr>
+          <p:cNvPr id="19" name="Conector reto 18">
+            <a:extLst>
+              <a:ext uri="{FF2B5EF4-FFF2-40B4-BE49-F238E27FC236}">
+                <a16:creationId xmlns:a16="http://schemas.microsoft.com/office/drawing/2014/main" xmlns="" id="{0712D8B9-EFE8-42D6-8CDA-F9CD57CF5C20}"/>
+              </a:ext>
+            </a:extLst>
+          </p:cNvPr>
+          <p:cNvCxnSpPr>
+            <a:cxnSpLocks/>
+          </p:cNvCxnSpPr>
+          <p:nvPr/>
+        </p:nvCxnSpPr>
+        <p:spPr>
+          <a:xfrm flipH="1" flipV="1">
+            <a:off x="3144609" y="3758026"/>
+            <a:ext cx="252201" cy="146812"/>
+          </a:xfrm>
+          <a:prstGeom prst="line">
+            <a:avLst/>
+          </a:prstGeom>
+          <a:ln w="38100">
+            <a:solidFill>
+              <a:srgbClr val="92F649"/>
+            </a:solidFill>
+          </a:ln>
+        </p:spPr>
+        <p:style>
+          <a:lnRef idx="1">
+            <a:schemeClr val="accent1"/>
+          </a:lnRef>
+          <a:fillRef idx="0">
+            <a:schemeClr val="accent1"/>
+          </a:fillRef>
+          <a:effectRef idx="0">
+            <a:schemeClr val="accent1"/>
+          </a:effectRef>
+          <a:fontRef idx="minor">
+            <a:schemeClr val="tx1"/>
+          </a:fontRef>
+        </p:style>
+      </p:cxnSp>
+      <p:cxnSp>
+        <p:nvCxnSpPr>
+          <p:cNvPr id="21" name="Conector reto 20">
+            <a:extLst>
+              <a:ext uri="{FF2B5EF4-FFF2-40B4-BE49-F238E27FC236}">
+                <a16:creationId xmlns:a16="http://schemas.microsoft.com/office/drawing/2014/main" xmlns="" id="{64FF839B-5B09-493C-AF4B-6A25BD831511}"/>
+              </a:ext>
+            </a:extLst>
+          </p:cNvPr>
+          <p:cNvCxnSpPr>
+            <a:cxnSpLocks/>
+          </p:cNvCxnSpPr>
+          <p:nvPr/>
+        </p:nvCxnSpPr>
+        <p:spPr>
+          <a:xfrm flipH="1">
+            <a:off x="2725954" y="3758023"/>
+            <a:ext cx="424951" cy="0"/>
+          </a:xfrm>
+          <a:prstGeom prst="line">
+            <a:avLst/>
+          </a:prstGeom>
+          <a:ln w="38100">
+            <a:solidFill>
+              <a:srgbClr val="92F649"/>
+            </a:solidFill>
+            <a:prstDash val="dash"/>
+          </a:ln>
+        </p:spPr>
+        <p:style>
+          <a:lnRef idx="1">
+            <a:schemeClr val="accent1"/>
+          </a:lnRef>
+          <a:fillRef idx="0">
+            <a:schemeClr val="accent1"/>
+          </a:fillRef>
+          <a:effectRef idx="0">
+            <a:schemeClr val="accent1"/>
+          </a:effectRef>
+          <a:fontRef idx="minor">
+            <a:schemeClr val="tx1"/>
+          </a:fontRef>
+        </p:style>
+      </p:cxnSp>
+      <p:cxnSp>
+        <p:nvCxnSpPr>
+          <p:cNvPr id="26" name="Conector reto 25">
+            <a:extLst>
+              <a:ext uri="{FF2B5EF4-FFF2-40B4-BE49-F238E27FC236}">
+                <a16:creationId xmlns:a16="http://schemas.microsoft.com/office/drawing/2014/main" xmlns="" id="{64FF839B-5B09-493C-AF4B-6A25BD831511}"/>
+              </a:ext>
+            </a:extLst>
+          </p:cNvPr>
+          <p:cNvCxnSpPr>
+            <a:cxnSpLocks/>
+          </p:cNvCxnSpPr>
+          <p:nvPr/>
+        </p:nvCxnSpPr>
+        <p:spPr>
+          <a:xfrm flipH="1">
+            <a:off x="5774172" y="2322351"/>
+            <a:ext cx="2572" cy="770922"/>
+          </a:xfrm>
+          <a:prstGeom prst="line">
+            <a:avLst/>
+          </a:prstGeom>
+          <a:ln w="38100">
+            <a:solidFill>
+              <a:srgbClr val="92F649"/>
+            </a:solidFill>
+            <a:prstDash val="dash"/>
+          </a:ln>
+        </p:spPr>
+        <p:style>
+          <a:lnRef idx="1">
+            <a:schemeClr val="accent1"/>
+          </a:lnRef>
+          <a:fillRef idx="0">
+            <a:schemeClr val="accent1"/>
+          </a:fillRef>
+          <a:effectRef idx="0">
+            <a:schemeClr val="accent1"/>
+          </a:effectRef>
+          <a:fontRef idx="minor">
+            <a:schemeClr val="tx1"/>
+          </a:fontRef>
+        </p:style>
+      </p:cxnSp>
+      <p:cxnSp>
+        <p:nvCxnSpPr>
+          <p:cNvPr id="32" name="Conector reto 31">
+            <a:extLst>
+              <a:ext uri="{FF2B5EF4-FFF2-40B4-BE49-F238E27FC236}">
+                <a16:creationId xmlns:a16="http://schemas.microsoft.com/office/drawing/2014/main" xmlns="" id="{0712D8B9-EFE8-42D6-8CDA-F9CD57CF5C20}"/>
+              </a:ext>
+            </a:extLst>
+          </p:cNvPr>
+          <p:cNvCxnSpPr>
+            <a:cxnSpLocks/>
+          </p:cNvCxnSpPr>
+          <p:nvPr/>
+        </p:nvCxnSpPr>
+        <p:spPr>
+          <a:xfrm flipH="1">
+            <a:off x="3162499" y="3621610"/>
+            <a:ext cx="240607" cy="136412"/>
+          </a:xfrm>
+          <a:prstGeom prst="line">
+            <a:avLst/>
+          </a:prstGeom>
+          <a:ln w="38100">
+            <a:solidFill>
+              <a:srgbClr val="92F649"/>
+            </a:solidFill>
+          </a:ln>
+        </p:spPr>
+        <p:style>
+          <a:lnRef idx="1">
+            <a:schemeClr val="accent1"/>
+          </a:lnRef>
+          <a:fillRef idx="0">
+            <a:schemeClr val="accent1"/>
+          </a:fillRef>
+          <a:effectRef idx="0">
+            <a:schemeClr val="accent1"/>
+          </a:effectRef>
+          <a:fontRef idx="minor">
+            <a:schemeClr val="tx1"/>
+          </a:fontRef>
+        </p:style>
+      </p:cxnSp>
+      <p:cxnSp>
+        <p:nvCxnSpPr>
+          <p:cNvPr id="33" name="Conector reto 32">
+            <a:extLst>
+              <a:ext uri="{FF2B5EF4-FFF2-40B4-BE49-F238E27FC236}">
+                <a16:creationId xmlns:a16="http://schemas.microsoft.com/office/drawing/2014/main" xmlns="" id="{0712D8B9-EFE8-42D6-8CDA-F9CD57CF5C20}"/>
+              </a:ext>
+            </a:extLst>
+          </p:cNvPr>
+          <p:cNvCxnSpPr>
+            <a:cxnSpLocks/>
+          </p:cNvCxnSpPr>
+          <p:nvPr/>
+        </p:nvCxnSpPr>
+        <p:spPr>
+          <a:xfrm flipH="1">
+            <a:off x="3116888" y="3758023"/>
+            <a:ext cx="279922" cy="0"/>
+          </a:xfrm>
+          <a:prstGeom prst="line">
+            <a:avLst/>
+          </a:prstGeom>
+          <a:ln w="38100">
+            <a:solidFill>
+              <a:srgbClr val="92F649"/>
+            </a:solidFill>
+          </a:ln>
+        </p:spPr>
+        <p:style>
+          <a:lnRef idx="1">
+            <a:schemeClr val="accent1"/>
+          </a:lnRef>
+          <a:fillRef idx="0">
+            <a:schemeClr val="accent1"/>
+          </a:fillRef>
+          <a:effectRef idx="0">
+            <a:schemeClr val="accent1"/>
+          </a:effectRef>
+          <a:fontRef idx="minor">
+            <a:schemeClr val="tx1"/>
+          </a:fontRef>
+        </p:style>
+      </p:cxnSp>
+      <p:cxnSp>
+        <p:nvCxnSpPr>
+          <p:cNvPr id="49" name="Conector reto 48">
+            <a:extLst>
+              <a:ext uri="{FF2B5EF4-FFF2-40B4-BE49-F238E27FC236}">
+                <a16:creationId xmlns:a16="http://schemas.microsoft.com/office/drawing/2014/main" xmlns="" id="{64FF839B-5B09-493C-AF4B-6A25BD831511}"/>
+              </a:ext>
+            </a:extLst>
+          </p:cNvPr>
+          <p:cNvCxnSpPr>
+            <a:cxnSpLocks/>
+          </p:cNvCxnSpPr>
+          <p:nvPr/>
+        </p:nvCxnSpPr>
+        <p:spPr>
+          <a:xfrm>
+            <a:off x="9040190" y="3741172"/>
+            <a:ext cx="9329" cy="1539167"/>
+          </a:xfrm>
+          <a:prstGeom prst="line">
+            <a:avLst/>
+          </a:prstGeom>
+          <a:ln w="38100">
+            <a:solidFill>
+              <a:srgbClr val="92F649"/>
+            </a:solidFill>
+            <a:prstDash val="dash"/>
+          </a:ln>
+        </p:spPr>
+        <p:style>
+          <a:lnRef idx="1">
+            <a:schemeClr val="accent1"/>
+          </a:lnRef>
+          <a:fillRef idx="0">
+            <a:schemeClr val="accent1"/>
+          </a:fillRef>
+          <a:effectRef idx="0">
+            <a:schemeClr val="accent1"/>
+          </a:effectRef>
+          <a:fontRef idx="minor">
+            <a:schemeClr val="tx1"/>
+          </a:fontRef>
+        </p:style>
+      </p:cxnSp>
+      <p:cxnSp>
+        <p:nvCxnSpPr>
+          <p:cNvPr id="50" name="Conector reto 49">
+            <a:extLst>
+              <a:ext uri="{FF2B5EF4-FFF2-40B4-BE49-F238E27FC236}">
+                <a16:creationId xmlns:a16="http://schemas.microsoft.com/office/drawing/2014/main" xmlns="" id="{0712D8B9-EFE8-42D6-8CDA-F9CD57CF5C20}"/>
+              </a:ext>
+            </a:extLst>
+          </p:cNvPr>
+          <p:cNvCxnSpPr>
+            <a:cxnSpLocks/>
+          </p:cNvCxnSpPr>
+          <p:nvPr/>
+        </p:nvCxnSpPr>
+        <p:spPr>
+          <a:xfrm flipH="1" flipV="1">
+            <a:off x="8419424" y="3616410"/>
+            <a:ext cx="252201" cy="146812"/>
+          </a:xfrm>
+          <a:prstGeom prst="line">
+            <a:avLst/>
+          </a:prstGeom>
+          <a:ln w="38100">
+            <a:solidFill>
+              <a:srgbClr val="92F649"/>
+            </a:solidFill>
+          </a:ln>
+        </p:spPr>
+        <p:style>
+          <a:lnRef idx="1">
+            <a:schemeClr val="accent1"/>
+          </a:lnRef>
+          <a:fillRef idx="0">
+            <a:schemeClr val="accent1"/>
+          </a:fillRef>
+          <a:effectRef idx="0">
+            <a:schemeClr val="accent1"/>
+          </a:effectRef>
+          <a:fontRef idx="minor">
+            <a:schemeClr val="tx1"/>
+          </a:fontRef>
+        </p:style>
+      </p:cxnSp>
+      <p:cxnSp>
+        <p:nvCxnSpPr>
+          <p:cNvPr id="51" name="Conector reto 50">
+            <a:extLst>
+              <a:ext uri="{FF2B5EF4-FFF2-40B4-BE49-F238E27FC236}">
+                <a16:creationId xmlns:a16="http://schemas.microsoft.com/office/drawing/2014/main" xmlns="" id="{64FF839B-5B09-493C-AF4B-6A25BD831511}"/>
+              </a:ext>
+            </a:extLst>
+          </p:cNvPr>
+          <p:cNvCxnSpPr>
+            <a:cxnSpLocks/>
+          </p:cNvCxnSpPr>
+          <p:nvPr/>
+        </p:nvCxnSpPr>
+        <p:spPr>
+          <a:xfrm flipH="1">
+            <a:off x="8624568" y="3758021"/>
+            <a:ext cx="424951" cy="0"/>
+          </a:xfrm>
+          <a:prstGeom prst="line">
+            <a:avLst/>
+          </a:prstGeom>
+          <a:ln w="38100">
+            <a:solidFill>
+              <a:srgbClr val="92F649"/>
+            </a:solidFill>
+            <a:prstDash val="dash"/>
+          </a:ln>
+        </p:spPr>
+        <p:style>
+          <a:lnRef idx="1">
+            <a:schemeClr val="accent1"/>
+          </a:lnRef>
+          <a:fillRef idx="0">
+            <a:schemeClr val="accent1"/>
+          </a:fillRef>
+          <a:effectRef idx="0">
+            <a:schemeClr val="accent1"/>
+          </a:effectRef>
+          <a:fontRef idx="minor">
+            <a:schemeClr val="tx1"/>
+          </a:fontRef>
+        </p:style>
+      </p:cxnSp>
+      <p:cxnSp>
+        <p:nvCxnSpPr>
+          <p:cNvPr id="52" name="Conector reto 51">
+            <a:extLst>
+              <a:ext uri="{FF2B5EF4-FFF2-40B4-BE49-F238E27FC236}">
+                <a16:creationId xmlns:a16="http://schemas.microsoft.com/office/drawing/2014/main" xmlns="" id="{0712D8B9-EFE8-42D6-8CDA-F9CD57CF5C20}"/>
+              </a:ext>
+            </a:extLst>
+          </p:cNvPr>
+          <p:cNvCxnSpPr>
+            <a:cxnSpLocks/>
+          </p:cNvCxnSpPr>
+          <p:nvPr/>
+        </p:nvCxnSpPr>
+        <p:spPr>
+          <a:xfrm flipH="1">
+            <a:off x="8414040" y="3756324"/>
+            <a:ext cx="240607" cy="136412"/>
+          </a:xfrm>
+          <a:prstGeom prst="line">
+            <a:avLst/>
+          </a:prstGeom>
+          <a:ln w="38100">
+            <a:solidFill>
+              <a:srgbClr val="92F649"/>
+            </a:solidFill>
+          </a:ln>
+        </p:spPr>
+        <p:style>
+          <a:lnRef idx="1">
+            <a:schemeClr val="accent1"/>
+          </a:lnRef>
+          <a:fillRef idx="0">
+            <a:schemeClr val="accent1"/>
+          </a:fillRef>
+          <a:effectRef idx="0">
+            <a:schemeClr val="accent1"/>
+          </a:effectRef>
+          <a:fontRef idx="minor">
+            <a:schemeClr val="tx1"/>
+          </a:fontRef>
+        </p:style>
+      </p:cxnSp>
+      <p:cxnSp>
+        <p:nvCxnSpPr>
+          <p:cNvPr id="53" name="Conector reto 52">
+            <a:extLst>
+              <a:ext uri="{FF2B5EF4-FFF2-40B4-BE49-F238E27FC236}">
+                <a16:creationId xmlns:a16="http://schemas.microsoft.com/office/drawing/2014/main" xmlns="" id="{0712D8B9-EFE8-42D6-8CDA-F9CD57CF5C20}"/>
+              </a:ext>
+            </a:extLst>
+          </p:cNvPr>
+          <p:cNvCxnSpPr>
+            <a:cxnSpLocks/>
+          </p:cNvCxnSpPr>
+          <p:nvPr/>
+        </p:nvCxnSpPr>
+        <p:spPr>
+          <a:xfrm flipH="1">
+            <a:off x="8419424" y="3757798"/>
+            <a:ext cx="279922" cy="0"/>
+          </a:xfrm>
+          <a:prstGeom prst="line">
+            <a:avLst/>
+          </a:prstGeom>
+          <a:ln w="38100">
+            <a:solidFill>
+              <a:srgbClr val="92F649"/>
+            </a:solidFill>
+          </a:ln>
+        </p:spPr>
+        <p:style>
+          <a:lnRef idx="1">
+            <a:schemeClr val="accent1"/>
+          </a:lnRef>
+          <a:fillRef idx="0">
+            <a:schemeClr val="accent1"/>
+          </a:fillRef>
+          <a:effectRef idx="0">
+            <a:schemeClr val="accent1"/>
+          </a:effectRef>
+          <a:fontRef idx="minor">
+            <a:schemeClr val="tx1"/>
+          </a:fontRef>
+        </p:style>
+      </p:cxnSp>
+      <p:cxnSp>
+        <p:nvCxnSpPr>
+          <p:cNvPr id="56" name="Conector reto 55">
+            <a:extLst>
+              <a:ext uri="{FF2B5EF4-FFF2-40B4-BE49-F238E27FC236}">
+                <a16:creationId xmlns:a16="http://schemas.microsoft.com/office/drawing/2014/main" xmlns="" id="{0712D8B9-EFE8-42D6-8CDA-F9CD57CF5C20}"/>
+              </a:ext>
+            </a:extLst>
+          </p:cNvPr>
+          <p:cNvCxnSpPr>
+            <a:cxnSpLocks/>
+          </p:cNvCxnSpPr>
+          <p:nvPr/>
+        </p:nvCxnSpPr>
+        <p:spPr>
+          <a:xfrm flipH="1">
+            <a:off x="5786933" y="2132644"/>
+            <a:ext cx="174755" cy="177263"/>
+          </a:xfrm>
+          <a:prstGeom prst="line">
+            <a:avLst/>
+          </a:prstGeom>
+          <a:ln w="38100">
+            <a:solidFill>
+              <a:srgbClr val="92F649"/>
+            </a:solidFill>
+          </a:ln>
+        </p:spPr>
+        <p:style>
+          <a:lnRef idx="1">
+            <a:schemeClr val="accent1"/>
+          </a:lnRef>
+          <a:fillRef idx="0">
+            <a:schemeClr val="accent1"/>
+          </a:fillRef>
+          <a:effectRef idx="0">
+            <a:schemeClr val="accent1"/>
+          </a:effectRef>
+          <a:fontRef idx="minor">
+            <a:schemeClr val="tx1"/>
+          </a:fontRef>
+        </p:style>
+      </p:cxnSp>
+      <p:cxnSp>
+        <p:nvCxnSpPr>
+          <p:cNvPr id="57" name="Conector reto 56">
+            <a:extLst>
+              <a:ext uri="{FF2B5EF4-FFF2-40B4-BE49-F238E27FC236}">
+                <a16:creationId xmlns:a16="http://schemas.microsoft.com/office/drawing/2014/main" xmlns="" id="{0712D8B9-EFE8-42D6-8CDA-F9CD57CF5C20}"/>
+              </a:ext>
+            </a:extLst>
+          </p:cNvPr>
+          <p:cNvCxnSpPr>
+            <a:cxnSpLocks/>
+          </p:cNvCxnSpPr>
+          <p:nvPr/>
+        </p:nvCxnSpPr>
+        <p:spPr>
+          <a:xfrm flipH="1" flipV="1">
+            <a:off x="5587038" y="2121582"/>
+            <a:ext cx="180754" cy="208707"/>
+          </a:xfrm>
+          <a:prstGeom prst="line">
+            <a:avLst/>
+          </a:prstGeom>
+          <a:ln w="38100">
+            <a:solidFill>
+              <a:srgbClr val="92F649"/>
+            </a:solidFill>
+          </a:ln>
+        </p:spPr>
+        <p:style>
+          <a:lnRef idx="1">
+            <a:schemeClr val="accent1"/>
+          </a:lnRef>
+          <a:fillRef idx="0">
+            <a:schemeClr val="accent1"/>
+          </a:fillRef>
+          <a:effectRef idx="0">
+            <a:schemeClr val="accent1"/>
+          </a:effectRef>
+          <a:fontRef idx="minor">
+            <a:schemeClr val="tx1"/>
+          </a:fontRef>
+        </p:style>
+      </p:cxnSp>
+      <p:cxnSp>
+        <p:nvCxnSpPr>
+          <p:cNvPr id="58" name="Conector reto 57">
+            <a:extLst>
+              <a:ext uri="{FF2B5EF4-FFF2-40B4-BE49-F238E27FC236}">
+                <a16:creationId xmlns:a16="http://schemas.microsoft.com/office/drawing/2014/main" xmlns="" id="{0712D8B9-EFE8-42D6-8CDA-F9CD57CF5C20}"/>
+              </a:ext>
+            </a:extLst>
+          </p:cNvPr>
+          <p:cNvCxnSpPr>
+            <a:cxnSpLocks/>
+          </p:cNvCxnSpPr>
+          <p:nvPr/>
+        </p:nvCxnSpPr>
+        <p:spPr>
+          <a:xfrm>
+            <a:off x="5774172" y="2121582"/>
+            <a:ext cx="0" cy="217594"/>
+          </a:xfrm>
+          <a:prstGeom prst="line">
+            <a:avLst/>
+          </a:prstGeom>
+          <a:ln w="38100">
+            <a:solidFill>
+              <a:srgbClr val="92F649"/>
+            </a:solidFill>
+          </a:ln>
+        </p:spPr>
+        <p:style>
+          <a:lnRef idx="1">
+            <a:schemeClr val="accent1"/>
+          </a:lnRef>
+          <a:fillRef idx="0">
+            <a:schemeClr val="accent1"/>
+          </a:fillRef>
+          <a:effectRef idx="0">
+            <a:schemeClr val="accent1"/>
+          </a:effectRef>
+          <a:fontRef idx="minor">
+            <a:schemeClr val="tx1"/>
+          </a:fontRef>
+        </p:style>
+      </p:cxnSp>
+      <p:sp>
+        <p:nvSpPr>
+          <p:cNvPr id="71" name="CaixaDeTexto 70"/>
+          <p:cNvSpPr txBox="1"/>
+          <p:nvPr/>
+        </p:nvSpPr>
+        <p:spPr>
+          <a:xfrm>
+            <a:off x="3839940" y="16134"/>
+            <a:ext cx="4577182" cy="523220"/>
+          </a:xfrm>
+          <a:prstGeom prst="rect">
+            <a:avLst/>
+          </a:prstGeom>
+          <a:noFill/>
+        </p:spPr>
+        <p:txBody>
+          <a:bodyPr wrap="square" rtlCol="0">
+            <a:spAutoFit/>
+          </a:bodyPr>
+          <a:lstStyle/>
+          <a:p>
+            <a:r>
+              <a:rPr lang="pt-BR" sz="2800" b="1" dirty="0" smtClean="0">
+                <a:solidFill>
+                  <a:srgbClr val="22A2BD"/>
+                </a:solidFill>
+                <a:latin typeface="Arial" panose="020B0604020202020204" pitchFamily="34" charset="0"/>
+                <a:cs typeface="Arial" panose="020B0604020202020204" pitchFamily="34" charset="0"/>
+              </a:rPr>
+              <a:t>Bando de Dados Lógico</a:t>
+            </a:r>
+            <a:endParaRPr lang="pt-BR" sz="2800" b="1" dirty="0">
+              <a:solidFill>
+                <a:srgbClr val="22A2BD"/>
+              </a:solidFill>
+              <a:latin typeface="Arial" panose="020B0604020202020204" pitchFamily="34" charset="0"/>
+              <a:cs typeface="Arial" panose="020B0604020202020204" pitchFamily="34" charset="0"/>
+            </a:endParaRPr>
+          </a:p>
+        </p:txBody>
+      </p:sp>
     </p:spTree>
     <p:extLst>
       <p:ext uri="{BB962C8B-B14F-4D97-AF65-F5344CB8AC3E}">
@@ -3784,6 +6263,3909 @@
       <p:transition spd="slow"/>
     </mc:Fallback>
   </mc:AlternateContent>
+  <p:timing>
+    <p:tnLst>
+      <p:par>
+        <p:cTn id="1" dur="indefinite" restart="never" nodeType="tmRoot"/>
+      </p:par>
+    </p:tnLst>
+  </p:timing>
+</p:sld>
+</file>
+
+<file path=ppt/slides/slide8.xml><?xml version="1.0" encoding="utf-8"?>
+<p:sld xmlns:a="http://schemas.openxmlformats.org/drawingml/2006/main" xmlns:r="http://schemas.openxmlformats.org/officeDocument/2006/relationships" xmlns:p="http://schemas.openxmlformats.org/presentationml/2006/main">
+  <p:cSld>
+    <p:spTree>
+      <p:nvGrpSpPr>
+        <p:cNvPr id="1" name=""/>
+        <p:cNvGrpSpPr/>
+        <p:nvPr/>
+      </p:nvGrpSpPr>
+      <p:grpSpPr>
+        <a:xfrm>
+          <a:off x="0" y="0"/>
+          <a:ext cx="0" cy="0"/>
+          <a:chOff x="0" y="0"/>
+          <a:chExt cx="0" cy="0"/>
+        </a:xfrm>
+      </p:grpSpPr>
+      <p:sp>
+        <p:nvSpPr>
+          <p:cNvPr id="4" name="Título 1"/>
+          <p:cNvSpPr>
+            <a:spLocks noGrp="1"/>
+          </p:cNvSpPr>
+          <p:nvPr>
+            <p:ph type="title"/>
+          </p:nvPr>
+        </p:nvSpPr>
+        <p:spPr>
+          <a:xfrm>
+            <a:off x="838200" y="365125"/>
+            <a:ext cx="10515600" cy="1325563"/>
+          </a:xfrm>
+        </p:spPr>
+        <p:txBody>
+          <a:bodyPr/>
+          <a:lstStyle/>
+          <a:p>
+            <a:endParaRPr lang="pt-BR"/>
+          </a:p>
+        </p:txBody>
+      </p:sp>
+      <p:sp>
+        <p:nvSpPr>
+          <p:cNvPr id="5" name="Espaço Reservado para Conteúdo 2"/>
+          <p:cNvSpPr>
+            <a:spLocks noGrp="1"/>
+          </p:cNvSpPr>
+          <p:nvPr>
+            <p:ph idx="1"/>
+          </p:nvPr>
+        </p:nvSpPr>
+        <p:spPr>
+          <a:xfrm>
+            <a:off x="838200" y="1825625"/>
+            <a:ext cx="10515600" cy="4351338"/>
+          </a:xfrm>
+        </p:spPr>
+        <p:txBody>
+          <a:bodyPr/>
+          <a:lstStyle/>
+          <a:p>
+            <a:endParaRPr lang="pt-BR"/>
+          </a:p>
+        </p:txBody>
+      </p:sp>
+      <p:pic>
+        <p:nvPicPr>
+          <p:cNvPr id="6" name="Espaço Reservado para Conteúdo 3"/>
+          <p:cNvPicPr>
+            <a:picLocks noChangeAspect="1"/>
+          </p:cNvPicPr>
+          <p:nvPr/>
+        </p:nvPicPr>
+        <p:blipFill rotWithShape="1">
+          <a:blip r:embed="rId2" cstate="print">
+            <a:extLst>
+              <a:ext uri="{28A0092B-C50C-407E-A947-70E740481C1C}">
+                <a14:useLocalDpi xmlns:a14="http://schemas.microsoft.com/office/drawing/2010/main" val="0"/>
+              </a:ext>
+            </a:extLst>
+          </a:blip>
+          <a:srcRect l="1" t="562" r="33329" b="35315"/>
+          <a:stretch/>
+        </p:blipFill>
+        <p:spPr>
+          <a:xfrm>
+            <a:off x="-1" y="2"/>
+            <a:ext cx="12211862" cy="6857998"/>
+          </a:xfrm>
+          <a:prstGeom prst="rect">
+            <a:avLst/>
+          </a:prstGeom>
+        </p:spPr>
+      </p:pic>
+      <p:pic>
+        <p:nvPicPr>
+          <p:cNvPr id="9" name="Espaço Reservado para Conteúdo 8"/>
+          <p:cNvPicPr>
+            <a:picLocks noChangeAspect="1"/>
+          </p:cNvPicPr>
+          <p:nvPr/>
+        </p:nvPicPr>
+        <p:blipFill>
+          <a:blip r:embed="rId3">
+            <a:extLst>
+              <a:ext uri="{28A0092B-C50C-407E-A947-70E740481C1C}">
+                <a14:useLocalDpi xmlns:a14="http://schemas.microsoft.com/office/drawing/2010/main" val="0"/>
+              </a:ext>
+            </a:extLst>
+          </a:blip>
+          <a:stretch>
+            <a:fillRect/>
+          </a:stretch>
+        </p:blipFill>
+        <p:spPr>
+          <a:xfrm>
+            <a:off x="-1224298" y="-1722497"/>
+            <a:ext cx="3506549" cy="3506549"/>
+          </a:xfrm>
+          <a:prstGeom prst="rect">
+            <a:avLst/>
+          </a:prstGeom>
+        </p:spPr>
+      </p:pic>
+      <p:sp>
+        <p:nvSpPr>
+          <p:cNvPr id="11" name="CaixaDeTexto 10"/>
+          <p:cNvSpPr txBox="1"/>
+          <p:nvPr/>
+        </p:nvSpPr>
+        <p:spPr>
+          <a:xfrm>
+            <a:off x="5480330" y="30778"/>
+            <a:ext cx="1450800" cy="769441"/>
+          </a:xfrm>
+          <a:prstGeom prst="rect">
+            <a:avLst/>
+          </a:prstGeom>
+          <a:noFill/>
+        </p:spPr>
+        <p:txBody>
+          <a:bodyPr wrap="square" rtlCol="0">
+            <a:spAutoFit/>
+          </a:bodyPr>
+          <a:lstStyle/>
+          <a:p>
+            <a:r>
+              <a:rPr lang="pt-BR" sz="4400" b="1" dirty="0" smtClean="0">
+                <a:solidFill>
+                  <a:srgbClr val="22A2BD"/>
+                </a:solidFill>
+              </a:rPr>
+              <a:t>HLD</a:t>
+            </a:r>
+            <a:endParaRPr lang="pt-BR" sz="4400" b="1" dirty="0">
+              <a:solidFill>
+                <a:srgbClr val="22A2BD"/>
+              </a:solidFill>
+            </a:endParaRPr>
+          </a:p>
+        </p:txBody>
+      </p:sp>
+      <p:sp>
+        <p:nvSpPr>
+          <p:cNvPr id="12" name="CaixaDeTexto 11"/>
+          <p:cNvSpPr txBox="1"/>
+          <p:nvPr/>
+        </p:nvSpPr>
+        <p:spPr>
+          <a:xfrm>
+            <a:off x="5279206" y="622010"/>
+            <a:ext cx="2112194" cy="338554"/>
+          </a:xfrm>
+          <a:prstGeom prst="rect">
+            <a:avLst/>
+          </a:prstGeom>
+          <a:noFill/>
+        </p:spPr>
+        <p:txBody>
+          <a:bodyPr wrap="square" rtlCol="0">
+            <a:spAutoFit/>
+          </a:bodyPr>
+          <a:lstStyle/>
+          <a:p>
+            <a:r>
+              <a:rPr lang="pt-BR" sz="1600" b="1" dirty="0" smtClean="0">
+                <a:solidFill>
+                  <a:schemeClr val="bg1"/>
+                </a:solidFill>
+                <a:latin typeface="+mj-lt"/>
+              </a:rPr>
+              <a:t>High </a:t>
+            </a:r>
+            <a:r>
+              <a:rPr lang="pt-BR" sz="1600" b="1" dirty="0" err="1" smtClean="0">
+                <a:solidFill>
+                  <a:schemeClr val="bg1"/>
+                </a:solidFill>
+                <a:latin typeface="+mj-lt"/>
+              </a:rPr>
+              <a:t>Level</a:t>
+            </a:r>
+            <a:r>
+              <a:rPr lang="pt-BR" sz="1600" b="1" dirty="0" smtClean="0">
+                <a:solidFill>
+                  <a:schemeClr val="bg1"/>
+                </a:solidFill>
+                <a:latin typeface="+mj-lt"/>
+              </a:rPr>
+              <a:t> Design</a:t>
+            </a:r>
+            <a:endParaRPr lang="pt-BR" sz="1600" b="1" dirty="0">
+              <a:solidFill>
+                <a:schemeClr val="bg1"/>
+              </a:solidFill>
+              <a:latin typeface="+mj-lt"/>
+            </a:endParaRPr>
+          </a:p>
+        </p:txBody>
+      </p:sp>
+      <p:pic>
+        <p:nvPicPr>
+          <p:cNvPr id="13" name="Picture 12" descr="Website ícones - Download Gratuito em PNG e SVG">
+            <a:extLst>
+              <a:ext uri="{FF2B5EF4-FFF2-40B4-BE49-F238E27FC236}">
+                <a16:creationId xmlns="" xmlns:a16="http://schemas.microsoft.com/office/drawing/2014/main" id="{F2BF768E-207C-40E4-BDA3-3BFC21CC1555}"/>
+              </a:ext>
+            </a:extLst>
+          </p:cNvPr>
+          <p:cNvPicPr>
+            <a:picLocks noChangeAspect="1" noChangeArrowheads="1"/>
+          </p:cNvPicPr>
+          <p:nvPr/>
+        </p:nvPicPr>
+        <p:blipFill>
+          <a:blip r:embed="rId4" cstate="print">
+            <a:duotone>
+              <a:schemeClr val="accent5">
+                <a:shade val="45000"/>
+                <a:satMod val="135000"/>
+              </a:schemeClr>
+              <a:prstClr val="white"/>
+            </a:duotone>
+            <a:extLst>
+              <a:ext uri="{28A0092B-C50C-407E-A947-70E740481C1C}">
+                <a14:useLocalDpi xmlns:a14="http://schemas.microsoft.com/office/drawing/2010/main" val="0"/>
+              </a:ext>
+            </a:extLst>
+          </a:blip>
+          <a:srcRect/>
+          <a:stretch>
+            <a:fillRect/>
+          </a:stretch>
+        </p:blipFill>
+        <p:spPr bwMode="auto">
+          <a:xfrm>
+            <a:off x="9015897" y="2897233"/>
+            <a:ext cx="815614" cy="805446"/>
+          </a:xfrm>
+          <a:prstGeom prst="rect">
+            <a:avLst/>
+          </a:prstGeom>
+          <a:noFill/>
+          <a:ln>
+            <a:noFill/>
+          </a:ln>
+          <a:extLst>
+            <a:ext uri="{909E8E84-426E-40DD-AFC4-6F175D3DCCD1}">
+              <a14:hiddenFill xmlns:a14="http://schemas.microsoft.com/office/drawing/2010/main">
+                <a:solidFill>
+                  <a:srgbClr val="FFFFFF"/>
+                </a:solidFill>
+              </a14:hiddenFill>
+            </a:ext>
+          </a:extLst>
+        </p:spPr>
+      </p:pic>
+      <p:pic>
+        <p:nvPicPr>
+          <p:cNvPr id="14" name="Picture 14" descr="Wifi ícones - Download Gratuito em PNG e SVG">
+            <a:extLst>
+              <a:ext uri="{FF2B5EF4-FFF2-40B4-BE49-F238E27FC236}">
+                <a16:creationId xmlns="" xmlns:a16="http://schemas.microsoft.com/office/drawing/2014/main" id="{F75088D6-C746-40B7-B6B4-31A23DF73C96}"/>
+              </a:ext>
+            </a:extLst>
+          </p:cNvPr>
+          <p:cNvPicPr>
+            <a:picLocks noChangeAspect="1" noChangeArrowheads="1"/>
+          </p:cNvPicPr>
+          <p:nvPr/>
+        </p:nvPicPr>
+        <p:blipFill>
+          <a:blip r:embed="rId5" cstate="print">
+            <a:duotone>
+              <a:prstClr val="black"/>
+              <a:schemeClr val="accent6">
+                <a:tint val="45000"/>
+                <a:satMod val="400000"/>
+              </a:schemeClr>
+            </a:duotone>
+            <a:extLst>
+              <a:ext uri="{28A0092B-C50C-407E-A947-70E740481C1C}">
+                <a14:useLocalDpi xmlns:a14="http://schemas.microsoft.com/office/drawing/2010/main" val="0"/>
+              </a:ext>
+            </a:extLst>
+          </a:blip>
+          <a:srcRect/>
+          <a:stretch>
+            <a:fillRect/>
+          </a:stretch>
+        </p:blipFill>
+        <p:spPr bwMode="auto">
+          <a:xfrm>
+            <a:off x="8578705" y="2437624"/>
+            <a:ext cx="393984" cy="393984"/>
+          </a:xfrm>
+          <a:prstGeom prst="rect">
+            <a:avLst/>
+          </a:prstGeom>
+          <a:noFill/>
+          <a:extLst>
+            <a:ext uri="{909E8E84-426E-40DD-AFC4-6F175D3DCCD1}">
+              <a14:hiddenFill xmlns:a14="http://schemas.microsoft.com/office/drawing/2010/main">
+                <a:solidFill>
+                  <a:srgbClr val="FFFFFF"/>
+                </a:solidFill>
+              </a14:hiddenFill>
+            </a:ext>
+          </a:extLst>
+        </p:spPr>
+      </p:pic>
+      <p:grpSp>
+        <p:nvGrpSpPr>
+          <p:cNvPr id="15" name="Agrupar 1032">
+            <a:extLst>
+              <a:ext uri="{FF2B5EF4-FFF2-40B4-BE49-F238E27FC236}">
+                <a16:creationId xmlns="" xmlns:a16="http://schemas.microsoft.com/office/drawing/2014/main" id="{9CFF2673-4F9E-4810-BD6F-1D8C71320DB5}"/>
+              </a:ext>
+            </a:extLst>
+          </p:cNvPr>
+          <p:cNvGrpSpPr/>
+          <p:nvPr/>
+        </p:nvGrpSpPr>
+        <p:grpSpPr>
+          <a:xfrm>
+            <a:off x="10206355" y="2143276"/>
+            <a:ext cx="1831672" cy="3084840"/>
+            <a:chOff x="10206355" y="2143276"/>
+            <a:chExt cx="1831672" cy="3084840"/>
+          </a:xfrm>
+        </p:grpSpPr>
+        <p:pic>
+          <p:nvPicPr>
+            <p:cNvPr id="16" name="Picture 8" descr="Homem do usuário 3 Ícone - Download Grátis, PNG e Vetores">
+              <a:extLst>
+                <a:ext uri="{FF2B5EF4-FFF2-40B4-BE49-F238E27FC236}">
+                  <a16:creationId xmlns="" xmlns:a16="http://schemas.microsoft.com/office/drawing/2014/main" id="{612D90E8-E03E-4604-984A-9E846D082FE2}"/>
+                </a:ext>
+              </a:extLst>
+            </p:cNvPr>
+            <p:cNvPicPr>
+              <a:picLocks noChangeAspect="1" noChangeArrowheads="1"/>
+            </p:cNvPicPr>
+            <p:nvPr/>
+          </p:nvPicPr>
+          <p:blipFill>
+            <a:blip r:embed="rId6" cstate="print">
+              <a:duotone>
+                <a:prstClr val="black"/>
+                <a:schemeClr val="bg2">
+                  <a:lumMod val="25000"/>
+                  <a:tint val="45000"/>
+                  <a:satMod val="400000"/>
+                </a:schemeClr>
+              </a:duotone>
+              <a:extLst>
+                <a:ext uri="{28A0092B-C50C-407E-A947-70E740481C1C}">
+                  <a14:useLocalDpi xmlns:a14="http://schemas.microsoft.com/office/drawing/2010/main" val="0"/>
+                </a:ext>
+              </a:extLst>
+            </a:blip>
+            <a:srcRect/>
+            <a:stretch>
+              <a:fillRect/>
+            </a:stretch>
+          </p:blipFill>
+          <p:spPr bwMode="auto">
+            <a:xfrm>
+              <a:off x="10252438" y="2143276"/>
+              <a:ext cx="1739508" cy="1739508"/>
+            </a:xfrm>
+            <a:prstGeom prst="rect">
+              <a:avLst/>
+            </a:prstGeom>
+            <a:noFill/>
+            <a:extLst>
+              <a:ext uri="{909E8E84-426E-40DD-AFC4-6F175D3DCCD1}">
+                <a14:hiddenFill xmlns:a14="http://schemas.microsoft.com/office/drawing/2010/main">
+                  <a:solidFill>
+                    <a:srgbClr val="FFFFFF"/>
+                  </a:solidFill>
+                </a14:hiddenFill>
+              </a:ext>
+            </a:extLst>
+          </p:spPr>
+        </p:pic>
+        <p:pic>
+          <p:nvPicPr>
+            <p:cNvPr id="17" name="Picture 10" descr="Ícone de laptop simples - Baixar PNG/SVG Transparente">
+              <a:extLst>
+                <a:ext uri="{FF2B5EF4-FFF2-40B4-BE49-F238E27FC236}">
+                  <a16:creationId xmlns="" xmlns:a16="http://schemas.microsoft.com/office/drawing/2014/main" id="{065C2E75-5CFB-4BCF-A464-252DA64D378F}"/>
+                </a:ext>
+              </a:extLst>
+            </p:cNvPr>
+            <p:cNvPicPr>
+              <a:picLocks noChangeAspect="1" noChangeArrowheads="1"/>
+            </p:cNvPicPr>
+            <p:nvPr/>
+          </p:nvPicPr>
+          <p:blipFill>
+            <a:blip r:embed="rId7" cstate="print">
+              <a:duotone>
+                <a:prstClr val="black"/>
+                <a:schemeClr val="accent1">
+                  <a:tint val="45000"/>
+                  <a:satMod val="400000"/>
+                </a:schemeClr>
+              </a:duotone>
+              <a:extLst>
+                <a:ext uri="{28A0092B-C50C-407E-A947-70E740481C1C}">
+                  <a14:useLocalDpi xmlns:a14="http://schemas.microsoft.com/office/drawing/2010/main" val="0"/>
+                </a:ext>
+              </a:extLst>
+            </a:blip>
+            <a:srcRect/>
+            <a:stretch>
+              <a:fillRect/>
+            </a:stretch>
+          </p:blipFill>
+          <p:spPr bwMode="auto">
+            <a:xfrm>
+              <a:off x="10584359" y="3542894"/>
+              <a:ext cx="1075664" cy="1075664"/>
+            </a:xfrm>
+            <a:prstGeom prst="rect">
+              <a:avLst/>
+            </a:prstGeom>
+            <a:noFill/>
+            <a:extLst>
+              <a:ext uri="{909E8E84-426E-40DD-AFC4-6F175D3DCCD1}">
+                <a14:hiddenFill xmlns:a14="http://schemas.microsoft.com/office/drawing/2010/main">
+                  <a:solidFill>
+                    <a:srgbClr val="FFFFFF"/>
+                  </a:solidFill>
+                </a14:hiddenFill>
+              </a:ext>
+            </a:extLst>
+          </p:spPr>
+        </p:pic>
+        <p:sp>
+          <p:nvSpPr>
+            <p:cNvPr id="18" name="CaixaDeTexto 17">
+              <a:extLst>
+                <a:ext uri="{FF2B5EF4-FFF2-40B4-BE49-F238E27FC236}">
+                  <a16:creationId xmlns="" xmlns:a16="http://schemas.microsoft.com/office/drawing/2014/main" id="{0517AF5F-5D8C-42F9-A593-06CA84B128D4}"/>
+                </a:ext>
+              </a:extLst>
+            </p:cNvPr>
+            <p:cNvSpPr txBox="1"/>
+            <p:nvPr/>
+          </p:nvSpPr>
+          <p:spPr>
+            <a:xfrm>
+              <a:off x="10206355" y="4581785"/>
+              <a:ext cx="1831672" cy="646331"/>
+            </a:xfrm>
+            <a:prstGeom prst="rect">
+              <a:avLst/>
+            </a:prstGeom>
+            <a:noFill/>
+          </p:spPr>
+          <p:txBody>
+            <a:bodyPr wrap="square" rtlCol="0">
+              <a:spAutoFit/>
+            </a:bodyPr>
+            <a:lstStyle/>
+            <a:p>
+              <a:pPr algn="ctr"/>
+              <a:r>
+                <a:rPr lang="pt-BR" b="1" dirty="0">
+                  <a:solidFill>
+                    <a:srgbClr val="5AC31F"/>
+                  </a:solidFill>
+                </a:rPr>
+                <a:t>USUÁRIO</a:t>
+              </a:r>
+            </a:p>
+            <a:p>
+              <a:endParaRPr lang="pt-BR" dirty="0"/>
+            </a:p>
+          </p:txBody>
+        </p:sp>
+      </p:grpSp>
+      <p:grpSp>
+        <p:nvGrpSpPr>
+          <p:cNvPr id="19" name="Agrupar 1028">
+            <a:extLst>
+              <a:ext uri="{FF2B5EF4-FFF2-40B4-BE49-F238E27FC236}">
+                <a16:creationId xmlns="" xmlns:a16="http://schemas.microsoft.com/office/drawing/2014/main" id="{45E329AC-8895-492A-9B04-20C31C2BC964}"/>
+              </a:ext>
+            </a:extLst>
+          </p:cNvPr>
+          <p:cNvGrpSpPr/>
+          <p:nvPr/>
+        </p:nvGrpSpPr>
+        <p:grpSpPr>
+          <a:xfrm rot="5400000">
+            <a:off x="4136268" y="3294925"/>
+            <a:ext cx="2038549" cy="717932"/>
+            <a:chOff x="6223336" y="3883892"/>
+            <a:chExt cx="1944548" cy="658958"/>
+          </a:xfrm>
+        </p:grpSpPr>
+        <p:grpSp>
+          <p:nvGrpSpPr>
+            <p:cNvPr id="20" name="Agrupar 95">
+              <a:extLst>
+                <a:ext uri="{FF2B5EF4-FFF2-40B4-BE49-F238E27FC236}">
+                  <a16:creationId xmlns="" xmlns:a16="http://schemas.microsoft.com/office/drawing/2014/main" id="{64C5FD00-94F5-4B42-A4C3-AAC54430589F}"/>
+                </a:ext>
+              </a:extLst>
+            </p:cNvPr>
+            <p:cNvGrpSpPr/>
+            <p:nvPr/>
+          </p:nvGrpSpPr>
+          <p:grpSpPr>
+            <a:xfrm>
+              <a:off x="6223336" y="3886344"/>
+              <a:ext cx="697451" cy="656506"/>
+              <a:chOff x="-656252" y="2602077"/>
+              <a:chExt cx="1435582" cy="1453392"/>
+            </a:xfrm>
+          </p:grpSpPr>
+          <p:sp>
+            <p:nvSpPr>
+              <p:cNvPr id="24" name="Elipse 23">
+                <a:extLst>
+                  <a:ext uri="{FF2B5EF4-FFF2-40B4-BE49-F238E27FC236}">
+                    <a16:creationId xmlns="" xmlns:a16="http://schemas.microsoft.com/office/drawing/2014/main" id="{A6243742-D20E-4AB6-9DE3-80F07F3BD14C}"/>
+                  </a:ext>
+                </a:extLst>
+              </p:cNvPr>
+              <p:cNvSpPr/>
+              <p:nvPr/>
+            </p:nvSpPr>
+            <p:spPr>
+              <a:xfrm>
+                <a:off x="-656252" y="2602077"/>
+                <a:ext cx="1435582" cy="1453392"/>
+              </a:xfrm>
+              <a:prstGeom prst="ellipse">
+                <a:avLst/>
+              </a:prstGeom>
+              <a:solidFill>
+                <a:srgbClr val="5AC31F"/>
+              </a:solidFill>
+              <a:ln>
+                <a:solidFill>
+                  <a:srgbClr val="5AC31F"/>
+                </a:solidFill>
+              </a:ln>
+            </p:spPr>
+            <p:style>
+              <a:lnRef idx="2">
+                <a:schemeClr val="accent1">
+                  <a:shade val="50000"/>
+                </a:schemeClr>
+              </a:lnRef>
+              <a:fillRef idx="1">
+                <a:schemeClr val="accent1"/>
+              </a:fillRef>
+              <a:effectRef idx="0">
+                <a:schemeClr val="accent1"/>
+              </a:effectRef>
+              <a:fontRef idx="minor">
+                <a:schemeClr val="lt1"/>
+              </a:fontRef>
+            </p:style>
+            <p:txBody>
+              <a:bodyPr rtlCol="0" anchor="ctr"/>
+              <a:lstStyle/>
+              <a:p>
+                <a:pPr algn="ctr"/>
+                <a:endParaRPr lang="pt-BR" dirty="0"/>
+              </a:p>
+            </p:txBody>
+          </p:sp>
+          <p:sp>
+            <p:nvSpPr>
+              <p:cNvPr id="25" name="Elipse 24">
+                <a:extLst>
+                  <a:ext uri="{FF2B5EF4-FFF2-40B4-BE49-F238E27FC236}">
+                    <a16:creationId xmlns="" xmlns:a16="http://schemas.microsoft.com/office/drawing/2014/main" id="{4FAF2113-377D-43CF-808E-DA6426616800}"/>
+                  </a:ext>
+                </a:extLst>
+              </p:cNvPr>
+              <p:cNvSpPr/>
+              <p:nvPr/>
+            </p:nvSpPr>
+            <p:spPr>
+              <a:xfrm>
+                <a:off x="-589688" y="2666100"/>
+                <a:ext cx="1302453" cy="1326637"/>
+              </a:xfrm>
+              <a:prstGeom prst="ellipse">
+                <a:avLst/>
+              </a:prstGeom>
+              <a:solidFill>
+                <a:srgbClr val="262C3A"/>
+              </a:solidFill>
+              <a:ln>
+                <a:solidFill>
+                  <a:srgbClr val="262C3A"/>
+                </a:solidFill>
+              </a:ln>
+            </p:spPr>
+            <p:style>
+              <a:lnRef idx="2">
+                <a:schemeClr val="accent1">
+                  <a:shade val="50000"/>
+                </a:schemeClr>
+              </a:lnRef>
+              <a:fillRef idx="1">
+                <a:schemeClr val="accent1"/>
+              </a:fillRef>
+              <a:effectRef idx="0">
+                <a:schemeClr val="accent1"/>
+              </a:effectRef>
+              <a:fontRef idx="minor">
+                <a:schemeClr val="lt1"/>
+              </a:fontRef>
+            </p:style>
+            <p:txBody>
+              <a:bodyPr rtlCol="0" anchor="ctr"/>
+              <a:lstStyle/>
+              <a:p>
+                <a:pPr algn="ctr"/>
+                <a:endParaRPr lang="pt-BR" dirty="0"/>
+              </a:p>
+            </p:txBody>
+          </p:sp>
+        </p:grpSp>
+        <p:grpSp>
+          <p:nvGrpSpPr>
+            <p:cNvPr id="21" name="Agrupar 89">
+              <a:extLst>
+                <a:ext uri="{FF2B5EF4-FFF2-40B4-BE49-F238E27FC236}">
+                  <a16:creationId xmlns="" xmlns:a16="http://schemas.microsoft.com/office/drawing/2014/main" id="{074F4D9A-184B-430D-AD9B-1B55BBA3EE6F}"/>
+                </a:ext>
+              </a:extLst>
+            </p:cNvPr>
+            <p:cNvGrpSpPr/>
+            <p:nvPr/>
+          </p:nvGrpSpPr>
+          <p:grpSpPr>
+            <a:xfrm>
+              <a:off x="7486432" y="3883892"/>
+              <a:ext cx="681452" cy="656505"/>
+              <a:chOff x="9252364" y="4071453"/>
+              <a:chExt cx="681452" cy="656505"/>
+            </a:xfrm>
+          </p:grpSpPr>
+          <p:sp>
+            <p:nvSpPr>
+              <p:cNvPr id="22" name="Elipse 21">
+                <a:extLst>
+                  <a:ext uri="{FF2B5EF4-FFF2-40B4-BE49-F238E27FC236}">
+                    <a16:creationId xmlns="" xmlns:a16="http://schemas.microsoft.com/office/drawing/2014/main" id="{17FFDCED-EF80-4388-80AE-463DD4D0B304}"/>
+                  </a:ext>
+                </a:extLst>
+              </p:cNvPr>
+              <p:cNvSpPr/>
+              <p:nvPr/>
+            </p:nvSpPr>
+            <p:spPr>
+              <a:xfrm>
+                <a:off x="9252364" y="4071453"/>
+                <a:ext cx="681452" cy="656505"/>
+              </a:xfrm>
+              <a:prstGeom prst="ellipse">
+                <a:avLst/>
+              </a:prstGeom>
+              <a:solidFill>
+                <a:srgbClr val="262C3A"/>
+              </a:solidFill>
+              <a:ln w="38100">
+                <a:solidFill>
+                  <a:srgbClr val="5AC31F"/>
+                </a:solidFill>
+              </a:ln>
+            </p:spPr>
+            <p:style>
+              <a:lnRef idx="2">
+                <a:schemeClr val="accent1">
+                  <a:shade val="50000"/>
+                </a:schemeClr>
+              </a:lnRef>
+              <a:fillRef idx="1">
+                <a:schemeClr val="accent1"/>
+              </a:fillRef>
+              <a:effectRef idx="0">
+                <a:schemeClr val="accent1"/>
+              </a:effectRef>
+              <a:fontRef idx="minor">
+                <a:schemeClr val="lt1"/>
+              </a:fontRef>
+            </p:style>
+            <p:txBody>
+              <a:bodyPr rtlCol="0" anchor="ctr"/>
+              <a:lstStyle/>
+              <a:p>
+                <a:pPr algn="ctr"/>
+                <a:endParaRPr lang="pt-BR" dirty="0">
+                  <a:solidFill>
+                    <a:srgbClr val="5AC31F"/>
+                  </a:solidFill>
+                </a:endParaRPr>
+              </a:p>
+            </p:txBody>
+          </p:sp>
+          <p:pic>
+            <p:nvPicPr>
+              <p:cNvPr id="23" name="Imagem 22">
+                <a:extLst>
+                  <a:ext uri="{FF2B5EF4-FFF2-40B4-BE49-F238E27FC236}">
+                    <a16:creationId xmlns="" xmlns:a16="http://schemas.microsoft.com/office/drawing/2014/main" id="{8A52A4DB-DB94-424B-834A-4E9891BB3857}"/>
+                  </a:ext>
+                </a:extLst>
+              </p:cNvPr>
+              <p:cNvPicPr>
+                <a:picLocks noChangeAspect="1"/>
+              </p:cNvPicPr>
+              <p:nvPr/>
+            </p:nvPicPr>
+            <p:blipFill>
+              <a:blip r:embed="rId8" cstate="print">
+                <a:duotone>
+                  <a:schemeClr val="accent1">
+                    <a:shade val="45000"/>
+                    <a:satMod val="135000"/>
+                  </a:schemeClr>
+                  <a:prstClr val="white"/>
+                </a:duotone>
+                <a:extLst>
+                  <a:ext uri="{BEBA8EAE-BF5A-486C-A8C5-ECC9F3942E4B}">
+                    <a14:imgProps xmlns:a14="http://schemas.microsoft.com/office/drawing/2010/main">
+                      <a14:imgLayer r:embed="rId9">
+                        <a14:imgEffect>
+                          <a14:backgroundRemoval t="0" b="100000" l="0" r="100000"/>
+                        </a14:imgEffect>
+                      </a14:imgLayer>
+                    </a14:imgProps>
+                  </a:ext>
+                  <a:ext uri="{28A0092B-C50C-407E-A947-70E740481C1C}">
+                    <a14:useLocalDpi xmlns:a14="http://schemas.microsoft.com/office/drawing/2010/main" val="0"/>
+                  </a:ext>
+                </a:extLst>
+              </a:blip>
+              <a:stretch>
+                <a:fillRect/>
+              </a:stretch>
+            </p:blipFill>
+            <p:spPr>
+              <a:xfrm rot="16200000">
+                <a:off x="9360441" y="4152582"/>
+                <a:ext cx="465300" cy="494246"/>
+              </a:xfrm>
+              <a:prstGeom prst="rect">
+                <a:avLst/>
+              </a:prstGeom>
+            </p:spPr>
+          </p:pic>
+        </p:grpSp>
+      </p:grpSp>
+      <p:sp>
+        <p:nvSpPr>
+          <p:cNvPr id="26" name="CaixaDeTexto 25"/>
+          <p:cNvSpPr txBox="1"/>
+          <p:nvPr/>
+        </p:nvSpPr>
+        <p:spPr>
+          <a:xfrm>
+            <a:off x="4685662" y="3299956"/>
+            <a:ext cx="990313" cy="369332"/>
+          </a:xfrm>
+          <a:prstGeom prst="rect">
+            <a:avLst/>
+          </a:prstGeom>
+          <a:noFill/>
+        </p:spPr>
+        <p:txBody>
+          <a:bodyPr wrap="square" rtlCol="0">
+            <a:spAutoFit/>
+          </a:bodyPr>
+          <a:lstStyle/>
+          <a:p>
+            <a:r>
+              <a:rPr lang="pt-BR" dirty="0" smtClean="0">
+                <a:solidFill>
+                  <a:srgbClr val="5AC31F"/>
+                </a:solidFill>
+              </a:rPr>
+              <a:t>Servidor</a:t>
+            </a:r>
+            <a:endParaRPr lang="pt-BR" dirty="0">
+              <a:solidFill>
+                <a:srgbClr val="5AC31F"/>
+              </a:solidFill>
+            </a:endParaRPr>
+          </a:p>
+        </p:txBody>
+      </p:sp>
+      <p:sp>
+        <p:nvSpPr>
+          <p:cNvPr id="27" name="CaixaDeTexto 26"/>
+          <p:cNvSpPr txBox="1"/>
+          <p:nvPr/>
+        </p:nvSpPr>
+        <p:spPr>
+          <a:xfrm>
+            <a:off x="4460440" y="4693196"/>
+            <a:ext cx="1706880" cy="369332"/>
+          </a:xfrm>
+          <a:prstGeom prst="rect">
+            <a:avLst/>
+          </a:prstGeom>
+          <a:noFill/>
+        </p:spPr>
+        <p:txBody>
+          <a:bodyPr wrap="square" rtlCol="0">
+            <a:spAutoFit/>
+          </a:bodyPr>
+          <a:lstStyle/>
+          <a:p>
+            <a:r>
+              <a:rPr lang="pt-BR" dirty="0" smtClean="0">
+                <a:solidFill>
+                  <a:srgbClr val="5AC31F"/>
+                </a:solidFill>
+              </a:rPr>
+              <a:t>Banco de Dados</a:t>
+            </a:r>
+            <a:endParaRPr lang="pt-BR" dirty="0">
+              <a:solidFill>
+                <a:srgbClr val="5AC31F"/>
+              </a:solidFill>
+            </a:endParaRPr>
+          </a:p>
+        </p:txBody>
+      </p:sp>
+      <p:sp>
+        <p:nvSpPr>
+          <p:cNvPr id="28" name="Seta para a direita 27"/>
+          <p:cNvSpPr/>
+          <p:nvPr/>
+        </p:nvSpPr>
+        <p:spPr>
+          <a:xfrm>
+            <a:off x="8476672" y="3180269"/>
+            <a:ext cx="299025" cy="224919"/>
+          </a:xfrm>
+          <a:prstGeom prst="rightArrow">
+            <a:avLst/>
+          </a:prstGeom>
+          <a:solidFill>
+            <a:srgbClr val="5AC31F"/>
+          </a:solidFill>
+          <a:ln>
+            <a:solidFill>
+              <a:srgbClr val="5AC31F"/>
+            </a:solidFill>
+          </a:ln>
+        </p:spPr>
+        <p:style>
+          <a:lnRef idx="2">
+            <a:schemeClr val="accent1">
+              <a:shade val="50000"/>
+            </a:schemeClr>
+          </a:lnRef>
+          <a:fillRef idx="1">
+            <a:schemeClr val="accent1"/>
+          </a:fillRef>
+          <a:effectRef idx="0">
+            <a:schemeClr val="accent1"/>
+          </a:effectRef>
+          <a:fontRef idx="minor">
+            <a:schemeClr val="lt1"/>
+          </a:fontRef>
+        </p:style>
+        <p:txBody>
+          <a:bodyPr rtlCol="0" anchor="ctr"/>
+          <a:lstStyle/>
+          <a:p>
+            <a:pPr algn="ctr"/>
+            <a:endParaRPr lang="pt-BR">
+              <a:ln>
+                <a:solidFill>
+                  <a:srgbClr val="5AC31F"/>
+                </a:solidFill>
+              </a:ln>
+              <a:solidFill>
+                <a:srgbClr val="5AC31F"/>
+              </a:solidFill>
+            </a:endParaRPr>
+          </a:p>
+        </p:txBody>
+      </p:sp>
+      <p:pic>
+        <p:nvPicPr>
+          <p:cNvPr id="29" name="Picture 8" descr="Computador &amp; Celular | GUIA LISTACITY"/>
+          <p:cNvPicPr>
+            <a:picLocks noChangeAspect="1" noChangeArrowheads="1"/>
+          </p:cNvPicPr>
+          <p:nvPr/>
+        </p:nvPicPr>
+        <p:blipFill>
+          <a:blip r:embed="rId10" cstate="print">
+            <a:extLst>
+              <a:ext uri="{28A0092B-C50C-407E-A947-70E740481C1C}">
+                <a14:useLocalDpi xmlns:a14="http://schemas.microsoft.com/office/drawing/2010/main" val="0"/>
+              </a:ext>
+            </a:extLst>
+          </a:blip>
+          <a:srcRect/>
+          <a:stretch>
+            <a:fillRect/>
+          </a:stretch>
+        </p:blipFill>
+        <p:spPr bwMode="auto">
+          <a:xfrm rot="1486212" flipH="1">
+            <a:off x="11424921" y="2919546"/>
+            <a:ext cx="633464" cy="776915"/>
+          </a:xfrm>
+          <a:prstGeom prst="rect">
+            <a:avLst/>
+          </a:prstGeom>
+          <a:noFill/>
+          <a:extLst>
+            <a:ext uri="{909E8E84-426E-40DD-AFC4-6F175D3DCCD1}">
+              <a14:hiddenFill xmlns:a14="http://schemas.microsoft.com/office/drawing/2010/main">
+                <a:solidFill>
+                  <a:srgbClr val="FFFFFF"/>
+                </a:solidFill>
+              </a14:hiddenFill>
+            </a:ext>
+          </a:extLst>
+        </p:spPr>
+      </p:pic>
+      <p:sp>
+        <p:nvSpPr>
+          <p:cNvPr id="30" name="CaixaDeTexto 29"/>
+          <p:cNvSpPr txBox="1"/>
+          <p:nvPr/>
+        </p:nvSpPr>
+        <p:spPr>
+          <a:xfrm>
+            <a:off x="466157" y="5164874"/>
+            <a:ext cx="725714" cy="400110"/>
+          </a:xfrm>
+          <a:prstGeom prst="rect">
+            <a:avLst/>
+          </a:prstGeom>
+          <a:noFill/>
+        </p:spPr>
+        <p:txBody>
+          <a:bodyPr wrap="square" rtlCol="0">
+            <a:spAutoFit/>
+          </a:bodyPr>
+          <a:lstStyle/>
+          <a:p>
+            <a:r>
+              <a:rPr lang="pt-BR" sz="2000" b="1" dirty="0" smtClean="0">
+                <a:solidFill>
+                  <a:srgbClr val="5AC31F"/>
+                </a:solidFill>
+                <a:latin typeface="+mj-lt"/>
+              </a:rPr>
+              <a:t>Site</a:t>
+            </a:r>
+          </a:p>
+        </p:txBody>
+      </p:sp>
+      <p:pic>
+        <p:nvPicPr>
+          <p:cNvPr id="31" name="Picture 12" descr="Silhueta de computador - Baixar PNG/SVG Transparente"/>
+          <p:cNvPicPr>
+            <a:picLocks noChangeAspect="1" noChangeArrowheads="1"/>
+          </p:cNvPicPr>
+          <p:nvPr/>
+        </p:nvPicPr>
+        <p:blipFill>
+          <a:blip r:embed="rId11" cstate="print">
+            <a:duotone>
+              <a:schemeClr val="bg2">
+                <a:shade val="45000"/>
+                <a:satMod val="135000"/>
+              </a:schemeClr>
+              <a:prstClr val="white"/>
+            </a:duotone>
+            <a:extLst>
+              <a:ext uri="{28A0092B-C50C-407E-A947-70E740481C1C}">
+                <a14:useLocalDpi xmlns:a14="http://schemas.microsoft.com/office/drawing/2010/main" val="0"/>
+              </a:ext>
+            </a:extLst>
+          </a:blip>
+          <a:srcRect/>
+          <a:stretch>
+            <a:fillRect/>
+          </a:stretch>
+        </p:blipFill>
+        <p:spPr bwMode="auto">
+          <a:xfrm>
+            <a:off x="59708" y="3542894"/>
+            <a:ext cx="1853342" cy="1853342"/>
+          </a:xfrm>
+          <a:prstGeom prst="rect">
+            <a:avLst/>
+          </a:prstGeom>
+          <a:noFill/>
+          <a:extLst>
+            <a:ext uri="{909E8E84-426E-40DD-AFC4-6F175D3DCCD1}">
+              <a14:hiddenFill xmlns:a14="http://schemas.microsoft.com/office/drawing/2010/main">
+                <a:solidFill>
+                  <a:srgbClr val="FFFFFF"/>
+                </a:solidFill>
+              </a14:hiddenFill>
+            </a:ext>
+          </a:extLst>
+        </p:spPr>
+      </p:pic>
+      <p:pic>
+        <p:nvPicPr>
+          <p:cNvPr id="32" name="Picture 14" descr="Wifi ícones - Download Gratuito em PNG e SVG">
+            <a:extLst>
+              <a:ext uri="{FF2B5EF4-FFF2-40B4-BE49-F238E27FC236}">
+                <a16:creationId xmlns="" xmlns:a16="http://schemas.microsoft.com/office/drawing/2014/main" id="{F75088D6-C746-40B7-B6B4-31A23DF73C96}"/>
+              </a:ext>
+            </a:extLst>
+          </p:cNvPr>
+          <p:cNvPicPr>
+            <a:picLocks noChangeAspect="1" noChangeArrowheads="1"/>
+          </p:cNvPicPr>
+          <p:nvPr/>
+        </p:nvPicPr>
+        <p:blipFill>
+          <a:blip r:embed="rId12" cstate="print">
+            <a:duotone>
+              <a:prstClr val="black"/>
+              <a:schemeClr val="accent6">
+                <a:tint val="45000"/>
+                <a:satMod val="400000"/>
+              </a:schemeClr>
+            </a:duotone>
+            <a:extLst>
+              <a:ext uri="{28A0092B-C50C-407E-A947-70E740481C1C}">
+                <a14:useLocalDpi xmlns:a14="http://schemas.microsoft.com/office/drawing/2010/main" val="0"/>
+              </a:ext>
+            </a:extLst>
+          </a:blip>
+          <a:srcRect/>
+          <a:stretch>
+            <a:fillRect/>
+          </a:stretch>
+        </p:blipFill>
+        <p:spPr bwMode="auto">
+          <a:xfrm>
+            <a:off x="1624949" y="3276807"/>
+            <a:ext cx="425871" cy="425871"/>
+          </a:xfrm>
+          <a:prstGeom prst="rect">
+            <a:avLst/>
+          </a:prstGeom>
+          <a:noFill/>
+          <a:extLst>
+            <a:ext uri="{909E8E84-426E-40DD-AFC4-6F175D3DCCD1}">
+              <a14:hiddenFill xmlns:a14="http://schemas.microsoft.com/office/drawing/2010/main">
+                <a:solidFill>
+                  <a:srgbClr val="FFFFFF"/>
+                </a:solidFill>
+              </a14:hiddenFill>
+            </a:ext>
+          </a:extLst>
+        </p:spPr>
+      </p:pic>
+      <p:pic>
+        <p:nvPicPr>
+          <p:cNvPr id="33" name="Picture 16" descr="Cadastro - ícones de multimídia grátis"/>
+          <p:cNvPicPr>
+            <a:picLocks noChangeAspect="1" noChangeArrowheads="1"/>
+          </p:cNvPicPr>
+          <p:nvPr/>
+        </p:nvPicPr>
+        <p:blipFill>
+          <a:blip r:embed="rId13" cstate="print">
+            <a:duotone>
+              <a:schemeClr val="accent6">
+                <a:shade val="45000"/>
+                <a:satMod val="135000"/>
+              </a:schemeClr>
+              <a:prstClr val="white"/>
+            </a:duotone>
+            <a:extLst>
+              <a:ext uri="{28A0092B-C50C-407E-A947-70E740481C1C}">
+                <a14:useLocalDpi xmlns:a14="http://schemas.microsoft.com/office/drawing/2010/main" val="0"/>
+              </a:ext>
+            </a:extLst>
+          </a:blip>
+          <a:srcRect/>
+          <a:stretch>
+            <a:fillRect/>
+          </a:stretch>
+        </p:blipFill>
+        <p:spPr bwMode="auto">
+          <a:xfrm>
+            <a:off x="2534624" y="3386756"/>
+            <a:ext cx="1166648" cy="1166648"/>
+          </a:xfrm>
+          <a:prstGeom prst="rect">
+            <a:avLst/>
+          </a:prstGeom>
+          <a:noFill/>
+          <a:extLst>
+            <a:ext uri="{909E8E84-426E-40DD-AFC4-6F175D3DCCD1}">
+              <a14:hiddenFill xmlns:a14="http://schemas.microsoft.com/office/drawing/2010/main">
+                <a:solidFill>
+                  <a:srgbClr val="FFFFFF"/>
+                </a:solidFill>
+              </a14:hiddenFill>
+            </a:ext>
+          </a:extLst>
+        </p:spPr>
+      </p:pic>
+      <p:pic>
+        <p:nvPicPr>
+          <p:cNvPr id="34" name="Picture 18" descr="Ícone Computador Nuvem PNG - PNG transparente de nuvem grátis."/>
+          <p:cNvPicPr>
+            <a:picLocks noChangeAspect="1" noChangeArrowheads="1"/>
+          </p:cNvPicPr>
+          <p:nvPr/>
+        </p:nvPicPr>
+        <p:blipFill rotWithShape="1">
+          <a:blip r:embed="rId14" cstate="print">
+            <a:lum bright="70000" contrast="-70000"/>
+            <a:extLst>
+              <a:ext uri="{28A0092B-C50C-407E-A947-70E740481C1C}">
+                <a14:useLocalDpi xmlns:a14="http://schemas.microsoft.com/office/drawing/2010/main" val="0"/>
+              </a:ext>
+            </a:extLst>
+          </a:blip>
+          <a:srcRect t="10053" b="24760"/>
+          <a:stretch/>
+        </p:blipFill>
+        <p:spPr bwMode="auto">
+          <a:xfrm>
+            <a:off x="6612114" y="2634616"/>
+            <a:ext cx="1742893" cy="1136142"/>
+          </a:xfrm>
+          <a:prstGeom prst="rect">
+            <a:avLst/>
+          </a:prstGeom>
+          <a:noFill/>
+          <a:extLst>
+            <a:ext uri="{909E8E84-426E-40DD-AFC4-6F175D3DCCD1}">
+              <a14:hiddenFill xmlns:a14="http://schemas.microsoft.com/office/drawing/2010/main">
+                <a:solidFill>
+                  <a:srgbClr val="FFFFFF"/>
+                </a:solidFill>
+              </a14:hiddenFill>
+            </a:ext>
+          </a:extLst>
+        </p:spPr>
+      </p:pic>
+      <p:pic>
+        <p:nvPicPr>
+          <p:cNvPr id="35" name="Picture 20" descr="Server server line icon - 30 Hardware Line Icons"/>
+          <p:cNvPicPr>
+            <a:picLocks noChangeAspect="1" noChangeArrowheads="1"/>
+          </p:cNvPicPr>
+          <p:nvPr/>
+        </p:nvPicPr>
+        <p:blipFill>
+          <a:blip r:embed="rId15" cstate="print">
+            <a:duotone>
+              <a:schemeClr val="accent5">
+                <a:shade val="45000"/>
+                <a:satMod val="135000"/>
+              </a:schemeClr>
+              <a:prstClr val="white"/>
+            </a:duotone>
+            <a:extLst>
+              <a:ext uri="{28A0092B-C50C-407E-A947-70E740481C1C}">
+                <a14:useLocalDpi xmlns:a14="http://schemas.microsoft.com/office/drawing/2010/main" val="0"/>
+              </a:ext>
+            </a:extLst>
+          </a:blip>
+          <a:srcRect/>
+          <a:stretch>
+            <a:fillRect/>
+          </a:stretch>
+        </p:blipFill>
+        <p:spPr bwMode="auto">
+          <a:xfrm>
+            <a:off x="4870881" y="2715775"/>
+            <a:ext cx="566015" cy="566015"/>
+          </a:xfrm>
+          <a:prstGeom prst="rect">
+            <a:avLst/>
+          </a:prstGeom>
+          <a:noFill/>
+          <a:extLst>
+            <a:ext uri="{909E8E84-426E-40DD-AFC4-6F175D3DCCD1}">
+              <a14:hiddenFill xmlns:a14="http://schemas.microsoft.com/office/drawing/2010/main">
+                <a:solidFill>
+                  <a:srgbClr val="FFFFFF"/>
+                </a:solidFill>
+              </a14:hiddenFill>
+            </a:ext>
+          </a:extLst>
+        </p:spPr>
+      </p:pic>
+      <p:sp>
+        <p:nvSpPr>
+          <p:cNvPr id="36" name="Seta para a direita 35"/>
+          <p:cNvSpPr/>
+          <p:nvPr/>
+        </p:nvSpPr>
+        <p:spPr>
+          <a:xfrm>
+            <a:off x="10076370" y="3129722"/>
+            <a:ext cx="299025" cy="224919"/>
+          </a:xfrm>
+          <a:prstGeom prst="rightArrow">
+            <a:avLst/>
+          </a:prstGeom>
+          <a:solidFill>
+            <a:srgbClr val="5AC31F"/>
+          </a:solidFill>
+          <a:ln>
+            <a:solidFill>
+              <a:srgbClr val="5AC31F"/>
+            </a:solidFill>
+          </a:ln>
+        </p:spPr>
+        <p:style>
+          <a:lnRef idx="2">
+            <a:schemeClr val="accent1">
+              <a:shade val="50000"/>
+            </a:schemeClr>
+          </a:lnRef>
+          <a:fillRef idx="1">
+            <a:schemeClr val="accent1"/>
+          </a:fillRef>
+          <a:effectRef idx="0">
+            <a:schemeClr val="accent1"/>
+          </a:effectRef>
+          <a:fontRef idx="minor">
+            <a:schemeClr val="lt1"/>
+          </a:fontRef>
+        </p:style>
+        <p:txBody>
+          <a:bodyPr rtlCol="0" anchor="ctr"/>
+          <a:lstStyle/>
+          <a:p>
+            <a:pPr algn="ctr"/>
+            <a:endParaRPr lang="pt-BR">
+              <a:ln>
+                <a:solidFill>
+                  <a:srgbClr val="5AC31F"/>
+                </a:solidFill>
+              </a:ln>
+              <a:solidFill>
+                <a:srgbClr val="5AC31F"/>
+              </a:solidFill>
+            </a:endParaRPr>
+          </a:p>
+        </p:txBody>
+      </p:sp>
+      <p:sp>
+        <p:nvSpPr>
+          <p:cNvPr id="37" name="Seta para a direita 36"/>
+          <p:cNvSpPr/>
+          <p:nvPr/>
+        </p:nvSpPr>
+        <p:spPr>
+          <a:xfrm>
+            <a:off x="1973700" y="4028384"/>
+            <a:ext cx="299025" cy="224919"/>
+          </a:xfrm>
+          <a:prstGeom prst="rightArrow">
+            <a:avLst/>
+          </a:prstGeom>
+          <a:solidFill>
+            <a:srgbClr val="5AC31F"/>
+          </a:solidFill>
+          <a:ln>
+            <a:solidFill>
+              <a:srgbClr val="5AC31F"/>
+            </a:solidFill>
+          </a:ln>
+        </p:spPr>
+        <p:style>
+          <a:lnRef idx="2">
+            <a:schemeClr val="accent1">
+              <a:shade val="50000"/>
+            </a:schemeClr>
+          </a:lnRef>
+          <a:fillRef idx="1">
+            <a:schemeClr val="accent1"/>
+          </a:fillRef>
+          <a:effectRef idx="0">
+            <a:schemeClr val="accent1"/>
+          </a:effectRef>
+          <a:fontRef idx="minor">
+            <a:schemeClr val="lt1"/>
+          </a:fontRef>
+        </p:style>
+        <p:txBody>
+          <a:bodyPr rtlCol="0" anchor="ctr"/>
+          <a:lstStyle/>
+          <a:p>
+            <a:pPr algn="ctr"/>
+            <a:endParaRPr lang="pt-BR">
+              <a:ln>
+                <a:solidFill>
+                  <a:srgbClr val="5AC31F"/>
+                </a:solidFill>
+              </a:ln>
+              <a:solidFill>
+                <a:srgbClr val="5AC31F"/>
+              </a:solidFill>
+            </a:endParaRPr>
+          </a:p>
+        </p:txBody>
+      </p:sp>
+      <p:pic>
+        <p:nvPicPr>
+          <p:cNvPr id="38" name="Picture 14" descr="Wifi ícones - Download Gratuito em PNG e SVG">
+            <a:extLst>
+              <a:ext uri="{FF2B5EF4-FFF2-40B4-BE49-F238E27FC236}">
+                <a16:creationId xmlns="" xmlns:a16="http://schemas.microsoft.com/office/drawing/2014/main" id="{F75088D6-C746-40B7-B6B4-31A23DF73C96}"/>
+              </a:ext>
+            </a:extLst>
+          </p:cNvPr>
+          <p:cNvPicPr>
+            <a:picLocks noChangeAspect="1" noChangeArrowheads="1"/>
+          </p:cNvPicPr>
+          <p:nvPr/>
+        </p:nvPicPr>
+        <p:blipFill>
+          <a:blip r:embed="rId16" cstate="print">
+            <a:duotone>
+              <a:prstClr val="black"/>
+              <a:schemeClr val="accent6">
+                <a:tint val="45000"/>
+                <a:satMod val="400000"/>
+              </a:schemeClr>
+            </a:duotone>
+            <a:extLst>
+              <a:ext uri="{28A0092B-C50C-407E-A947-70E740481C1C}">
+                <a14:useLocalDpi xmlns:a14="http://schemas.microsoft.com/office/drawing/2010/main" val="0"/>
+              </a:ext>
+            </a:extLst>
+          </a:blip>
+          <a:srcRect/>
+          <a:stretch>
+            <a:fillRect/>
+          </a:stretch>
+        </p:blipFill>
+        <p:spPr bwMode="auto">
+          <a:xfrm>
+            <a:off x="3500381" y="2943483"/>
+            <a:ext cx="411158" cy="411158"/>
+          </a:xfrm>
+          <a:prstGeom prst="rect">
+            <a:avLst/>
+          </a:prstGeom>
+          <a:noFill/>
+          <a:extLst>
+            <a:ext uri="{909E8E84-426E-40DD-AFC4-6F175D3DCCD1}">
+              <a14:hiddenFill xmlns:a14="http://schemas.microsoft.com/office/drawing/2010/main">
+                <a:solidFill>
+                  <a:srgbClr val="FFFFFF"/>
+                </a:solidFill>
+              </a14:hiddenFill>
+            </a:ext>
+          </a:extLst>
+        </p:spPr>
+      </p:pic>
+      <p:sp>
+        <p:nvSpPr>
+          <p:cNvPr id="39" name="Seta para a direita 38"/>
+          <p:cNvSpPr/>
+          <p:nvPr/>
+        </p:nvSpPr>
+        <p:spPr>
+          <a:xfrm>
+            <a:off x="4070121" y="3657865"/>
+            <a:ext cx="299025" cy="224919"/>
+          </a:xfrm>
+          <a:prstGeom prst="rightArrow">
+            <a:avLst/>
+          </a:prstGeom>
+          <a:solidFill>
+            <a:srgbClr val="5AC31F"/>
+          </a:solidFill>
+          <a:ln>
+            <a:solidFill>
+              <a:srgbClr val="5AC31F"/>
+            </a:solidFill>
+          </a:ln>
+        </p:spPr>
+        <p:style>
+          <a:lnRef idx="2">
+            <a:schemeClr val="accent1">
+              <a:shade val="50000"/>
+            </a:schemeClr>
+          </a:lnRef>
+          <a:fillRef idx="1">
+            <a:schemeClr val="accent1"/>
+          </a:fillRef>
+          <a:effectRef idx="0">
+            <a:schemeClr val="accent1"/>
+          </a:effectRef>
+          <a:fontRef idx="minor">
+            <a:schemeClr val="lt1"/>
+          </a:fontRef>
+        </p:style>
+        <p:txBody>
+          <a:bodyPr rtlCol="0" anchor="ctr"/>
+          <a:lstStyle/>
+          <a:p>
+            <a:pPr algn="ctr"/>
+            <a:endParaRPr lang="pt-BR">
+              <a:ln>
+                <a:solidFill>
+                  <a:srgbClr val="5AC31F"/>
+                </a:solidFill>
+              </a:ln>
+              <a:solidFill>
+                <a:srgbClr val="5AC31F"/>
+              </a:solidFill>
+            </a:endParaRPr>
+          </a:p>
+        </p:txBody>
+      </p:sp>
+      <p:sp>
+        <p:nvSpPr>
+          <p:cNvPr id="40" name="Seta para a direita 39"/>
+          <p:cNvSpPr/>
+          <p:nvPr/>
+        </p:nvSpPr>
+        <p:spPr>
+          <a:xfrm rot="20415144">
+            <a:off x="6072669" y="3456304"/>
+            <a:ext cx="299025" cy="224919"/>
+          </a:xfrm>
+          <a:prstGeom prst="rightArrow">
+            <a:avLst/>
+          </a:prstGeom>
+          <a:solidFill>
+            <a:srgbClr val="5AC31F"/>
+          </a:solidFill>
+          <a:ln>
+            <a:solidFill>
+              <a:srgbClr val="5AC31F"/>
+            </a:solidFill>
+          </a:ln>
+        </p:spPr>
+        <p:style>
+          <a:lnRef idx="2">
+            <a:schemeClr val="accent1">
+              <a:shade val="50000"/>
+            </a:schemeClr>
+          </a:lnRef>
+          <a:fillRef idx="1">
+            <a:schemeClr val="accent1"/>
+          </a:fillRef>
+          <a:effectRef idx="0">
+            <a:schemeClr val="accent1"/>
+          </a:effectRef>
+          <a:fontRef idx="minor">
+            <a:schemeClr val="lt1"/>
+          </a:fontRef>
+        </p:style>
+        <p:txBody>
+          <a:bodyPr rtlCol="0" anchor="ctr"/>
+          <a:lstStyle/>
+          <a:p>
+            <a:pPr algn="ctr"/>
+            <a:endParaRPr lang="pt-BR">
+              <a:ln>
+                <a:solidFill>
+                  <a:srgbClr val="5AC31F"/>
+                </a:solidFill>
+              </a:ln>
+              <a:solidFill>
+                <a:srgbClr val="5AC31F"/>
+              </a:solidFill>
+            </a:endParaRPr>
+          </a:p>
+        </p:txBody>
+      </p:sp>
+      <p:sp>
+        <p:nvSpPr>
+          <p:cNvPr id="41" name="CaixaDeTexto 40"/>
+          <p:cNvSpPr txBox="1"/>
+          <p:nvPr/>
+        </p:nvSpPr>
+        <p:spPr>
+          <a:xfrm>
+            <a:off x="7020918" y="3686996"/>
+            <a:ext cx="1035360" cy="369332"/>
+          </a:xfrm>
+          <a:prstGeom prst="rect">
+            <a:avLst/>
+          </a:prstGeom>
+          <a:noFill/>
+        </p:spPr>
+        <p:txBody>
+          <a:bodyPr wrap="square" rtlCol="0">
+            <a:spAutoFit/>
+          </a:bodyPr>
+          <a:lstStyle/>
+          <a:p>
+            <a:r>
+              <a:rPr lang="pt-BR" b="1" dirty="0" smtClean="0">
+                <a:solidFill>
+                  <a:srgbClr val="5AC31F"/>
+                </a:solidFill>
+              </a:rPr>
+              <a:t>NUVEM</a:t>
+            </a:r>
+            <a:endParaRPr lang="pt-BR" b="1" dirty="0">
+              <a:solidFill>
+                <a:srgbClr val="5AC31F"/>
+              </a:solidFill>
+            </a:endParaRPr>
+          </a:p>
+        </p:txBody>
+      </p:sp>
+      <p:sp>
+        <p:nvSpPr>
+          <p:cNvPr id="42" name="CaixaDeTexto 41"/>
+          <p:cNvSpPr txBox="1"/>
+          <p:nvPr/>
+        </p:nvSpPr>
+        <p:spPr>
+          <a:xfrm>
+            <a:off x="2587789" y="4747292"/>
+            <a:ext cx="1113483" cy="400110"/>
+          </a:xfrm>
+          <a:prstGeom prst="rect">
+            <a:avLst/>
+          </a:prstGeom>
+          <a:noFill/>
+        </p:spPr>
+        <p:txBody>
+          <a:bodyPr wrap="square" rtlCol="0">
+            <a:spAutoFit/>
+          </a:bodyPr>
+          <a:lstStyle/>
+          <a:p>
+            <a:r>
+              <a:rPr lang="pt-BR" sz="2000" dirty="0" smtClean="0">
+                <a:solidFill>
+                  <a:srgbClr val="5AC31F"/>
+                </a:solidFill>
+              </a:rPr>
+              <a:t>Cadastro</a:t>
+            </a:r>
+            <a:endParaRPr lang="pt-BR" sz="2000" dirty="0">
+              <a:solidFill>
+                <a:srgbClr val="5AC31F"/>
+              </a:solidFill>
+            </a:endParaRPr>
+          </a:p>
+        </p:txBody>
+      </p:sp>
+      <p:sp>
+        <p:nvSpPr>
+          <p:cNvPr id="43" name="Retângulo de cantos arredondados 42"/>
+          <p:cNvSpPr/>
+          <p:nvPr/>
+        </p:nvSpPr>
+        <p:spPr>
+          <a:xfrm>
+            <a:off x="201891" y="3855244"/>
+            <a:ext cx="1119701" cy="147637"/>
+          </a:xfrm>
+          <a:prstGeom prst="roundRect">
+            <a:avLst/>
+          </a:prstGeom>
+          <a:noFill/>
+        </p:spPr>
+        <p:style>
+          <a:lnRef idx="2">
+            <a:schemeClr val="accent1">
+              <a:shade val="50000"/>
+            </a:schemeClr>
+          </a:lnRef>
+          <a:fillRef idx="1">
+            <a:schemeClr val="accent1"/>
+          </a:fillRef>
+          <a:effectRef idx="0">
+            <a:schemeClr val="accent1"/>
+          </a:effectRef>
+          <a:fontRef idx="minor">
+            <a:schemeClr val="lt1"/>
+          </a:fontRef>
+        </p:style>
+        <p:txBody>
+          <a:bodyPr rtlCol="0" anchor="ctr"/>
+          <a:lstStyle/>
+          <a:p>
+            <a:pPr algn="ctr"/>
+            <a:endParaRPr lang="pt-BR"/>
+          </a:p>
+        </p:txBody>
+      </p:sp>
+      <p:pic>
+        <p:nvPicPr>
+          <p:cNvPr id="44" name="Imagem 43"/>
+          <p:cNvPicPr>
+            <a:picLocks noChangeAspect="1"/>
+          </p:cNvPicPr>
+          <p:nvPr/>
+        </p:nvPicPr>
+        <p:blipFill>
+          <a:blip r:embed="rId17" cstate="print">
+            <a:extLst>
+              <a:ext uri="{28A0092B-C50C-407E-A947-70E740481C1C}">
+                <a14:useLocalDpi xmlns:a14="http://schemas.microsoft.com/office/drawing/2010/main" val="0"/>
+              </a:ext>
+            </a:extLst>
+          </a:blip>
+          <a:stretch>
+            <a:fillRect/>
+          </a:stretch>
+        </p:blipFill>
+        <p:spPr>
+          <a:xfrm>
+            <a:off x="242888" y="3855244"/>
+            <a:ext cx="286089" cy="121587"/>
+          </a:xfrm>
+          <a:prstGeom prst="rect">
+            <a:avLst/>
+          </a:prstGeom>
+        </p:spPr>
+      </p:pic>
+      <p:sp>
+        <p:nvSpPr>
+          <p:cNvPr id="45" name="CaixaDeTexto 44"/>
+          <p:cNvSpPr txBox="1"/>
+          <p:nvPr/>
+        </p:nvSpPr>
+        <p:spPr>
+          <a:xfrm>
+            <a:off x="533815" y="3871662"/>
+            <a:ext cx="828774" cy="123111"/>
+          </a:xfrm>
+          <a:prstGeom prst="rect">
+            <a:avLst/>
+          </a:prstGeom>
+          <a:noFill/>
+        </p:spPr>
+        <p:txBody>
+          <a:bodyPr wrap="square" rtlCol="0">
+            <a:spAutoFit/>
+          </a:bodyPr>
+          <a:lstStyle/>
+          <a:p>
+            <a:r>
+              <a:rPr lang="pt-BR" sz="200" b="1" dirty="0" smtClean="0">
+                <a:solidFill>
+                  <a:srgbClr val="5AC31F"/>
+                </a:solidFill>
+              </a:rPr>
+              <a:t>História     Curiosidades   </a:t>
+            </a:r>
+            <a:r>
+              <a:rPr lang="pt-BR" sz="200" b="1" dirty="0" err="1" smtClean="0">
+                <a:solidFill>
+                  <a:srgbClr val="5AC31F"/>
+                </a:solidFill>
+              </a:rPr>
+              <a:t>Perssonagens</a:t>
+            </a:r>
+            <a:r>
+              <a:rPr lang="pt-BR" sz="200" b="1" dirty="0" smtClean="0">
+                <a:solidFill>
+                  <a:srgbClr val="5AC31F"/>
+                </a:solidFill>
+              </a:rPr>
+              <a:t>   </a:t>
+            </a:r>
+            <a:r>
+              <a:rPr lang="pt-BR" sz="200" b="1" dirty="0" err="1" smtClean="0">
+                <a:solidFill>
+                  <a:srgbClr val="5AC31F"/>
+                </a:solidFill>
+              </a:rPr>
+              <a:t>Netflix</a:t>
+            </a:r>
+            <a:r>
+              <a:rPr lang="pt-BR" sz="200" b="1" dirty="0" smtClean="0">
+                <a:solidFill>
+                  <a:srgbClr val="5AC31F"/>
+                </a:solidFill>
+              </a:rPr>
+              <a:t>     </a:t>
+            </a:r>
+            <a:r>
+              <a:rPr lang="pt-BR" sz="200" b="1" u="sng" dirty="0" smtClean="0">
+                <a:solidFill>
+                  <a:srgbClr val="5AC31F"/>
+                </a:solidFill>
+              </a:rPr>
+              <a:t>Cadastro</a:t>
+            </a:r>
+            <a:endParaRPr lang="pt-BR" sz="200" b="1" u="sng" dirty="0">
+              <a:solidFill>
+                <a:srgbClr val="5AC31F"/>
+              </a:solidFill>
+            </a:endParaRPr>
+          </a:p>
+        </p:txBody>
+      </p:sp>
+      <p:sp>
+        <p:nvSpPr>
+          <p:cNvPr id="46" name="Retângulo 45"/>
+          <p:cNvSpPr/>
+          <p:nvPr/>
+        </p:nvSpPr>
+        <p:spPr>
+          <a:xfrm>
+            <a:off x="205178" y="4242917"/>
+            <a:ext cx="1116416" cy="310487"/>
+          </a:xfrm>
+          <a:prstGeom prst="rect">
+            <a:avLst/>
+          </a:prstGeom>
+          <a:solidFill>
+            <a:schemeClr val="bg1"/>
+          </a:solidFill>
+        </p:spPr>
+        <p:style>
+          <a:lnRef idx="2">
+            <a:schemeClr val="accent1">
+              <a:shade val="50000"/>
+            </a:schemeClr>
+          </a:lnRef>
+          <a:fillRef idx="1">
+            <a:schemeClr val="accent1"/>
+          </a:fillRef>
+          <a:effectRef idx="0">
+            <a:schemeClr val="accent1"/>
+          </a:effectRef>
+          <a:fontRef idx="minor">
+            <a:schemeClr val="lt1"/>
+          </a:fontRef>
+        </p:style>
+        <p:txBody>
+          <a:bodyPr rtlCol="0" anchor="ctr"/>
+          <a:lstStyle/>
+          <a:p>
+            <a:pPr algn="ctr"/>
+            <a:endParaRPr lang="pt-BR"/>
+          </a:p>
+        </p:txBody>
+      </p:sp>
+      <p:sp>
+        <p:nvSpPr>
+          <p:cNvPr id="47" name="CaixaDeTexto 46"/>
+          <p:cNvSpPr txBox="1"/>
+          <p:nvPr/>
+        </p:nvSpPr>
+        <p:spPr>
+          <a:xfrm>
+            <a:off x="500402" y="4231258"/>
+            <a:ext cx="499424" cy="138499"/>
+          </a:xfrm>
+          <a:prstGeom prst="rect">
+            <a:avLst/>
+          </a:prstGeom>
+          <a:noFill/>
+        </p:spPr>
+        <p:txBody>
+          <a:bodyPr wrap="square" rtlCol="0">
+            <a:spAutoFit/>
+          </a:bodyPr>
+          <a:lstStyle/>
+          <a:p>
+            <a:r>
+              <a:rPr lang="pt-BR" sz="300" b="1" dirty="0" smtClean="0">
+                <a:solidFill>
+                  <a:srgbClr val="74D5E8"/>
+                </a:solidFill>
+              </a:rPr>
+              <a:t>O que é essa série?</a:t>
+            </a:r>
+            <a:endParaRPr lang="pt-BR" sz="300" b="1" dirty="0">
+              <a:solidFill>
+                <a:srgbClr val="74D5E8"/>
+              </a:solidFill>
+            </a:endParaRPr>
+          </a:p>
+        </p:txBody>
+      </p:sp>
+      <p:sp>
+        <p:nvSpPr>
+          <p:cNvPr id="48" name="CaixaDeTexto 47"/>
+          <p:cNvSpPr txBox="1"/>
+          <p:nvPr/>
+        </p:nvSpPr>
+        <p:spPr>
+          <a:xfrm>
+            <a:off x="292894" y="4419600"/>
+            <a:ext cx="283369" cy="369332"/>
+          </a:xfrm>
+          <a:prstGeom prst="rect">
+            <a:avLst/>
+          </a:prstGeom>
+          <a:noFill/>
+        </p:spPr>
+        <p:txBody>
+          <a:bodyPr wrap="square" rtlCol="0">
+            <a:spAutoFit/>
+          </a:bodyPr>
+          <a:lstStyle/>
+          <a:p>
+            <a:endParaRPr lang="pt-BR" dirty="0"/>
+          </a:p>
+        </p:txBody>
+      </p:sp>
+      <p:sp>
+        <p:nvSpPr>
+          <p:cNvPr id="49" name="CaixaDeTexto 48"/>
+          <p:cNvSpPr txBox="1"/>
+          <p:nvPr/>
+        </p:nvSpPr>
+        <p:spPr>
+          <a:xfrm>
+            <a:off x="286884" y="4289181"/>
+            <a:ext cx="924436" cy="246221"/>
+          </a:xfrm>
+          <a:prstGeom prst="rect">
+            <a:avLst/>
+          </a:prstGeom>
+          <a:noFill/>
+        </p:spPr>
+        <p:txBody>
+          <a:bodyPr wrap="square" rtlCol="0">
+            <a:spAutoFit/>
+          </a:bodyPr>
+          <a:lstStyle/>
+          <a:p>
+            <a:r>
+              <a:rPr lang="pt-BR" sz="200" i="1" dirty="0">
+                <a:latin typeface="+mj-lt"/>
+              </a:rPr>
+              <a:t>Rick </a:t>
+            </a:r>
+            <a:r>
+              <a:rPr lang="pt-BR" sz="200" i="1" dirty="0" err="1">
+                <a:latin typeface="+mj-lt"/>
+              </a:rPr>
+              <a:t>and</a:t>
+            </a:r>
+            <a:r>
+              <a:rPr lang="pt-BR" sz="200" i="1" dirty="0">
+                <a:latin typeface="+mj-lt"/>
+              </a:rPr>
+              <a:t> </a:t>
+            </a:r>
+            <a:r>
+              <a:rPr lang="pt-BR" sz="200" i="1" dirty="0" err="1">
+                <a:latin typeface="+mj-lt"/>
+              </a:rPr>
+              <a:t>Morty</a:t>
+            </a:r>
+            <a:r>
+              <a:rPr lang="pt-BR" sz="200" dirty="0">
+                <a:latin typeface="+mj-lt"/>
+              </a:rPr>
+              <a:t> é uma série de animação adulta norte-americana de comédia e ficção científica criada por Justin </a:t>
+            </a:r>
+            <a:r>
+              <a:rPr lang="pt-BR" sz="200" dirty="0" err="1">
+                <a:latin typeface="+mj-lt"/>
+              </a:rPr>
+              <a:t>Roiland</a:t>
+            </a:r>
+            <a:r>
+              <a:rPr lang="pt-BR" sz="200" dirty="0">
+                <a:latin typeface="+mj-lt"/>
+              </a:rPr>
+              <a:t> e Dan </a:t>
+            </a:r>
+            <a:r>
+              <a:rPr lang="pt-BR" sz="200" dirty="0" err="1">
+                <a:latin typeface="+mj-lt"/>
+              </a:rPr>
+              <a:t>Harmon</a:t>
+            </a:r>
+            <a:r>
+              <a:rPr lang="pt-BR" sz="200" dirty="0">
+                <a:latin typeface="+mj-lt"/>
+              </a:rPr>
+              <a:t>.</a:t>
+            </a:r>
+          </a:p>
+          <a:p>
+            <a:r>
+              <a:rPr lang="pt-BR" sz="200" dirty="0">
+                <a:latin typeface="+mj-lt"/>
+              </a:rPr>
+              <a:t>A série estreou em 2 de dezembro de 2013 e acompanha as perigosas aventuras do cientista alcoólatra Rick e seu neto </a:t>
+            </a:r>
+            <a:r>
+              <a:rPr lang="pt-BR" sz="200" dirty="0" err="1">
+                <a:latin typeface="+mj-lt"/>
+              </a:rPr>
+              <a:t>Morty</a:t>
+            </a:r>
+            <a:r>
+              <a:rPr lang="pt-BR" sz="200" dirty="0">
+                <a:latin typeface="+mj-lt"/>
+              </a:rPr>
+              <a:t>, que divide seu tempo entre a vida familiar e viagens interdimensionais.</a:t>
+            </a:r>
+          </a:p>
+        </p:txBody>
+      </p:sp>
+      <p:pic>
+        <p:nvPicPr>
+          <p:cNvPr id="50" name="Imagem 49"/>
+          <p:cNvPicPr>
+            <a:picLocks noChangeAspect="1"/>
+          </p:cNvPicPr>
+          <p:nvPr/>
+        </p:nvPicPr>
+        <p:blipFill>
+          <a:blip r:embed="rId18" cstate="print">
+            <a:extLst>
+              <a:ext uri="{28A0092B-C50C-407E-A947-70E740481C1C}">
+                <a14:useLocalDpi xmlns:a14="http://schemas.microsoft.com/office/drawing/2010/main" val="0"/>
+              </a:ext>
+            </a:extLst>
+          </a:blip>
+          <a:stretch>
+            <a:fillRect/>
+          </a:stretch>
+        </p:blipFill>
+        <p:spPr>
+          <a:xfrm>
+            <a:off x="207237" y="4011038"/>
+            <a:ext cx="1109008" cy="228308"/>
+          </a:xfrm>
+          <a:prstGeom prst="rect">
+            <a:avLst/>
+          </a:prstGeom>
+        </p:spPr>
+      </p:pic>
+    </p:spTree>
+    <p:extLst>
+      <p:ext uri="{BB962C8B-B14F-4D97-AF65-F5344CB8AC3E}">
+        <p14:creationId xmlns:p14="http://schemas.microsoft.com/office/powerpoint/2010/main" val="505652865"/>
+      </p:ext>
+    </p:extLst>
+  </p:cSld>
+  <p:clrMapOvr>
+    <a:masterClrMapping/>
+  </p:clrMapOvr>
+  <p:timing>
+    <p:tnLst>
+      <p:par>
+        <p:cTn id="1" dur="indefinite" restart="never" nodeType="tmRoot"/>
+      </p:par>
+    </p:tnLst>
+  </p:timing>
+</p:sld>
+</file>
+
+<file path=ppt/slides/slide9.xml><?xml version="1.0" encoding="utf-8"?>
+<p:sld xmlns:a="http://schemas.openxmlformats.org/drawingml/2006/main" xmlns:r="http://schemas.openxmlformats.org/officeDocument/2006/relationships" xmlns:p="http://schemas.openxmlformats.org/presentationml/2006/main">
+  <p:cSld>
+    <p:spTree>
+      <p:nvGrpSpPr>
+        <p:cNvPr id="1" name=""/>
+        <p:cNvGrpSpPr/>
+        <p:nvPr/>
+      </p:nvGrpSpPr>
+      <p:grpSpPr>
+        <a:xfrm>
+          <a:off x="0" y="0"/>
+          <a:ext cx="0" cy="0"/>
+          <a:chOff x="0" y="0"/>
+          <a:chExt cx="0" cy="0"/>
+        </a:xfrm>
+      </p:grpSpPr>
+      <p:sp>
+        <p:nvSpPr>
+          <p:cNvPr id="4" name="Título 1"/>
+          <p:cNvSpPr>
+            <a:spLocks noGrp="1"/>
+          </p:cNvSpPr>
+          <p:nvPr>
+            <p:ph type="title"/>
+          </p:nvPr>
+        </p:nvSpPr>
+        <p:spPr>
+          <a:xfrm>
+            <a:off x="838200" y="365125"/>
+            <a:ext cx="10515600" cy="1325563"/>
+          </a:xfrm>
+        </p:spPr>
+        <p:txBody>
+          <a:bodyPr/>
+          <a:lstStyle/>
+          <a:p>
+            <a:endParaRPr lang="pt-BR"/>
+          </a:p>
+        </p:txBody>
+      </p:sp>
+      <p:sp>
+        <p:nvSpPr>
+          <p:cNvPr id="5" name="Espaço Reservado para Conteúdo 2"/>
+          <p:cNvSpPr>
+            <a:spLocks noGrp="1"/>
+          </p:cNvSpPr>
+          <p:nvPr>
+            <p:ph idx="1"/>
+          </p:nvPr>
+        </p:nvSpPr>
+        <p:spPr>
+          <a:xfrm>
+            <a:off x="838200" y="1825625"/>
+            <a:ext cx="10515600" cy="4351338"/>
+          </a:xfrm>
+        </p:spPr>
+        <p:txBody>
+          <a:bodyPr/>
+          <a:lstStyle/>
+          <a:p>
+            <a:endParaRPr lang="pt-BR"/>
+          </a:p>
+        </p:txBody>
+      </p:sp>
+      <p:pic>
+        <p:nvPicPr>
+          <p:cNvPr id="6" name="Espaço Reservado para Conteúdo 3"/>
+          <p:cNvPicPr>
+            <a:picLocks noChangeAspect="1"/>
+          </p:cNvPicPr>
+          <p:nvPr/>
+        </p:nvPicPr>
+        <p:blipFill rotWithShape="1">
+          <a:blip r:embed="rId2" cstate="print">
+            <a:extLst>
+              <a:ext uri="{28A0092B-C50C-407E-A947-70E740481C1C}">
+                <a14:useLocalDpi xmlns:a14="http://schemas.microsoft.com/office/drawing/2010/main" val="0"/>
+              </a:ext>
+            </a:extLst>
+          </a:blip>
+          <a:srcRect l="1" t="562" r="33329" b="35315"/>
+          <a:stretch/>
+        </p:blipFill>
+        <p:spPr>
+          <a:xfrm>
+            <a:off x="-1" y="2"/>
+            <a:ext cx="12211862" cy="6857998"/>
+          </a:xfrm>
+          <a:prstGeom prst="rect">
+            <a:avLst/>
+          </a:prstGeom>
+        </p:spPr>
+      </p:pic>
+      <p:pic>
+        <p:nvPicPr>
+          <p:cNvPr id="9" name="Espaço Reservado para Conteúdo 8"/>
+          <p:cNvPicPr>
+            <a:picLocks noChangeAspect="1"/>
+          </p:cNvPicPr>
+          <p:nvPr/>
+        </p:nvPicPr>
+        <p:blipFill>
+          <a:blip r:embed="rId3">
+            <a:extLst>
+              <a:ext uri="{28A0092B-C50C-407E-A947-70E740481C1C}">
+                <a14:useLocalDpi xmlns:a14="http://schemas.microsoft.com/office/drawing/2010/main" val="0"/>
+              </a:ext>
+            </a:extLst>
+          </a:blip>
+          <a:stretch>
+            <a:fillRect/>
+          </a:stretch>
+        </p:blipFill>
+        <p:spPr>
+          <a:xfrm>
+            <a:off x="-909974" y="-1217949"/>
+            <a:ext cx="3043574" cy="3043574"/>
+          </a:xfrm>
+          <a:prstGeom prst="rect">
+            <a:avLst/>
+          </a:prstGeom>
+        </p:spPr>
+      </p:pic>
+      <p:pic>
+        <p:nvPicPr>
+          <p:cNvPr id="10" name="Picture 2" descr="Molde de nuvem, Balão desenho, Molde de balão"/>
+          <p:cNvPicPr>
+            <a:picLocks noChangeAspect="1" noChangeArrowheads="1"/>
+          </p:cNvPicPr>
+          <p:nvPr/>
+        </p:nvPicPr>
+        <p:blipFill rotWithShape="1">
+          <a:blip r:embed="rId4">
+            <a:duotone>
+              <a:schemeClr val="bg2">
+                <a:shade val="45000"/>
+                <a:satMod val="135000"/>
+              </a:schemeClr>
+              <a:prstClr val="white"/>
+            </a:duotone>
+            <a:extLst>
+              <a:ext uri="{28A0092B-C50C-407E-A947-70E740481C1C}">
+                <a14:useLocalDpi xmlns:a14="http://schemas.microsoft.com/office/drawing/2010/main" val="0"/>
+              </a:ext>
+            </a:extLst>
+          </a:blip>
+          <a:srcRect t="14766"/>
+          <a:stretch/>
+        </p:blipFill>
+        <p:spPr bwMode="auto">
+          <a:xfrm flipH="1">
+            <a:off x="-441663" y="1615812"/>
+            <a:ext cx="8618176" cy="5337501"/>
+          </a:xfrm>
+          <a:prstGeom prst="rect">
+            <a:avLst/>
+          </a:prstGeom>
+          <a:noFill/>
+          <a:extLst>
+            <a:ext uri="{909E8E84-426E-40DD-AFC4-6F175D3DCCD1}">
+              <a14:hiddenFill xmlns:a14="http://schemas.microsoft.com/office/drawing/2010/main">
+                <a:solidFill>
+                  <a:srgbClr val="FFFFFF"/>
+                </a:solidFill>
+              </a14:hiddenFill>
+            </a:ext>
+          </a:extLst>
+        </p:spPr>
+      </p:pic>
+      <p:pic>
+        <p:nvPicPr>
+          <p:cNvPr id="11" name="Picture 4" descr="Servidor Ícone - Download Grátis, PNG e Vetores"/>
+          <p:cNvPicPr>
+            <a:picLocks noChangeAspect="1" noChangeArrowheads="1"/>
+          </p:cNvPicPr>
+          <p:nvPr/>
+        </p:nvPicPr>
+        <p:blipFill>
+          <a:blip r:embed="rId5" cstate="print">
+            <a:duotone>
+              <a:schemeClr val="accent5">
+                <a:shade val="45000"/>
+                <a:satMod val="135000"/>
+              </a:schemeClr>
+              <a:prstClr val="white"/>
+            </a:duotone>
+            <a:extLst>
+              <a:ext uri="{28A0092B-C50C-407E-A947-70E740481C1C}">
+                <a14:useLocalDpi xmlns:a14="http://schemas.microsoft.com/office/drawing/2010/main" val="0"/>
+              </a:ext>
+            </a:extLst>
+          </a:blip>
+          <a:srcRect/>
+          <a:stretch>
+            <a:fillRect/>
+          </a:stretch>
+        </p:blipFill>
+        <p:spPr bwMode="auto">
+          <a:xfrm>
+            <a:off x="6137266" y="4906632"/>
+            <a:ext cx="953448" cy="953448"/>
+          </a:xfrm>
+          <a:prstGeom prst="rect">
+            <a:avLst/>
+          </a:prstGeom>
+          <a:noFill/>
+          <a:extLst>
+            <a:ext uri="{909E8E84-426E-40DD-AFC4-6F175D3DCCD1}">
+              <a14:hiddenFill xmlns:a14="http://schemas.microsoft.com/office/drawing/2010/main">
+                <a:solidFill>
+                  <a:srgbClr val="FFFFFF"/>
+                </a:solidFill>
+              </a14:hiddenFill>
+            </a:ext>
+          </a:extLst>
+        </p:spPr>
+      </p:pic>
+      <p:pic>
+        <p:nvPicPr>
+          <p:cNvPr id="12" name="Picture 6" descr="Logo JavaScript: valor, história, png, vector"/>
+          <p:cNvPicPr>
+            <a:picLocks noChangeAspect="1" noChangeArrowheads="1"/>
+          </p:cNvPicPr>
+          <p:nvPr/>
+        </p:nvPicPr>
+        <p:blipFill rotWithShape="1">
+          <a:blip r:embed="rId6" cstate="print">
+            <a:extLst>
+              <a:ext uri="{28A0092B-C50C-407E-A947-70E740481C1C}">
+                <a14:useLocalDpi xmlns:a14="http://schemas.microsoft.com/office/drawing/2010/main" val="0"/>
+              </a:ext>
+            </a:extLst>
+          </a:blip>
+          <a:srcRect l="17822" t="17294" r="19735"/>
+          <a:stretch/>
+        </p:blipFill>
+        <p:spPr bwMode="auto">
+          <a:xfrm>
+            <a:off x="2521133" y="3033713"/>
+            <a:ext cx="566671" cy="469106"/>
+          </a:xfrm>
+          <a:prstGeom prst="rect">
+            <a:avLst/>
+          </a:prstGeom>
+          <a:noFill/>
+          <a:extLst>
+            <a:ext uri="{909E8E84-426E-40DD-AFC4-6F175D3DCCD1}">
+              <a14:hiddenFill xmlns:a14="http://schemas.microsoft.com/office/drawing/2010/main">
+                <a:solidFill>
+                  <a:srgbClr val="FFFFFF"/>
+                </a:solidFill>
+              </a14:hiddenFill>
+            </a:ext>
+          </a:extLst>
+        </p:spPr>
+      </p:pic>
+      <p:pic>
+        <p:nvPicPr>
+          <p:cNvPr id="13" name="Picture 8" descr="Linguagens de Programação: Conheça as mais populares- Blog DialHost"/>
+          <p:cNvPicPr>
+            <a:picLocks noChangeAspect="1" noChangeArrowheads="1"/>
+          </p:cNvPicPr>
+          <p:nvPr/>
+        </p:nvPicPr>
+        <p:blipFill rotWithShape="1">
+          <a:blip r:embed="rId7" cstate="print">
+            <a:extLst>
+              <a:ext uri="{28A0092B-C50C-407E-A947-70E740481C1C}">
+                <a14:useLocalDpi xmlns:a14="http://schemas.microsoft.com/office/drawing/2010/main" val="0"/>
+              </a:ext>
+            </a:extLst>
+          </a:blip>
+          <a:srcRect t="17290"/>
+          <a:stretch/>
+        </p:blipFill>
+        <p:spPr bwMode="auto">
+          <a:xfrm>
+            <a:off x="1936301" y="3033713"/>
+            <a:ext cx="402215" cy="469227"/>
+          </a:xfrm>
+          <a:prstGeom prst="rect">
+            <a:avLst/>
+          </a:prstGeom>
+          <a:noFill/>
+          <a:extLst>
+            <a:ext uri="{909E8E84-426E-40DD-AFC4-6F175D3DCCD1}">
+              <a14:hiddenFill xmlns:a14="http://schemas.microsoft.com/office/drawing/2010/main">
+                <a:solidFill>
+                  <a:srgbClr val="FFFFFF"/>
+                </a:solidFill>
+              </a14:hiddenFill>
+            </a:ext>
+          </a:extLst>
+        </p:spPr>
+      </p:pic>
+      <p:pic>
+        <p:nvPicPr>
+          <p:cNvPr id="14" name="Picture 10" descr="Curso de HTML e CSS | Cursos Online ao Vivo | RHB Informática"/>
+          <p:cNvPicPr>
+            <a:picLocks noChangeAspect="1" noChangeArrowheads="1"/>
+          </p:cNvPicPr>
+          <p:nvPr/>
+        </p:nvPicPr>
+        <p:blipFill rotWithShape="1">
+          <a:blip r:embed="rId8" cstate="print">
+            <a:extLst>
+              <a:ext uri="{28A0092B-C50C-407E-A947-70E740481C1C}">
+                <a14:useLocalDpi xmlns:a14="http://schemas.microsoft.com/office/drawing/2010/main" val="0"/>
+              </a:ext>
+            </a:extLst>
+          </a:blip>
+          <a:srcRect l="51169" t="28507" r="-1403" b="15876"/>
+          <a:stretch/>
+        </p:blipFill>
+        <p:spPr bwMode="auto">
+          <a:xfrm>
+            <a:off x="3312221" y="3052763"/>
+            <a:ext cx="437372" cy="484238"/>
+          </a:xfrm>
+          <a:prstGeom prst="rect">
+            <a:avLst/>
+          </a:prstGeom>
+          <a:noFill/>
+          <a:extLst>
+            <a:ext uri="{909E8E84-426E-40DD-AFC4-6F175D3DCCD1}">
+              <a14:hiddenFill xmlns:a14="http://schemas.microsoft.com/office/drawing/2010/main">
+                <a:solidFill>
+                  <a:srgbClr val="FFFFFF"/>
+                </a:solidFill>
+              </a14:hiddenFill>
+            </a:ext>
+          </a:extLst>
+        </p:spPr>
+      </p:pic>
+      <p:pic>
+        <p:nvPicPr>
+          <p:cNvPr id="15" name="Picture 12" descr="Silhueta de computador - Baixar PNG/SVG Transparente"/>
+          <p:cNvPicPr>
+            <a:picLocks noChangeAspect="1" noChangeArrowheads="1"/>
+          </p:cNvPicPr>
+          <p:nvPr/>
+        </p:nvPicPr>
+        <p:blipFill>
+          <a:blip r:embed="rId9" cstate="print">
+            <a:lum bright="70000" contrast="-70000"/>
+            <a:extLst>
+              <a:ext uri="{BEBA8EAE-BF5A-486C-A8C5-ECC9F3942E4B}">
+                <a14:imgProps xmlns:a14="http://schemas.microsoft.com/office/drawing/2010/main">
+                  <a14:imgLayer r:embed="rId10">
+                    <a14:imgEffect>
+                      <a14:brightnessContrast bright="40000"/>
+                    </a14:imgEffect>
+                  </a14:imgLayer>
+                </a14:imgProps>
+              </a:ext>
+              <a:ext uri="{28A0092B-C50C-407E-A947-70E740481C1C}">
+                <a14:useLocalDpi xmlns:a14="http://schemas.microsoft.com/office/drawing/2010/main" val="0"/>
+              </a:ext>
+            </a:extLst>
+          </a:blip>
+          <a:srcRect/>
+          <a:stretch>
+            <a:fillRect/>
+          </a:stretch>
+        </p:blipFill>
+        <p:spPr bwMode="auto">
+          <a:xfrm>
+            <a:off x="1622474" y="3232143"/>
+            <a:ext cx="2286082" cy="2286082"/>
+          </a:xfrm>
+          <a:prstGeom prst="rect">
+            <a:avLst/>
+          </a:prstGeom>
+          <a:noFill/>
+          <a:extLst>
+            <a:ext uri="{909E8E84-426E-40DD-AFC4-6F175D3DCCD1}">
+              <a14:hiddenFill xmlns:a14="http://schemas.microsoft.com/office/drawing/2010/main">
+                <a:solidFill>
+                  <a:srgbClr val="FFFFFF"/>
+                </a:solidFill>
+              </a14:hiddenFill>
+            </a:ext>
+          </a:extLst>
+        </p:spPr>
+      </p:pic>
+      <p:sp>
+        <p:nvSpPr>
+          <p:cNvPr id="16" name="Retângulo de cantos arredondados 15"/>
+          <p:cNvSpPr/>
+          <p:nvPr/>
+        </p:nvSpPr>
+        <p:spPr>
+          <a:xfrm>
+            <a:off x="1803628" y="3621452"/>
+            <a:ext cx="1381142" cy="174389"/>
+          </a:xfrm>
+          <a:prstGeom prst="roundRect">
+            <a:avLst/>
+          </a:prstGeom>
+          <a:noFill/>
+        </p:spPr>
+        <p:style>
+          <a:lnRef idx="2">
+            <a:schemeClr val="accent1">
+              <a:shade val="50000"/>
+            </a:schemeClr>
+          </a:lnRef>
+          <a:fillRef idx="1">
+            <a:schemeClr val="accent1"/>
+          </a:fillRef>
+          <a:effectRef idx="0">
+            <a:schemeClr val="accent1"/>
+          </a:effectRef>
+          <a:fontRef idx="minor">
+            <a:schemeClr val="lt1"/>
+          </a:fontRef>
+        </p:style>
+        <p:txBody>
+          <a:bodyPr rtlCol="0" anchor="ctr"/>
+          <a:lstStyle/>
+          <a:p>
+            <a:pPr algn="ctr"/>
+            <a:endParaRPr lang="pt-BR"/>
+          </a:p>
+        </p:txBody>
+      </p:sp>
+      <p:pic>
+        <p:nvPicPr>
+          <p:cNvPr id="17" name="Imagem 16"/>
+          <p:cNvPicPr>
+            <a:picLocks noChangeAspect="1"/>
+          </p:cNvPicPr>
+          <p:nvPr/>
+        </p:nvPicPr>
+        <p:blipFill>
+          <a:blip r:embed="rId11" cstate="print">
+            <a:extLst>
+              <a:ext uri="{28A0092B-C50C-407E-A947-70E740481C1C}">
+                <a14:useLocalDpi xmlns:a14="http://schemas.microsoft.com/office/drawing/2010/main" val="0"/>
+              </a:ext>
+            </a:extLst>
+          </a:blip>
+          <a:stretch>
+            <a:fillRect/>
+          </a:stretch>
+        </p:blipFill>
+        <p:spPr>
+          <a:xfrm>
+            <a:off x="1855660" y="3609285"/>
+            <a:ext cx="352888" cy="149976"/>
+          </a:xfrm>
+          <a:prstGeom prst="rect">
+            <a:avLst/>
+          </a:prstGeom>
+        </p:spPr>
+      </p:pic>
+      <p:sp>
+        <p:nvSpPr>
+          <p:cNvPr id="18" name="CaixaDeTexto 17"/>
+          <p:cNvSpPr txBox="1"/>
+          <p:nvPr/>
+        </p:nvSpPr>
+        <p:spPr>
+          <a:xfrm>
+            <a:off x="2373395" y="3647090"/>
+            <a:ext cx="1034111" cy="123111"/>
+          </a:xfrm>
+          <a:prstGeom prst="rect">
+            <a:avLst/>
+          </a:prstGeom>
+          <a:noFill/>
+        </p:spPr>
+        <p:txBody>
+          <a:bodyPr wrap="square" rtlCol="0">
+            <a:spAutoFit/>
+          </a:bodyPr>
+          <a:lstStyle/>
+          <a:p>
+            <a:r>
+              <a:rPr lang="pt-BR" sz="200" b="1" dirty="0" smtClean="0">
+                <a:solidFill>
+                  <a:srgbClr val="5AC31F"/>
+                </a:solidFill>
+              </a:rPr>
+              <a:t>História     Curiosidades   </a:t>
+            </a:r>
+            <a:r>
+              <a:rPr lang="pt-BR" sz="200" b="1" dirty="0" smtClean="0">
+                <a:solidFill>
+                  <a:srgbClr val="5AC31F"/>
+                </a:solidFill>
+              </a:rPr>
+              <a:t>Personagens  Duvidas     </a:t>
+            </a:r>
+            <a:r>
+              <a:rPr lang="pt-BR" sz="200" b="1" u="sng" dirty="0" smtClean="0">
+                <a:solidFill>
+                  <a:srgbClr val="5AC31F"/>
+                </a:solidFill>
+              </a:rPr>
+              <a:t>Cadastro</a:t>
+            </a:r>
+            <a:endParaRPr lang="pt-BR" sz="200" b="1" u="sng" dirty="0">
+              <a:solidFill>
+                <a:srgbClr val="5AC31F"/>
+              </a:solidFill>
+            </a:endParaRPr>
+          </a:p>
+        </p:txBody>
+      </p:sp>
+      <p:sp>
+        <p:nvSpPr>
+          <p:cNvPr id="19" name="Retângulo 18"/>
+          <p:cNvSpPr/>
+          <p:nvPr/>
+        </p:nvSpPr>
+        <p:spPr>
+          <a:xfrm>
+            <a:off x="1805654" y="4101540"/>
+            <a:ext cx="1377090" cy="366747"/>
+          </a:xfrm>
+          <a:prstGeom prst="rect">
+            <a:avLst/>
+          </a:prstGeom>
+          <a:solidFill>
+            <a:schemeClr val="bg1"/>
+          </a:solidFill>
+        </p:spPr>
+        <p:style>
+          <a:lnRef idx="2">
+            <a:schemeClr val="accent1">
+              <a:shade val="50000"/>
+            </a:schemeClr>
+          </a:lnRef>
+          <a:fillRef idx="1">
+            <a:schemeClr val="accent1"/>
+          </a:fillRef>
+          <a:effectRef idx="0">
+            <a:schemeClr val="accent1"/>
+          </a:effectRef>
+          <a:fontRef idx="minor">
+            <a:schemeClr val="lt1"/>
+          </a:fontRef>
+        </p:style>
+        <p:txBody>
+          <a:bodyPr rtlCol="0" anchor="ctr"/>
+          <a:lstStyle/>
+          <a:p>
+            <a:pPr algn="ctr"/>
+            <a:endParaRPr lang="pt-BR"/>
+          </a:p>
+        </p:txBody>
+      </p:sp>
+      <p:sp>
+        <p:nvSpPr>
+          <p:cNvPr id="20" name="CaixaDeTexto 19"/>
+          <p:cNvSpPr txBox="1"/>
+          <p:nvPr/>
+        </p:nvSpPr>
+        <p:spPr>
+          <a:xfrm>
+            <a:off x="2205193" y="4101268"/>
+            <a:ext cx="616035" cy="138499"/>
+          </a:xfrm>
+          <a:prstGeom prst="rect">
+            <a:avLst/>
+          </a:prstGeom>
+          <a:noFill/>
+        </p:spPr>
+        <p:txBody>
+          <a:bodyPr wrap="square" rtlCol="0">
+            <a:spAutoFit/>
+          </a:bodyPr>
+          <a:lstStyle/>
+          <a:p>
+            <a:r>
+              <a:rPr lang="pt-BR" sz="300" b="1" dirty="0" smtClean="0">
+                <a:solidFill>
+                  <a:srgbClr val="74D5E8"/>
+                </a:solidFill>
+              </a:rPr>
+              <a:t>O que é essa série?</a:t>
+            </a:r>
+            <a:endParaRPr lang="pt-BR" sz="300" b="1" dirty="0">
+              <a:solidFill>
+                <a:srgbClr val="74D5E8"/>
+              </a:solidFill>
+            </a:endParaRPr>
+          </a:p>
+        </p:txBody>
+      </p:sp>
+      <p:sp>
+        <p:nvSpPr>
+          <p:cNvPr id="21" name="CaixaDeTexto 20"/>
+          <p:cNvSpPr txBox="1"/>
+          <p:nvPr/>
+        </p:nvSpPr>
+        <p:spPr>
+          <a:xfrm>
+            <a:off x="1855660" y="4108848"/>
+            <a:ext cx="349533" cy="436255"/>
+          </a:xfrm>
+          <a:prstGeom prst="rect">
+            <a:avLst/>
+          </a:prstGeom>
+          <a:noFill/>
+        </p:spPr>
+        <p:txBody>
+          <a:bodyPr wrap="square" rtlCol="0">
+            <a:spAutoFit/>
+          </a:bodyPr>
+          <a:lstStyle/>
+          <a:p>
+            <a:endParaRPr lang="pt-BR" dirty="0"/>
+          </a:p>
+        </p:txBody>
+      </p:sp>
+      <p:sp>
+        <p:nvSpPr>
+          <p:cNvPr id="22" name="CaixaDeTexto 21"/>
+          <p:cNvSpPr txBox="1"/>
+          <p:nvPr/>
+        </p:nvSpPr>
+        <p:spPr>
+          <a:xfrm>
+            <a:off x="1905178" y="4196292"/>
+            <a:ext cx="1140284" cy="246221"/>
+          </a:xfrm>
+          <a:prstGeom prst="rect">
+            <a:avLst/>
+          </a:prstGeom>
+          <a:noFill/>
+        </p:spPr>
+        <p:txBody>
+          <a:bodyPr wrap="square" rtlCol="0">
+            <a:spAutoFit/>
+          </a:bodyPr>
+          <a:lstStyle/>
+          <a:p>
+            <a:r>
+              <a:rPr lang="pt-BR" sz="200" i="1" dirty="0">
+                <a:latin typeface="+mj-lt"/>
+              </a:rPr>
+              <a:t>Rick </a:t>
+            </a:r>
+            <a:r>
+              <a:rPr lang="pt-BR" sz="200" i="1" dirty="0" err="1">
+                <a:latin typeface="+mj-lt"/>
+              </a:rPr>
+              <a:t>and</a:t>
+            </a:r>
+            <a:r>
+              <a:rPr lang="pt-BR" sz="200" i="1" dirty="0">
+                <a:latin typeface="+mj-lt"/>
+              </a:rPr>
+              <a:t> </a:t>
+            </a:r>
+            <a:r>
+              <a:rPr lang="pt-BR" sz="200" i="1" dirty="0" err="1">
+                <a:latin typeface="+mj-lt"/>
+              </a:rPr>
+              <a:t>Morty</a:t>
+            </a:r>
+            <a:r>
+              <a:rPr lang="pt-BR" sz="200" dirty="0">
+                <a:latin typeface="+mj-lt"/>
+              </a:rPr>
+              <a:t> é uma série de animação adulta norte-americana de comédia e ficção científica criada por Justin </a:t>
+            </a:r>
+            <a:r>
+              <a:rPr lang="pt-BR" sz="200" dirty="0" err="1">
+                <a:latin typeface="+mj-lt"/>
+              </a:rPr>
+              <a:t>Roiland</a:t>
+            </a:r>
+            <a:r>
+              <a:rPr lang="pt-BR" sz="200" dirty="0">
+                <a:latin typeface="+mj-lt"/>
+              </a:rPr>
+              <a:t> e Dan </a:t>
+            </a:r>
+            <a:r>
+              <a:rPr lang="pt-BR" sz="200" dirty="0" err="1">
+                <a:latin typeface="+mj-lt"/>
+              </a:rPr>
+              <a:t>Harmon</a:t>
+            </a:r>
+            <a:r>
+              <a:rPr lang="pt-BR" sz="200" dirty="0">
+                <a:latin typeface="+mj-lt"/>
+              </a:rPr>
+              <a:t>.</a:t>
+            </a:r>
+          </a:p>
+          <a:p>
+            <a:r>
+              <a:rPr lang="pt-BR" sz="200" dirty="0">
+                <a:latin typeface="+mj-lt"/>
+              </a:rPr>
+              <a:t>A série estreou em 2 de dezembro de 2013 e acompanha as perigosas aventuras do cientista alcoólatra Rick e seu neto </a:t>
+            </a:r>
+            <a:r>
+              <a:rPr lang="pt-BR" sz="200" dirty="0" err="1">
+                <a:latin typeface="+mj-lt"/>
+              </a:rPr>
+              <a:t>Morty</a:t>
+            </a:r>
+            <a:r>
+              <a:rPr lang="pt-BR" sz="200" dirty="0">
+                <a:latin typeface="+mj-lt"/>
+              </a:rPr>
+              <a:t>, que divide seu tempo entre a vida familiar e viagens interdimensionais.</a:t>
+            </a:r>
+          </a:p>
+        </p:txBody>
+      </p:sp>
+      <p:pic>
+        <p:nvPicPr>
+          <p:cNvPr id="23" name="Imagem 22"/>
+          <p:cNvPicPr>
+            <a:picLocks noChangeAspect="1"/>
+          </p:cNvPicPr>
+          <p:nvPr/>
+        </p:nvPicPr>
+        <p:blipFill>
+          <a:blip r:embed="rId12" cstate="print">
+            <a:extLst>
+              <a:ext uri="{28A0092B-C50C-407E-A947-70E740481C1C}">
+                <a14:useLocalDpi xmlns:a14="http://schemas.microsoft.com/office/drawing/2010/main" val="0"/>
+              </a:ext>
+            </a:extLst>
+          </a:blip>
+          <a:stretch>
+            <a:fillRect/>
+          </a:stretch>
+        </p:blipFill>
+        <p:spPr>
+          <a:xfrm>
+            <a:off x="1810223" y="3803148"/>
+            <a:ext cx="1372522" cy="298119"/>
+          </a:xfrm>
+          <a:prstGeom prst="rect">
+            <a:avLst/>
+          </a:prstGeom>
+        </p:spPr>
+      </p:pic>
+      <p:pic>
+        <p:nvPicPr>
+          <p:cNvPr id="24" name="Picture 8" descr="Hand Graving Smartphone free vector icons designed by Freepik | Mobile icon,  Free icons, Phone icon">
+            <a:extLst>
+              <a:ext uri="{FF2B5EF4-FFF2-40B4-BE49-F238E27FC236}">
+                <a16:creationId xmlns="" xmlns:a16="http://schemas.microsoft.com/office/drawing/2014/main" id="{1B8C529F-36FC-4B4C-8F96-CEE256322E64}"/>
+              </a:ext>
+            </a:extLst>
+          </p:cNvPr>
+          <p:cNvPicPr>
+            <a:picLocks noChangeAspect="1" noChangeArrowheads="1"/>
+          </p:cNvPicPr>
+          <p:nvPr/>
+        </p:nvPicPr>
+        <p:blipFill>
+          <a:blip r:embed="rId13" cstate="print">
+            <a:extLst>
+              <a:ext uri="{28A0092B-C50C-407E-A947-70E740481C1C}">
+                <a14:useLocalDpi xmlns:a14="http://schemas.microsoft.com/office/drawing/2010/main" val="0"/>
+              </a:ext>
+            </a:extLst>
+          </a:blip>
+          <a:srcRect/>
+          <a:stretch>
+            <a:fillRect/>
+          </a:stretch>
+        </p:blipFill>
+        <p:spPr bwMode="auto">
+          <a:xfrm rot="1037765">
+            <a:off x="10152367" y="1441968"/>
+            <a:ext cx="759110" cy="759110"/>
+          </a:xfrm>
+          <a:prstGeom prst="rect">
+            <a:avLst/>
+          </a:prstGeom>
+          <a:noFill/>
+          <a:extLst>
+            <a:ext uri="{909E8E84-426E-40DD-AFC4-6F175D3DCCD1}">
+              <a14:hiddenFill xmlns:a14="http://schemas.microsoft.com/office/drawing/2010/main">
+                <a:solidFill>
+                  <a:srgbClr val="FFFFFF"/>
+                </a:solidFill>
+              </a14:hiddenFill>
+            </a:ext>
+          </a:extLst>
+        </p:spPr>
+      </p:pic>
+      <p:pic>
+        <p:nvPicPr>
+          <p:cNvPr id="25" name="Picture 2" descr="Traço do ícone do site da Internet - Baixar PNG/SVG Transparente"/>
+          <p:cNvPicPr>
+            <a:picLocks noChangeAspect="1" noChangeArrowheads="1"/>
+          </p:cNvPicPr>
+          <p:nvPr/>
+        </p:nvPicPr>
+        <p:blipFill>
+          <a:blip r:embed="rId14" cstate="print">
+            <a:lum bright="70000" contrast="-70000"/>
+            <a:extLst>
+              <a:ext uri="{28A0092B-C50C-407E-A947-70E740481C1C}">
+                <a14:useLocalDpi xmlns:a14="http://schemas.microsoft.com/office/drawing/2010/main" val="0"/>
+              </a:ext>
+            </a:extLst>
+          </a:blip>
+          <a:srcRect/>
+          <a:stretch>
+            <a:fillRect/>
+          </a:stretch>
+        </p:blipFill>
+        <p:spPr bwMode="auto">
+          <a:xfrm>
+            <a:off x="10580660" y="2372239"/>
+            <a:ext cx="456475" cy="456475"/>
+          </a:xfrm>
+          <a:prstGeom prst="rect">
+            <a:avLst/>
+          </a:prstGeom>
+          <a:noFill/>
+          <a:extLst>
+            <a:ext uri="{909E8E84-426E-40DD-AFC4-6F175D3DCCD1}">
+              <a14:hiddenFill xmlns:a14="http://schemas.microsoft.com/office/drawing/2010/main">
+                <a:solidFill>
+                  <a:srgbClr val="FFFFFF"/>
+                </a:solidFill>
+              </a14:hiddenFill>
+            </a:ext>
+          </a:extLst>
+        </p:spPr>
+      </p:pic>
+      <p:pic>
+        <p:nvPicPr>
+          <p:cNvPr id="26" name="Picture 10" descr="Wi-Fi Ícone - Download Grátis, PNG e Vetores"/>
+          <p:cNvPicPr>
+            <a:picLocks noChangeAspect="1" noChangeArrowheads="1"/>
+          </p:cNvPicPr>
+          <p:nvPr/>
+        </p:nvPicPr>
+        <p:blipFill>
+          <a:blip r:embed="rId15" cstate="print">
+            <a:duotone>
+              <a:schemeClr val="accent5">
+                <a:shade val="45000"/>
+                <a:satMod val="135000"/>
+              </a:schemeClr>
+              <a:prstClr val="white"/>
+            </a:duotone>
+            <a:extLst>
+              <a:ext uri="{28A0092B-C50C-407E-A947-70E740481C1C}">
+                <a14:useLocalDpi xmlns:a14="http://schemas.microsoft.com/office/drawing/2010/main" val="0"/>
+              </a:ext>
+            </a:extLst>
+          </a:blip>
+          <a:srcRect/>
+          <a:stretch>
+            <a:fillRect/>
+          </a:stretch>
+        </p:blipFill>
+        <p:spPr bwMode="auto">
+          <a:xfrm rot="19527936">
+            <a:off x="8369158" y="348396"/>
+            <a:ext cx="744522" cy="744522"/>
+          </a:xfrm>
+          <a:prstGeom prst="rect">
+            <a:avLst/>
+          </a:prstGeom>
+          <a:noFill/>
+          <a:extLst>
+            <a:ext uri="{909E8E84-426E-40DD-AFC4-6F175D3DCCD1}">
+              <a14:hiddenFill xmlns:a14="http://schemas.microsoft.com/office/drawing/2010/main">
+                <a:solidFill>
+                  <a:srgbClr val="FFFFFF"/>
+                </a:solidFill>
+              </a14:hiddenFill>
+            </a:ext>
+          </a:extLst>
+        </p:spPr>
+      </p:pic>
+      <p:pic>
+        <p:nvPicPr>
+          <p:cNvPr id="27" name="Picture 6" descr="Homem usuário - ícones de pessoas grátis"/>
+          <p:cNvPicPr>
+            <a:picLocks noChangeAspect="1" noChangeArrowheads="1"/>
+          </p:cNvPicPr>
+          <p:nvPr/>
+        </p:nvPicPr>
+        <p:blipFill>
+          <a:blip r:embed="rId16" cstate="print">
+            <a:extLst>
+              <a:ext uri="{28A0092B-C50C-407E-A947-70E740481C1C}">
+                <a14:useLocalDpi xmlns:a14="http://schemas.microsoft.com/office/drawing/2010/main" val="0"/>
+              </a:ext>
+            </a:extLst>
+          </a:blip>
+          <a:srcRect/>
+          <a:stretch>
+            <a:fillRect/>
+          </a:stretch>
+        </p:blipFill>
+        <p:spPr bwMode="auto">
+          <a:xfrm>
+            <a:off x="8651751" y="557407"/>
+            <a:ext cx="1880171" cy="1880171"/>
+          </a:xfrm>
+          <a:prstGeom prst="rect">
+            <a:avLst/>
+          </a:prstGeom>
+          <a:noFill/>
+          <a:extLst>
+            <a:ext uri="{909E8E84-426E-40DD-AFC4-6F175D3DCCD1}">
+              <a14:hiddenFill xmlns:a14="http://schemas.microsoft.com/office/drawing/2010/main">
+                <a:solidFill>
+                  <a:srgbClr val="FFFFFF"/>
+                </a:solidFill>
+              </a14:hiddenFill>
+            </a:ext>
+          </a:extLst>
+        </p:spPr>
+      </p:pic>
+      <p:pic>
+        <p:nvPicPr>
+          <p:cNvPr id="28" name="Picture 6" descr="Foto 2 - Notebook Compaq Presario CQ-25 4GB 120GB SSD 14''">
+            <a:extLst>
+              <a:ext uri="{FF2B5EF4-FFF2-40B4-BE49-F238E27FC236}">
+                <a16:creationId xmlns:lc="http://schemas.openxmlformats.org/drawingml/2006/lockedCanvas" xmlns:a16="http://schemas.microsoft.com/office/drawing/2014/main" xmlns="" id="{119CB75C-6C98-45C8-822D-957003C6A29B}"/>
+              </a:ext>
+            </a:extLst>
+          </p:cNvPr>
+          <p:cNvPicPr>
+            <a:picLocks noChangeAspect="1" noChangeArrowheads="1"/>
+          </p:cNvPicPr>
+          <p:nvPr/>
+        </p:nvPicPr>
+        <p:blipFill>
+          <a:blip r:embed="rId17" cstate="print">
+            <a:extLst>
+              <a:ext uri="{BEBA8EAE-BF5A-486C-A8C5-ECC9F3942E4B}">
+                <a14:imgProps xmlns:a14="http://schemas.microsoft.com/office/drawing/2010/main">
+                  <a14:imgLayer r:embed="rId18">
+                    <a14:imgEffect>
+                      <a14:backgroundRemoval t="10000" b="90000" l="3600" r="97400">
+                        <a14:foregroundMark x1="11400" y1="19800" x2="11400" y2="69600"/>
+                        <a14:foregroundMark x1="6600" y1="78000" x2="6600" y2="78000"/>
+                        <a14:foregroundMark x1="3600" y1="83400" x2="3600" y2="83400"/>
+                        <a14:foregroundMark x1="92000" y1="75200" x2="92000" y2="75200"/>
+                        <a14:foregroundMark x1="97400" y1="83600" x2="97400" y2="83600"/>
+                        <a14:foregroundMark x1="68600" y1="16400" x2="68600" y2="16400"/>
+                        <a14:foregroundMark x1="75400" y1="16000" x2="75400" y2="16000"/>
+                        <a14:foregroundMark x1="20200" y1="16000" x2="17600" y2="16000"/>
+                        <a14:foregroundMark x1="13800" y1="15800" x2="13800" y2="15800"/>
+                        <a14:foregroundMark x1="31162" y1="28474" x2="42400" y2="28600"/>
+                        <a14:foregroundMark x1="24600" y1="28400" x2="31152" y2="28474"/>
+                        <a14:foregroundMark x1="31362" y1="27818" x2="40200" y2="28800"/>
+                        <a14:foregroundMark x1="27600" y1="27400" x2="31175" y2="27797"/>
+                        <a14:foregroundMark x1="35048" y1="18494" x2="38000" y2="19200"/>
+                        <a14:foregroundMark x1="28800" y1="17000" x2="31360" y2="17612"/>
+                        <a14:foregroundMark x1="36800" y1="38600" x2="37200" y2="44200"/>
+                        <a14:foregroundMark x1="37200" y1="44200" x2="37200" y2="44200"/>
+                        <a14:foregroundMark x1="24600" y1="73600" x2="19800" y2="75200"/>
+                        <a14:foregroundMark x1="21400" y1="67600" x2="23400" y2="61200"/>
+                        <a14:foregroundMark x1="24600" y1="60400" x2="25800" y2="63000"/>
+                        <a14:foregroundMark x1="51000" y1="69200" x2="45600" y2="66400"/>
+                        <a14:foregroundMark x1="51200" y1="64800" x2="39600" y2="66400"/>
+                        <a14:foregroundMark x1="58800" y1="66400" x2="40800" y2="67800"/>
+                        <a14:foregroundMark x1="60400" y1="65400" x2="38200" y2="64400"/>
+                        <a14:foregroundMark x1="24400" y1="28400" x2="30400" y2="28400"/>
+                        <a14:foregroundMark x1="30312" y1="30695" x2="23400" y2="18000"/>
+                        <a14:foregroundMark x1="29240" y1="20946" x2="26600" y2="18400"/>
+                        <a14:foregroundMark x1="31264" y1="22897" x2="30390" y2="22054"/>
+                        <a14:foregroundMark x1="37800" y1="29200" x2="32542" y2="24130"/>
+                        <a14:foregroundMark x1="26000" y1="27400" x2="26000" y2="27400"/>
+                        <a14:foregroundMark x1="26000" y1="27400" x2="26000" y2="27400"/>
+                        <a14:foregroundMark x1="26000" y1="27400" x2="26000" y2="27400"/>
+                        <a14:foregroundMark x1="33011" y1="22665" x2="41400" y2="17000"/>
+                        <a14:foregroundMark x1="26000" y1="27400" x2="31246" y2="23857"/>
+                        <a14:foregroundMark x1="23000" y1="25600" x2="29800" y2="17200"/>
+                        <a14:foregroundMark x1="35446" y1="17632" x2="40400" y2="17400"/>
+                        <a14:foregroundMark x1="27600" y1="18000" x2="30667" y2="17856"/>
+                        <a14:foregroundMark x1="35138" y1="18300" x2="39200" y2="17800"/>
+                        <a14:foregroundMark x1="26200" y1="19400" x2="30180" y2="18911"/>
+                        <a14:foregroundMark x1="29600" y1="19200" x2="29600" y2="19200"/>
+                        <a14:foregroundMark x1="48502" y1="34101" x2="55400" y2="33400"/>
+                        <a14:foregroundMark x1="55200" y1="33600" x2="49701" y2="32244"/>
+                        <a14:foregroundMark x1="31179" y1="27575" x2="30400" y2="27400"/>
+                        <a14:foregroundMark x1="38765" y1="29278" x2="31422" y2="27630"/>
+                        <a14:foregroundMark x1="30400" y1="27400" x2="19400" y2="17200"/>
+                        <a14:foregroundMark x1="41000" y1="20200" x2="43400" y2="17600"/>
+                        <a14:foregroundMark x1="30400" y1="66200" x2="24200" y2="71800"/>
+                        <a14:foregroundMark x1="19600" y1="26400" x2="26200" y2="17400"/>
+                        <a14:foregroundMark x1="32800" y1="26000" x2="32800" y2="19800"/>
+                        <a14:foregroundMark x1="32800" y1="19200" x2="32800" y2="19200"/>
+                        <a14:foregroundMark x1="33600" y1="17200" x2="33600" y2="17200"/>
+                        <a14:foregroundMark x1="35748" y1="16868" x2="40400" y2="17400"/>
+                        <a14:foregroundMark x1="29400" y1="20200" x2="35800" y2="18600"/>
+                        <a14:foregroundMark x1="29200" y1="18600" x2="37600" y2="18800"/>
+                        <a14:foregroundMark x1="29800" y1="17600" x2="36200" y2="17000"/>
+                        <a14:foregroundMark x1="40800" y1="17000" x2="43600" y2="17000"/>
+                        <a14:foregroundMark x1="31800" y1="26600" x2="31800" y2="19400"/>
+                        <a14:foregroundMark x1="32600" y1="25400" x2="33188" y2="29162"/>
+                        <a14:foregroundMark x1="48600" y1="25600" x2="59200" y2="22200"/>
+                        <a14:foregroundMark x1="49000" y1="23800" x2="50800" y2="20600"/>
+                        <a14:foregroundMark x1="47400" y1="28000" x2="60400" y2="32000"/>
+                        <a14:foregroundMark x1="60200" y1="29800" x2="64200" y2="25400"/>
+                        <a14:foregroundMark x1="62600" y1="25000" x2="60400" y2="25200"/>
+                        <a14:foregroundMark x1="38984" y1="16574" x2="45000" y2="17000"/>
+                        <a14:foregroundMark x1="74800" y1="17000" x2="77800" y2="17000"/>
+                        <a14:foregroundMark x1="33800" y1="23200" x2="27400" y2="27400"/>
+                        <a14:foregroundMark x1="35600" y1="33400" x2="43000" y2="30400"/>
+                        <a14:foregroundMark x1="39000" y1="31800" x2="47600" y2="37400"/>
+                        <a14:foregroundMark x1="49800" y1="30000" x2="26400" y2="31600"/>
+                        <a14:foregroundMark x1="45400" y1="33400" x2="20000" y2="34600"/>
+                        <a14:foregroundMark x1="20800" y1="16400" x2="20800" y2="16400"/>
+                        <a14:foregroundMark x1="22800" y1="15800" x2="22800" y2="15800"/>
+                        <a14:foregroundMark x1="25000" y1="15800" x2="25000" y2="15800"/>
+                        <a14:foregroundMark x1="26000" y1="15800" x2="26000" y2="15800"/>
+                        <a14:foregroundMark x1="27000" y1="15800" x2="27000" y2="15800"/>
+                        <a14:foregroundMark x1="28400" y1="15800" x2="28400" y2="15800"/>
+                        <a14:foregroundMark x1="28600" y1="15800" x2="28600" y2="15800"/>
+                        <a14:foregroundMark x1="30600" y1="15800" x2="30600" y2="15800"/>
+                        <a14:foregroundMark x1="33200" y1="15600" x2="33200" y2="15600"/>
+                        <a14:foregroundMark x1="35400" y1="15800" x2="35400" y2="15800"/>
+                        <a14:foregroundMark x1="36600" y1="16400" x2="36600" y2="16400"/>
+                        <a14:foregroundMark x1="38200" y1="16400" x2="38200" y2="16400"/>
+                        <a14:backgroundMark x1="26200" y1="12200" x2="26200" y2="12200"/>
+                        <a14:backgroundMark x1="23000" y1="13000" x2="26600" y2="13600"/>
+                        <a14:backgroundMark x1="26000" y1="13400" x2="32000" y2="13800"/>
+                        <a14:backgroundMark x1="32000" y1="13800" x2="36600" y2="13800"/>
+                        <a14:backgroundMark x1="34800" y1="14200" x2="41400" y2="13600"/>
+                        <a14:backgroundMark x1="41000" y1="13600" x2="45400" y2="13800"/>
+                      </a14:backgroundRemoval>
+                    </a14:imgEffect>
+                  </a14:imgLayer>
+                </a14:imgProps>
+              </a:ext>
+              <a:ext uri="{28A0092B-C50C-407E-A947-70E740481C1C}">
+                <a14:useLocalDpi xmlns:a14="http://schemas.microsoft.com/office/drawing/2010/main" val="0"/>
+              </a:ext>
+            </a:extLst>
+          </a:blip>
+          <a:srcRect/>
+          <a:stretch>
+            <a:fillRect/>
+          </a:stretch>
+        </p:blipFill>
+        <p:spPr bwMode="auto">
+          <a:xfrm>
+            <a:off x="8906246" y="1615812"/>
+            <a:ext cx="1371183" cy="1324504"/>
+          </a:xfrm>
+          <a:prstGeom prst="rect">
+            <a:avLst/>
+          </a:prstGeom>
+          <a:noFill/>
+          <a:extLst>
+            <a:ext uri="{909E8E84-426E-40DD-AFC4-6F175D3DCCD1}">
+              <a14:hiddenFill xmlns:a14="http://schemas.microsoft.com/office/drawing/2010/main">
+                <a:solidFill>
+                  <a:srgbClr val="FFFFFF"/>
+                </a:solidFill>
+              </a14:hiddenFill>
+            </a:ext>
+          </a:extLst>
+        </p:spPr>
+      </p:pic>
+      <p:pic>
+        <p:nvPicPr>
+          <p:cNvPr id="29" name="Picture 8" descr="Google Chrome Logo - PNG e Vetor - Download de Logo">
+            <a:extLst>
+              <a:ext uri="{FF2B5EF4-FFF2-40B4-BE49-F238E27FC236}">
+                <a16:creationId xmlns:lc="http://schemas.openxmlformats.org/drawingml/2006/lockedCanvas" xmlns:a16="http://schemas.microsoft.com/office/drawing/2014/main" xmlns="" id="{85C3B133-3A46-4528-AF1A-8860F16E3C01}"/>
+              </a:ext>
+            </a:extLst>
+          </p:cNvPr>
+          <p:cNvPicPr>
+            <a:picLocks noChangeAspect="1" noChangeArrowheads="1"/>
+          </p:cNvPicPr>
+          <p:nvPr/>
+        </p:nvPicPr>
+        <p:blipFill>
+          <a:blip r:embed="rId19" cstate="print">
+            <a:extLst>
+              <a:ext uri="{BEBA8EAE-BF5A-486C-A8C5-ECC9F3942E4B}">
+                <a14:imgProps xmlns:a14="http://schemas.microsoft.com/office/drawing/2010/main">
+                  <a14:imgLayer r:embed="rId20">
+                    <a14:imgEffect>
+                      <a14:backgroundRemoval t="4889" b="98667" l="4444" r="97778">
+                        <a14:foregroundMark x1="62667" y1="27556" x2="40889" y2="77778"/>
+                        <a14:foregroundMark x1="43556" y1="21333" x2="57778" y2="74667"/>
+                        <a14:foregroundMark x1="38667" y1="19556" x2="32444" y2="57333"/>
+                        <a14:foregroundMark x1="28000" y1="30222" x2="25778" y2="69778"/>
+                        <a14:foregroundMark x1="24000" y1="26667" x2="54667" y2="60889"/>
+                        <a14:foregroundMark x1="74222" y1="34667" x2="84843" y2="83686"/>
+                        <a14:foregroundMark x1="67111" y1="43556" x2="79090" y2="83255"/>
+                        <a14:foregroundMark x1="71556" y1="54222" x2="82113" y2="83482"/>
+                        <a14:foregroundMark x1="54222" y1="57778" x2="66222" y2="93333"/>
+                        <a14:foregroundMark x1="35556" y1="48444" x2="49778" y2="89778"/>
+                        <a14:foregroundMark x1="37991" y1="93568" x2="38667" y2="95556"/>
+                        <a14:foregroundMark x1="24000" y1="52444" x2="37862" y2="93189"/>
+                        <a14:foregroundMark x1="36698" y1="95106" x2="37778" y2="99111"/>
+                        <a14:foregroundMark x1="24000" y1="48000" x2="35979" y2="92436"/>
+                        <a14:foregroundMark x1="13333" y1="45778" x2="24694" y2="88190"/>
+                        <a14:foregroundMark x1="26667" y1="38222" x2="41333" y2="5333"/>
+                        <a14:foregroundMark x1="72000" y1="23111" x2="91523" y2="71321"/>
+                        <a14:foregroundMark x1="16889" y1="42222" x2="18667" y2="84889"/>
+                        <a14:foregroundMark x1="10222" y1="31556" x2="11556" y2="76000"/>
+                        <a14:foregroundMark x1="5778" y1="29333" x2="11111" y2="67556"/>
+                        <a14:foregroundMark x1="84444" y1="28444" x2="97778" y2="51556"/>
+                        <a14:foregroundMark x1="4444" y1="50667" x2="18222" y2="82667"/>
+                        <a14:foregroundMark x1="33333" y1="39556" x2="31556" y2="59111"/>
+                        <a14:foregroundMark x1="59556" y1="55111" x2="68889" y2="74667"/>
+                        <a14:foregroundMark x1="75556" y1="68000" x2="77333" y2="88444"/>
+                        <a14:foregroundMark x1="74222" y1="90222" x2="74222" y2="90222"/>
+                        <a14:foregroundMark x1="76889" y1="90222" x2="76889" y2="90222"/>
+                        <a14:foregroundMark x1="79111" y1="87111" x2="70222" y2="88000"/>
+                        <a14:foregroundMark x1="88000" y1="67556" x2="90451" y2="72011"/>
+                        <a14:foregroundMark x1="88000" y1="64000" x2="94789" y2="74720"/>
+                        <a14:backgroundMark x1="84444" y1="94222" x2="87556" y2="92000"/>
+                        <a14:backgroundMark x1="85778" y1="92000" x2="85333" y2="92000"/>
+                        <a14:backgroundMark x1="89778" y1="90222" x2="80767" y2="89546"/>
+                        <a14:backgroundMark x1="96444" y1="78222" x2="95968" y2="77603"/>
+                        <a14:backgroundMark x1="97778" y1="81778" x2="96000" y2="81778"/>
+                        <a14:backgroundMark x1="95556" y1="79556" x2="95556" y2="77778"/>
+                        <a14:backgroundMark x1="20000" y1="93778" x2="33333" y2="99111"/>
+                        <a14:backgroundMark x1="87556" y1="88889" x2="89333" y2="95556"/>
+                        <a14:backgroundMark x1="83556" y1="96444" x2="87111" y2="98667"/>
+                        <a14:backgroundMark x1="94337" y1="78524" x2="95111" y2="79556"/>
+                        <a14:backgroundMark x1="94222" y1="88889" x2="96000" y2="77778"/>
+                        <a14:backgroundMark x1="95111" y1="74667" x2="96000" y2="80000"/>
+                      </a14:backgroundRemoval>
+                    </a14:imgEffect>
+                  </a14:imgLayer>
+                </a14:imgProps>
+              </a:ext>
+              <a:ext uri="{28A0092B-C50C-407E-A947-70E740481C1C}">
+                <a14:useLocalDpi xmlns:a14="http://schemas.microsoft.com/office/drawing/2010/main" val="0"/>
+              </a:ext>
+            </a:extLst>
+          </a:blip>
+          <a:srcRect/>
+          <a:stretch>
+            <a:fillRect/>
+          </a:stretch>
+        </p:blipFill>
+        <p:spPr bwMode="auto">
+          <a:xfrm>
+            <a:off x="9299353" y="2828714"/>
+            <a:ext cx="449278" cy="433984"/>
+          </a:xfrm>
+          <a:prstGeom prst="rect">
+            <a:avLst/>
+          </a:prstGeom>
+          <a:noFill/>
+          <a:extLst>
+            <a:ext uri="{909E8E84-426E-40DD-AFC4-6F175D3DCCD1}">
+              <a14:hiddenFill xmlns:a14="http://schemas.microsoft.com/office/drawing/2010/main">
+                <a:solidFill>
+                  <a:srgbClr val="FFFFFF"/>
+                </a:solidFill>
+              </a14:hiddenFill>
+            </a:ext>
+          </a:extLst>
+        </p:spPr>
+      </p:pic>
+      <p:pic>
+        <p:nvPicPr>
+          <p:cNvPr id="30" name="Picture 10">
+            <a:extLst>
+              <a:ext uri="{FF2B5EF4-FFF2-40B4-BE49-F238E27FC236}">
+                <a16:creationId xmlns:lc="http://schemas.openxmlformats.org/drawingml/2006/lockedCanvas" xmlns:a16="http://schemas.microsoft.com/office/drawing/2014/main" xmlns="" id="{1B8B7977-5BF0-49EB-AA23-E003EBBF4235}"/>
+              </a:ext>
+            </a:extLst>
+          </p:cNvPr>
+          <p:cNvPicPr>
+            <a:picLocks noChangeAspect="1" noChangeArrowheads="1"/>
+          </p:cNvPicPr>
+          <p:nvPr/>
+        </p:nvPicPr>
+        <p:blipFill>
+          <a:blip r:embed="rId21" cstate="print">
+            <a:extLst>
+              <a:ext uri="{28A0092B-C50C-407E-A947-70E740481C1C}">
+                <a14:useLocalDpi xmlns:a14="http://schemas.microsoft.com/office/drawing/2010/main" val="0"/>
+              </a:ext>
+            </a:extLst>
+          </a:blip>
+          <a:srcRect/>
+          <a:stretch>
+            <a:fillRect/>
+          </a:stretch>
+        </p:blipFill>
+        <p:spPr bwMode="auto">
+          <a:xfrm>
+            <a:off x="8582953" y="2808428"/>
+            <a:ext cx="477140" cy="475764"/>
+          </a:xfrm>
+          <a:prstGeom prst="rect">
+            <a:avLst/>
+          </a:prstGeom>
+          <a:noFill/>
+          <a:extLst>
+            <a:ext uri="{909E8E84-426E-40DD-AFC4-6F175D3DCCD1}">
+              <a14:hiddenFill xmlns:a14="http://schemas.microsoft.com/office/drawing/2010/main">
+                <a:solidFill>
+                  <a:srgbClr val="FFFFFF"/>
+                </a:solidFill>
+              </a14:hiddenFill>
+            </a:ext>
+          </a:extLst>
+        </p:spPr>
+      </p:pic>
+      <p:pic>
+        <p:nvPicPr>
+          <p:cNvPr id="31" name="Picture 12">
+            <a:extLst>
+              <a:ext uri="{FF2B5EF4-FFF2-40B4-BE49-F238E27FC236}">
+                <a16:creationId xmlns:lc="http://schemas.openxmlformats.org/drawingml/2006/lockedCanvas" xmlns:a16="http://schemas.microsoft.com/office/drawing/2014/main" xmlns="" id="{0B2E309C-CCF7-4AA4-83F8-E1FA7025C71B}"/>
+              </a:ext>
+            </a:extLst>
+          </p:cNvPr>
+          <p:cNvPicPr>
+            <a:picLocks noChangeAspect="1" noChangeArrowheads="1"/>
+          </p:cNvPicPr>
+          <p:nvPr/>
+        </p:nvPicPr>
+        <p:blipFill>
+          <a:blip r:embed="rId22" cstate="print">
+            <a:extLst>
+              <a:ext uri="{BEBA8EAE-BF5A-486C-A8C5-ECC9F3942E4B}">
+                <a14:imgProps xmlns:a14="http://schemas.microsoft.com/office/drawing/2010/main">
+                  <a14:imgLayer r:embed="rId23">
+                    <a14:imgEffect>
+                      <a14:backgroundRemoval t="4000" b="98667" l="3556" r="99556">
+                        <a14:foregroundMark x1="8000" y1="32444" x2="11111" y2="72889"/>
+                        <a14:foregroundMark x1="3556" y1="42222" x2="13778" y2="62667"/>
+                        <a14:foregroundMark x1="25778" y1="65778" x2="41333" y2="92000"/>
+                        <a14:foregroundMark x1="36889" y1="86667" x2="47556" y2="95111"/>
+                        <a14:foregroundMark x1="37778" y1="96000" x2="45778" y2="98667"/>
+                        <a14:foregroundMark x1="25778" y1="17778" x2="69778" y2="17778"/>
+                        <a14:foregroundMark x1="48000" y1="12000" x2="84000" y2="44889"/>
+                        <a14:foregroundMark x1="42222" y1="17778" x2="76889" y2="23556"/>
+                        <a14:foregroundMark x1="73333" y1="30222" x2="79556" y2="53333"/>
+                        <a14:foregroundMark x1="71111" y1="56889" x2="72000" y2="59556"/>
+                        <a14:foregroundMark x1="84000" y1="54222" x2="66667" y2="58667"/>
+                        <a14:foregroundMark x1="70222" y1="13778" x2="94222" y2="58222"/>
+                        <a14:foregroundMark x1="61778" y1="27111" x2="37778" y2="4444"/>
+                        <a14:foregroundMark x1="93778" y1="37333" x2="99556" y2="37333"/>
+                      </a14:backgroundRemoval>
+                    </a14:imgEffect>
+                  </a14:imgLayer>
+                </a14:imgProps>
+              </a:ext>
+              <a:ext uri="{28A0092B-C50C-407E-A947-70E740481C1C}">
+                <a14:useLocalDpi xmlns:a14="http://schemas.microsoft.com/office/drawing/2010/main" val="0"/>
+              </a:ext>
+            </a:extLst>
+          </a:blip>
+          <a:srcRect/>
+          <a:stretch>
+            <a:fillRect/>
+          </a:stretch>
+        </p:blipFill>
+        <p:spPr bwMode="auto">
+          <a:xfrm>
+            <a:off x="9973048" y="2828714"/>
+            <a:ext cx="459592" cy="443945"/>
+          </a:xfrm>
+          <a:prstGeom prst="rect">
+            <a:avLst/>
+          </a:prstGeom>
+          <a:noFill/>
+          <a:extLst>
+            <a:ext uri="{909E8E84-426E-40DD-AFC4-6F175D3DCCD1}">
+              <a14:hiddenFill xmlns:a14="http://schemas.microsoft.com/office/drawing/2010/main">
+                <a:solidFill>
+                  <a:srgbClr val="FFFFFF"/>
+                </a:solidFill>
+              </a14:hiddenFill>
+            </a:ext>
+          </a:extLst>
+        </p:spPr>
+      </p:pic>
+      <p:pic>
+        <p:nvPicPr>
+          <p:cNvPr id="32" name="Picture 20">
+            <a:extLst>
+              <a:ext uri="{FF2B5EF4-FFF2-40B4-BE49-F238E27FC236}">
+                <a16:creationId xmlns:lc="http://schemas.openxmlformats.org/drawingml/2006/lockedCanvas" xmlns:a16="http://schemas.microsoft.com/office/drawing/2014/main" xmlns="" id="{DA0EEA87-7B88-4DE7-BEDD-46044B066206}"/>
+              </a:ext>
+            </a:extLst>
+          </p:cNvPr>
+          <p:cNvPicPr>
+            <a:picLocks noChangeAspect="1" noChangeArrowheads="1"/>
+          </p:cNvPicPr>
+          <p:nvPr/>
+        </p:nvPicPr>
+        <p:blipFill>
+          <a:blip r:embed="rId24" cstate="print">
+            <a:extLst>
+              <a:ext uri="{28A0092B-C50C-407E-A947-70E740481C1C}">
+                <a14:useLocalDpi xmlns:a14="http://schemas.microsoft.com/office/drawing/2010/main" val="0"/>
+              </a:ext>
+            </a:extLst>
+          </a:blip>
+          <a:srcRect/>
+          <a:stretch>
+            <a:fillRect/>
+          </a:stretch>
+        </p:blipFill>
+        <p:spPr bwMode="auto">
+          <a:xfrm>
+            <a:off x="10487185" y="660049"/>
+            <a:ext cx="598688" cy="578307"/>
+          </a:xfrm>
+          <a:prstGeom prst="rect">
+            <a:avLst/>
+          </a:prstGeom>
+          <a:noFill/>
+          <a:extLst>
+            <a:ext uri="{909E8E84-426E-40DD-AFC4-6F175D3DCCD1}">
+              <a14:hiddenFill xmlns:a14="http://schemas.microsoft.com/office/drawing/2010/main">
+                <a:solidFill>
+                  <a:srgbClr val="FFFFFF"/>
+                </a:solidFill>
+              </a14:hiddenFill>
+            </a:ext>
+          </a:extLst>
+        </p:spPr>
+      </p:pic>
+      <p:pic>
+        <p:nvPicPr>
+          <p:cNvPr id="33" name="Picture 24">
+            <a:extLst>
+              <a:ext uri="{FF2B5EF4-FFF2-40B4-BE49-F238E27FC236}">
+                <a16:creationId xmlns:lc="http://schemas.openxmlformats.org/drawingml/2006/lockedCanvas" xmlns:a16="http://schemas.microsoft.com/office/drawing/2014/main" xmlns="" id="{D13A096A-5BB7-4B67-B417-EE41F9327A1F}"/>
+              </a:ext>
+            </a:extLst>
+          </p:cNvPr>
+          <p:cNvPicPr>
+            <a:picLocks noChangeAspect="1" noChangeArrowheads="1"/>
+          </p:cNvPicPr>
+          <p:nvPr/>
+        </p:nvPicPr>
+        <p:blipFill>
+          <a:blip r:embed="rId25" cstate="print">
+            <a:extLst>
+              <a:ext uri="{28A0092B-C50C-407E-A947-70E740481C1C}">
+                <a14:useLocalDpi xmlns:a14="http://schemas.microsoft.com/office/drawing/2010/main" val="0"/>
+              </a:ext>
+            </a:extLst>
+          </a:blip>
+          <a:srcRect/>
+          <a:stretch>
+            <a:fillRect/>
+          </a:stretch>
+        </p:blipFill>
+        <p:spPr bwMode="auto">
+          <a:xfrm>
+            <a:off x="11215025" y="778165"/>
+            <a:ext cx="646811" cy="342073"/>
+          </a:xfrm>
+          <a:prstGeom prst="rect">
+            <a:avLst/>
+          </a:prstGeom>
+          <a:noFill/>
+          <a:extLst>
+            <a:ext uri="{909E8E84-426E-40DD-AFC4-6F175D3DCCD1}">
+              <a14:hiddenFill xmlns:a14="http://schemas.microsoft.com/office/drawing/2010/main">
+                <a:solidFill>
+                  <a:srgbClr val="FFFFFF"/>
+                </a:solidFill>
+              </a14:hiddenFill>
+            </a:ext>
+          </a:extLst>
+        </p:spPr>
+      </p:pic>
+      <p:pic>
+        <p:nvPicPr>
+          <p:cNvPr id="35" name="Picture 14" descr="File:Visual Studio Code 1.35 icon.svg - Wikimedia Commons"/>
+          <p:cNvPicPr>
+            <a:picLocks noChangeAspect="1" noChangeArrowheads="1"/>
+          </p:cNvPicPr>
+          <p:nvPr/>
+        </p:nvPicPr>
+        <p:blipFill>
+          <a:blip r:embed="rId26" cstate="print">
+            <a:extLst>
+              <a:ext uri="{28A0092B-C50C-407E-A947-70E740481C1C}">
+                <a14:useLocalDpi xmlns:a14="http://schemas.microsoft.com/office/drawing/2010/main" val="0"/>
+              </a:ext>
+            </a:extLst>
+          </a:blip>
+          <a:srcRect/>
+          <a:stretch>
+            <a:fillRect/>
+          </a:stretch>
+        </p:blipFill>
+        <p:spPr bwMode="auto">
+          <a:xfrm>
+            <a:off x="2335978" y="5358982"/>
+            <a:ext cx="594544" cy="594544"/>
+          </a:xfrm>
+          <a:prstGeom prst="rect">
+            <a:avLst/>
+          </a:prstGeom>
+          <a:noFill/>
+          <a:extLst>
+            <a:ext uri="{909E8E84-426E-40DD-AFC4-6F175D3DCCD1}">
+              <a14:hiddenFill xmlns:a14="http://schemas.microsoft.com/office/drawing/2010/main">
+                <a:solidFill>
+                  <a:srgbClr val="FFFFFF"/>
+                </a:solidFill>
+              </a14:hiddenFill>
+            </a:ext>
+          </a:extLst>
+        </p:spPr>
+      </p:pic>
+      <p:pic>
+        <p:nvPicPr>
+          <p:cNvPr id="36" name="Picture 16" descr="Logo MySQL: valor, história, png, vector"/>
+          <p:cNvPicPr>
+            <a:picLocks noChangeAspect="1" noChangeArrowheads="1"/>
+          </p:cNvPicPr>
+          <p:nvPr/>
+        </p:nvPicPr>
+        <p:blipFill>
+          <a:blip r:embed="rId27" cstate="print">
+            <a:extLst>
+              <a:ext uri="{28A0092B-C50C-407E-A947-70E740481C1C}">
+                <a14:useLocalDpi xmlns:a14="http://schemas.microsoft.com/office/drawing/2010/main" val="0"/>
+              </a:ext>
+            </a:extLst>
+          </a:blip>
+          <a:srcRect/>
+          <a:stretch>
+            <a:fillRect/>
+          </a:stretch>
+        </p:blipFill>
+        <p:spPr bwMode="auto">
+          <a:xfrm>
+            <a:off x="4158089" y="3242298"/>
+            <a:ext cx="1668594" cy="1112396"/>
+          </a:xfrm>
+          <a:prstGeom prst="rect">
+            <a:avLst/>
+          </a:prstGeom>
+          <a:noFill/>
+          <a:extLst>
+            <a:ext uri="{909E8E84-426E-40DD-AFC4-6F175D3DCCD1}">
+              <a14:hiddenFill xmlns:a14="http://schemas.microsoft.com/office/drawing/2010/main">
+                <a:solidFill>
+                  <a:srgbClr val="FFFFFF"/>
+                </a:solidFill>
+              </a14:hiddenFill>
+            </a:ext>
+          </a:extLst>
+        </p:spPr>
+      </p:pic>
+      <p:pic>
+        <p:nvPicPr>
+          <p:cNvPr id="37" name="Picture 18" descr="Ficheiro:Microsoft Azure Logo.svg – Wikipédia, a enciclopédia livre"/>
+          <p:cNvPicPr>
+            <a:picLocks noChangeAspect="1" noChangeArrowheads="1"/>
+          </p:cNvPicPr>
+          <p:nvPr/>
+        </p:nvPicPr>
+        <p:blipFill>
+          <a:blip r:embed="rId28" cstate="print">
+            <a:extLst>
+              <a:ext uri="{28A0092B-C50C-407E-A947-70E740481C1C}">
+                <a14:useLocalDpi xmlns:a14="http://schemas.microsoft.com/office/drawing/2010/main" val="0"/>
+              </a:ext>
+            </a:extLst>
+          </a:blip>
+          <a:srcRect/>
+          <a:stretch>
+            <a:fillRect/>
+          </a:stretch>
+        </p:blipFill>
+        <p:spPr bwMode="auto">
+          <a:xfrm>
+            <a:off x="5761502" y="4469806"/>
+            <a:ext cx="1511181" cy="436826"/>
+          </a:xfrm>
+          <a:prstGeom prst="rect">
+            <a:avLst/>
+          </a:prstGeom>
+          <a:noFill/>
+          <a:extLst>
+            <a:ext uri="{909E8E84-426E-40DD-AFC4-6F175D3DCCD1}">
+              <a14:hiddenFill xmlns:a14="http://schemas.microsoft.com/office/drawing/2010/main">
+                <a:solidFill>
+                  <a:srgbClr val="FFFFFF"/>
+                </a:solidFill>
+              </a14:hiddenFill>
+            </a:ext>
+          </a:extLst>
+        </p:spPr>
+      </p:pic>
+      <p:sp>
+        <p:nvSpPr>
+          <p:cNvPr id="38" name="Seta para a direita 37"/>
+          <p:cNvSpPr/>
+          <p:nvPr/>
+        </p:nvSpPr>
+        <p:spPr>
+          <a:xfrm rot="19963301">
+            <a:off x="7047459" y="2983685"/>
+            <a:ext cx="858551" cy="238639"/>
+          </a:xfrm>
+          <a:prstGeom prst="rightArrow">
+            <a:avLst/>
+          </a:prstGeom>
+          <a:solidFill>
+            <a:srgbClr val="99FF33"/>
+          </a:solidFill>
+          <a:ln>
+            <a:solidFill>
+              <a:srgbClr val="74D5E8"/>
+            </a:solidFill>
+          </a:ln>
+        </p:spPr>
+        <p:style>
+          <a:lnRef idx="2">
+            <a:schemeClr val="accent1">
+              <a:shade val="50000"/>
+            </a:schemeClr>
+          </a:lnRef>
+          <a:fillRef idx="1">
+            <a:schemeClr val="accent1"/>
+          </a:fillRef>
+          <a:effectRef idx="0">
+            <a:schemeClr val="accent1"/>
+          </a:effectRef>
+          <a:fontRef idx="minor">
+            <a:schemeClr val="lt1"/>
+          </a:fontRef>
+        </p:style>
+        <p:txBody>
+          <a:bodyPr rtlCol="0" anchor="ctr"/>
+          <a:lstStyle/>
+          <a:p>
+            <a:pPr algn="ctr"/>
+            <a:endParaRPr lang="pt-BR"/>
+          </a:p>
+        </p:txBody>
+      </p:sp>
+      <p:sp>
+        <p:nvSpPr>
+          <p:cNvPr id="40" name="CaixaDeTexto 39"/>
+          <p:cNvSpPr txBox="1"/>
+          <p:nvPr/>
+        </p:nvSpPr>
+        <p:spPr>
+          <a:xfrm>
+            <a:off x="5594816" y="-36664"/>
+            <a:ext cx="1295400" cy="769441"/>
+          </a:xfrm>
+          <a:prstGeom prst="rect">
+            <a:avLst/>
+          </a:prstGeom>
+          <a:noFill/>
+        </p:spPr>
+        <p:txBody>
+          <a:bodyPr wrap="square" rtlCol="0">
+            <a:spAutoFit/>
+          </a:bodyPr>
+          <a:lstStyle/>
+          <a:p>
+            <a:r>
+              <a:rPr lang="pt-BR" sz="4400" b="1" dirty="0" smtClean="0">
+                <a:solidFill>
+                  <a:srgbClr val="22A2BD"/>
+                </a:solidFill>
+              </a:rPr>
+              <a:t>LLD</a:t>
+            </a:r>
+            <a:endParaRPr lang="pt-BR" sz="4400" b="1" dirty="0">
+              <a:solidFill>
+                <a:srgbClr val="22A2BD"/>
+              </a:solidFill>
+            </a:endParaRPr>
+          </a:p>
+        </p:txBody>
+      </p:sp>
+      <p:sp>
+        <p:nvSpPr>
+          <p:cNvPr id="41" name="CaixaDeTexto 40"/>
+          <p:cNvSpPr txBox="1"/>
+          <p:nvPr/>
+        </p:nvSpPr>
+        <p:spPr>
+          <a:xfrm>
+            <a:off x="5386733" y="506160"/>
+            <a:ext cx="1885950" cy="307777"/>
+          </a:xfrm>
+          <a:prstGeom prst="rect">
+            <a:avLst/>
+          </a:prstGeom>
+          <a:noFill/>
+        </p:spPr>
+        <p:txBody>
+          <a:bodyPr wrap="square" rtlCol="0">
+            <a:spAutoFit/>
+          </a:bodyPr>
+          <a:lstStyle/>
+          <a:p>
+            <a:r>
+              <a:rPr lang="pt-BR" sz="1400" b="1" dirty="0" err="1" smtClean="0">
+                <a:solidFill>
+                  <a:schemeClr val="bg1"/>
+                </a:solidFill>
+                <a:latin typeface="+mj-lt"/>
+              </a:rPr>
+              <a:t>Low</a:t>
+            </a:r>
+            <a:r>
+              <a:rPr lang="pt-BR" sz="1400" b="1" dirty="0" smtClean="0">
+                <a:solidFill>
+                  <a:schemeClr val="bg1"/>
+                </a:solidFill>
+                <a:latin typeface="+mj-lt"/>
+              </a:rPr>
+              <a:t> </a:t>
+            </a:r>
+            <a:r>
+              <a:rPr lang="pt-BR" sz="1400" b="1" dirty="0" err="1" smtClean="0">
+                <a:solidFill>
+                  <a:schemeClr val="bg1"/>
+                </a:solidFill>
+                <a:latin typeface="+mj-lt"/>
+              </a:rPr>
+              <a:t>Level</a:t>
+            </a:r>
+            <a:r>
+              <a:rPr lang="pt-BR" sz="1400" b="1" dirty="0" smtClean="0">
+                <a:solidFill>
+                  <a:schemeClr val="bg1"/>
+                </a:solidFill>
+                <a:latin typeface="+mj-lt"/>
+              </a:rPr>
+              <a:t> Design</a:t>
+            </a:r>
+            <a:endParaRPr lang="pt-BR" sz="1400" b="1" dirty="0">
+              <a:solidFill>
+                <a:schemeClr val="bg1"/>
+              </a:solidFill>
+              <a:latin typeface="+mj-lt"/>
+            </a:endParaRPr>
+          </a:p>
+        </p:txBody>
+      </p:sp>
+      <p:pic>
+        <p:nvPicPr>
+          <p:cNvPr id="42" name="Picture 16" descr="Cadastro - ícones de multimídia grátis"/>
+          <p:cNvPicPr>
+            <a:picLocks noChangeAspect="1" noChangeArrowheads="1"/>
+          </p:cNvPicPr>
+          <p:nvPr/>
+        </p:nvPicPr>
+        <p:blipFill>
+          <a:blip r:embed="rId29" cstate="print">
+            <a:duotone>
+              <a:schemeClr val="accent6">
+                <a:shade val="45000"/>
+                <a:satMod val="135000"/>
+              </a:schemeClr>
+              <a:prstClr val="white"/>
+            </a:duotone>
+            <a:extLst>
+              <a:ext uri="{28A0092B-C50C-407E-A947-70E740481C1C}">
+                <a14:useLocalDpi xmlns:a14="http://schemas.microsoft.com/office/drawing/2010/main" val="0"/>
+              </a:ext>
+            </a:extLst>
+          </a:blip>
+          <a:srcRect/>
+          <a:stretch>
+            <a:fillRect/>
+          </a:stretch>
+        </p:blipFill>
+        <p:spPr bwMode="auto">
+          <a:xfrm>
+            <a:off x="700293" y="4319402"/>
+            <a:ext cx="653730" cy="653730"/>
+          </a:xfrm>
+          <a:prstGeom prst="rect">
+            <a:avLst/>
+          </a:prstGeom>
+          <a:noFill/>
+          <a:extLst>
+            <a:ext uri="{909E8E84-426E-40DD-AFC4-6F175D3DCCD1}">
+              <a14:hiddenFill xmlns:a14="http://schemas.microsoft.com/office/drawing/2010/main">
+                <a:solidFill>
+                  <a:srgbClr val="FFFFFF"/>
+                </a:solidFill>
+              </a14:hiddenFill>
+            </a:ext>
+          </a:extLst>
+        </p:spPr>
+      </p:pic>
+      <p:pic>
+        <p:nvPicPr>
+          <p:cNvPr id="43" name="Imagem 42">
+            <a:extLst>
+              <a:ext uri="{FF2B5EF4-FFF2-40B4-BE49-F238E27FC236}">
+                <a16:creationId xmlns="" xmlns:a16="http://schemas.microsoft.com/office/drawing/2014/main" id="{8A52A4DB-DB94-424B-834A-4E9891BB3857}"/>
+              </a:ext>
+            </a:extLst>
+          </p:cNvPr>
+          <p:cNvPicPr>
+            <a:picLocks noChangeAspect="1"/>
+          </p:cNvPicPr>
+          <p:nvPr/>
+        </p:nvPicPr>
+        <p:blipFill>
+          <a:blip r:embed="rId30" cstate="print">
+            <a:duotone>
+              <a:schemeClr val="accent1">
+                <a:shade val="45000"/>
+                <a:satMod val="135000"/>
+              </a:schemeClr>
+              <a:prstClr val="white"/>
+            </a:duotone>
+            <a:extLst>
+              <a:ext uri="{BEBA8EAE-BF5A-486C-A8C5-ECC9F3942E4B}">
+                <a14:imgProps xmlns:a14="http://schemas.microsoft.com/office/drawing/2010/main">
+                  <a14:imgLayer r:embed="rId31">
+                    <a14:imgEffect>
+                      <a14:backgroundRemoval t="0" b="100000" l="0" r="100000"/>
+                    </a14:imgEffect>
+                  </a14:imgLayer>
+                </a14:imgProps>
+              </a:ext>
+              <a:ext uri="{28A0092B-C50C-407E-A947-70E740481C1C}">
+                <a14:useLocalDpi xmlns:a14="http://schemas.microsoft.com/office/drawing/2010/main" val="0"/>
+              </a:ext>
+            </a:extLst>
+          </a:blip>
+          <a:stretch>
+            <a:fillRect/>
+          </a:stretch>
+        </p:blipFill>
+        <p:spPr>
+          <a:xfrm>
+            <a:off x="4578852" y="4240175"/>
+            <a:ext cx="717119" cy="732957"/>
+          </a:xfrm>
+          <a:prstGeom prst="rect">
+            <a:avLst/>
+          </a:prstGeom>
+        </p:spPr>
+      </p:pic>
+      <p:pic>
+        <p:nvPicPr>
+          <p:cNvPr id="44" name="Picture 8" descr="Linguagens de Programação: Conheça as mais populares- Blog DialHost"/>
+          <p:cNvPicPr>
+            <a:picLocks noChangeAspect="1" noChangeArrowheads="1"/>
+          </p:cNvPicPr>
+          <p:nvPr/>
+        </p:nvPicPr>
+        <p:blipFill rotWithShape="1">
+          <a:blip r:embed="rId7" cstate="print">
+            <a:lum bright="70000" contrast="-70000"/>
+            <a:extLst>
+              <a:ext uri="{28A0092B-C50C-407E-A947-70E740481C1C}">
+                <a14:useLocalDpi xmlns:a14="http://schemas.microsoft.com/office/drawing/2010/main" val="0"/>
+              </a:ext>
+            </a:extLst>
+          </a:blip>
+          <a:srcRect b="83799"/>
+          <a:stretch/>
+        </p:blipFill>
+        <p:spPr bwMode="auto">
+          <a:xfrm>
+            <a:off x="1932492" y="2931195"/>
+            <a:ext cx="402215" cy="91910"/>
+          </a:xfrm>
+          <a:prstGeom prst="rect">
+            <a:avLst/>
+          </a:prstGeom>
+          <a:noFill/>
+          <a:extLst>
+            <a:ext uri="{909E8E84-426E-40DD-AFC4-6F175D3DCCD1}">
+              <a14:hiddenFill xmlns:a14="http://schemas.microsoft.com/office/drawing/2010/main">
+                <a:solidFill>
+                  <a:srgbClr val="FFFFFF"/>
+                </a:solidFill>
+              </a14:hiddenFill>
+            </a:ext>
+          </a:extLst>
+        </p:spPr>
+      </p:pic>
+      <p:pic>
+        <p:nvPicPr>
+          <p:cNvPr id="47" name="Picture 6" descr="Logo JavaScript: valor, história, png, vector"/>
+          <p:cNvPicPr>
+            <a:picLocks noChangeAspect="1" noChangeArrowheads="1"/>
+          </p:cNvPicPr>
+          <p:nvPr/>
+        </p:nvPicPr>
+        <p:blipFill rotWithShape="1">
+          <a:blip r:embed="rId6" cstate="print">
+            <a:duotone>
+              <a:schemeClr val="bg2">
+                <a:shade val="45000"/>
+                <a:satMod val="135000"/>
+              </a:schemeClr>
+              <a:prstClr val="white"/>
+            </a:duotone>
+            <a:extLst>
+              <a:ext uri="{28A0092B-C50C-407E-A947-70E740481C1C}">
+                <a14:useLocalDpi xmlns:a14="http://schemas.microsoft.com/office/drawing/2010/main" val="0"/>
+              </a:ext>
+            </a:extLst>
+          </a:blip>
+          <a:srcRect l="17822" r="19735" b="81776"/>
+          <a:stretch/>
+        </p:blipFill>
+        <p:spPr bwMode="auto">
+          <a:xfrm>
+            <a:off x="2517320" y="2930074"/>
+            <a:ext cx="566671" cy="103366"/>
+          </a:xfrm>
+          <a:prstGeom prst="rect">
+            <a:avLst/>
+          </a:prstGeom>
+          <a:noFill/>
+          <a:extLst>
+            <a:ext uri="{909E8E84-426E-40DD-AFC4-6F175D3DCCD1}">
+              <a14:hiddenFill xmlns:a14="http://schemas.microsoft.com/office/drawing/2010/main">
+                <a:solidFill>
+                  <a:srgbClr val="FFFFFF"/>
+                </a:solidFill>
+              </a14:hiddenFill>
+            </a:ext>
+          </a:extLst>
+        </p:spPr>
+      </p:pic>
+      <p:pic>
+        <p:nvPicPr>
+          <p:cNvPr id="48" name="Picture 10" descr="Curso de HTML e CSS | Cursos Online ao Vivo | RHB Informática"/>
+          <p:cNvPicPr>
+            <a:picLocks noChangeAspect="1" noChangeArrowheads="1"/>
+          </p:cNvPicPr>
+          <p:nvPr/>
+        </p:nvPicPr>
+        <p:blipFill rotWithShape="1">
+          <a:blip r:embed="rId8" cstate="print">
+            <a:duotone>
+              <a:schemeClr val="bg2">
+                <a:shade val="45000"/>
+                <a:satMod val="135000"/>
+              </a:schemeClr>
+              <a:prstClr val="white"/>
+            </a:duotone>
+            <a:extLst>
+              <a:ext uri="{28A0092B-C50C-407E-A947-70E740481C1C}">
+                <a14:useLocalDpi xmlns:a14="http://schemas.microsoft.com/office/drawing/2010/main" val="0"/>
+              </a:ext>
+            </a:extLst>
+          </a:blip>
+          <a:srcRect l="51169" t="11141" r="-1403" b="71804"/>
+          <a:stretch/>
+        </p:blipFill>
+        <p:spPr bwMode="auto">
+          <a:xfrm>
+            <a:off x="3323251" y="2897216"/>
+            <a:ext cx="437372" cy="148490"/>
+          </a:xfrm>
+          <a:prstGeom prst="rect">
+            <a:avLst/>
+          </a:prstGeom>
+          <a:noFill/>
+          <a:extLst>
+            <a:ext uri="{909E8E84-426E-40DD-AFC4-6F175D3DCCD1}">
+              <a14:hiddenFill xmlns:a14="http://schemas.microsoft.com/office/drawing/2010/main">
+                <a:solidFill>
+                  <a:srgbClr val="FFFFFF"/>
+                </a:solidFill>
+              </a14:hiddenFill>
+            </a:ext>
+          </a:extLst>
+        </p:spPr>
+      </p:pic>
+    </p:spTree>
+    <p:extLst>
+      <p:ext uri="{BB962C8B-B14F-4D97-AF65-F5344CB8AC3E}">
+        <p14:creationId xmlns:p14="http://schemas.microsoft.com/office/powerpoint/2010/main" val="2289814430"/>
+      </p:ext>
+    </p:extLst>
+  </p:cSld>
+  <p:clrMapOvr>
+    <a:masterClrMapping/>
+  </p:clrMapOvr>
   <p:timing>
     <p:tnLst>
       <p:par>
